--- a/file/面试文档/04-多线程.pptx
+++ b/file/面试文档/04-多线程.pptx
@@ -1,54 +1,54 @@
 
 <file path=ppt/presentation.xml><?xml version="1.0" encoding="utf-8"?>
-<p:presentation xmlns:a="http://schemas.openxmlformats.org/drawingml/2006/main" xmlns:r="http://schemas.openxmlformats.org/officeDocument/2006/relationships" xmlns:p="http://schemas.openxmlformats.org/presentationml/2006/main" saveSubsetFonts="1">
+<p:presentation xmlns:a="http://schemas.openxmlformats.org/drawingml/2006/main" xmlns:r="http://schemas.openxmlformats.org/officeDocument/2006/relationships" xmlns:p="http://schemas.openxmlformats.org/presentationml/2006/main">
   <p:sldMasterIdLst>
     <p:sldMasterId id="2147483648" r:id="rId1"/>
   </p:sldMasterIdLst>
   <p:notesMasterIdLst>
-    <p:notesMasterId r:id="rId40"/>
+    <p:notesMasterId r:id="rId41"/>
   </p:notesMasterIdLst>
   <p:handoutMasterIdLst>
-    <p:handoutMasterId r:id="rId41"/>
+    <p:handoutMasterId r:id="rId42"/>
   </p:handoutMasterIdLst>
   <p:sldIdLst>
-    <p:sldId id="292" r:id="rId2"/>
-    <p:sldId id="293" r:id="rId3"/>
-    <p:sldId id="326" r:id="rId4"/>
-    <p:sldId id="327" r:id="rId5"/>
-    <p:sldId id="294" r:id="rId6"/>
-    <p:sldId id="295" r:id="rId7"/>
-    <p:sldId id="297" r:id="rId8"/>
-    <p:sldId id="296" r:id="rId9"/>
-    <p:sldId id="298" r:id="rId10"/>
-    <p:sldId id="321" r:id="rId11"/>
-    <p:sldId id="322" r:id="rId12"/>
-    <p:sldId id="323" r:id="rId13"/>
-    <p:sldId id="324" r:id="rId14"/>
-    <p:sldId id="299" r:id="rId15"/>
-    <p:sldId id="300" r:id="rId16"/>
-    <p:sldId id="301" r:id="rId17"/>
-    <p:sldId id="302" r:id="rId18"/>
-    <p:sldId id="303" r:id="rId19"/>
-    <p:sldId id="304" r:id="rId20"/>
-    <p:sldId id="305" r:id="rId21"/>
-    <p:sldId id="306" r:id="rId22"/>
-    <p:sldId id="307" r:id="rId23"/>
-    <p:sldId id="308" r:id="rId24"/>
-    <p:sldId id="309" r:id="rId25"/>
-    <p:sldId id="310" r:id="rId26"/>
-    <p:sldId id="313" r:id="rId27"/>
-    <p:sldId id="314" r:id="rId28"/>
-    <p:sldId id="315" r:id="rId29"/>
-    <p:sldId id="311" r:id="rId30"/>
-    <p:sldId id="312" r:id="rId31"/>
-    <p:sldId id="316" r:id="rId32"/>
-    <p:sldId id="325" r:id="rId33"/>
-    <p:sldId id="328" r:id="rId34"/>
-    <p:sldId id="318" r:id="rId35"/>
-    <p:sldId id="317" r:id="rId36"/>
-    <p:sldId id="319" r:id="rId37"/>
-    <p:sldId id="320" r:id="rId38"/>
-    <p:sldId id="329" r:id="rId39"/>
+    <p:sldId id="292" r:id="rId3"/>
+    <p:sldId id="293" r:id="rId4"/>
+    <p:sldId id="326" r:id="rId5"/>
+    <p:sldId id="327" r:id="rId6"/>
+    <p:sldId id="294" r:id="rId7"/>
+    <p:sldId id="295" r:id="rId8"/>
+    <p:sldId id="297" r:id="rId9"/>
+    <p:sldId id="296" r:id="rId10"/>
+    <p:sldId id="298" r:id="rId11"/>
+    <p:sldId id="321" r:id="rId12"/>
+    <p:sldId id="322" r:id="rId13"/>
+    <p:sldId id="323" r:id="rId14"/>
+    <p:sldId id="324" r:id="rId15"/>
+    <p:sldId id="299" r:id="rId16"/>
+    <p:sldId id="300" r:id="rId17"/>
+    <p:sldId id="301" r:id="rId18"/>
+    <p:sldId id="302" r:id="rId19"/>
+    <p:sldId id="303" r:id="rId20"/>
+    <p:sldId id="304" r:id="rId21"/>
+    <p:sldId id="305" r:id="rId22"/>
+    <p:sldId id="306" r:id="rId23"/>
+    <p:sldId id="307" r:id="rId24"/>
+    <p:sldId id="308" r:id="rId25"/>
+    <p:sldId id="309" r:id="rId26"/>
+    <p:sldId id="310" r:id="rId27"/>
+    <p:sldId id="313" r:id="rId28"/>
+    <p:sldId id="314" r:id="rId29"/>
+    <p:sldId id="315" r:id="rId30"/>
+    <p:sldId id="311" r:id="rId31"/>
+    <p:sldId id="312" r:id="rId32"/>
+    <p:sldId id="316" r:id="rId33"/>
+    <p:sldId id="325" r:id="rId34"/>
+    <p:sldId id="328" r:id="rId35"/>
+    <p:sldId id="318" r:id="rId36"/>
+    <p:sldId id="317" r:id="rId37"/>
+    <p:sldId id="319" r:id="rId38"/>
+    <p:sldId id="320" r:id="rId39"/>
+    <p:sldId id="329" r:id="rId40"/>
   </p:sldIdLst>
   <p:sldSz cx="12192000" cy="6858000"/>
   <p:notesSz cx="6858000" cy="9144000"/>
@@ -190,7 +190,6 @@
         </p14:section>
         <p14:section name="线程同步方案" id="{E4773F28-5CE0-D34B-BE9F-AC5A04D63097}">
           <p14:sldIdLst>
-            <p14:sldId id="304"/>
             <p14:sldId id="305"/>
             <p14:sldId id="306"/>
             <p14:sldId id="307"/>
@@ -205,6 +204,7 @@
             <p14:sldId id="316"/>
             <p14:sldId id="325"/>
             <p14:sldId id="328"/>
+            <p14:sldId id="304"/>
           </p14:sldIdLst>
         </p14:section>
         <p14:section name="atomic" id="{759273C4-687B-CB49-9EA9-956B2B0FE259}">
@@ -222,69 +222,8 @@
         </p14:section>
       </p14:sectionLst>
     </p:ext>
-    <p:ext uri="{EFAFB233-063F-42B5-8137-9DF3F51BA10A}">
-      <p15:sldGuideLst xmlns:p15="http://schemas.microsoft.com/office/powerpoint/2012/main">
-        <p15:guide id="1" orient="horz" pos="2160" userDrawn="1">
-          <p15:clr>
-            <a:srgbClr val="A4A3A4"/>
-          </p15:clr>
-        </p15:guide>
-        <p15:guide id="2" pos="3840" userDrawn="1">
-          <p15:clr>
-            <a:srgbClr val="A4A3A4"/>
-          </p15:clr>
-        </p15:guide>
-        <p15:guide id="3" pos="1096" userDrawn="1">
-          <p15:clr>
-            <a:srgbClr val="A4A3A4"/>
-          </p15:clr>
-        </p15:guide>
-        <p15:guide id="4" orient="horz" pos="595" userDrawn="1">
-          <p15:clr>
-            <a:srgbClr val="A4A3A4"/>
-          </p15:clr>
-        </p15:guide>
-        <p15:guide id="5" orient="horz" pos="822" userDrawn="1">
-          <p15:clr>
-            <a:srgbClr val="A4A3A4"/>
-          </p15:clr>
-        </p15:guide>
-        <p15:guide id="6" orient="horz" pos="1480" userDrawn="1">
-          <p15:clr>
-            <a:srgbClr val="A4A3A4"/>
-          </p15:clr>
-        </p15:guide>
-        <p15:guide id="7" orient="horz" pos="2863" userDrawn="1">
-          <p15:clr>
-            <a:srgbClr val="A4A3A4"/>
-          </p15:clr>
-        </p15:guide>
-        <p15:guide id="8" pos="2547" userDrawn="1">
-          <p15:clr>
-            <a:srgbClr val="A4A3A4"/>
-          </p15:clr>
-        </p15:guide>
-        <p15:guide id="9" pos="5110" userDrawn="1">
-          <p15:clr>
-            <a:srgbClr val="A4A3A4"/>
-          </p15:clr>
-        </p15:guide>
-        <p15:guide id="10" pos="5111">
-          <p15:clr>
-            <a:srgbClr val="A4A3A4"/>
-          </p15:clr>
-        </p15:guide>
-      </p15:sldGuideLst>
-    </p:ext>
-    <p:ext uri="{2D200454-40CA-4A62-9FC3-DE9A4176ACB9}">
-      <p15:notesGuideLst xmlns:p15="http://schemas.microsoft.com/office/powerpoint/2012/main"/>
-    </p:ext>
   </p:extLst>
 </p:presentation>
-</file>
-
-<file path=ppt/revisionInfo.xml><?xml version="1.0" encoding="utf-8"?>
-<p1510:revInfo xmlns:a="http://schemas.openxmlformats.org/drawingml/2006/main" xmlns:r="http://schemas.openxmlformats.org/officeDocument/2006/relationships" xmlns:p1510="http://schemas.microsoft.com/office/powerpoint/2015/10/main"/>
 </file>
 
 <file path=ppt/handoutMasters/handoutMaster1.xml><?xml version="1.0" encoding="utf-8"?>
@@ -311,13 +250,7 @@
       </p:grpSpPr>
       <p:sp>
         <p:nvSpPr>
-          <p:cNvPr id="2" name="页眉占位符 1">
-            <a:extLst>
-              <a:ext uri="{FF2B5EF4-FFF2-40B4-BE49-F238E27FC236}">
-                <a16:creationId xmlns="" xmlns:a16="http://schemas.microsoft.com/office/drawing/2014/main" id="{AFCBEEA2-BF04-4625-9D90-F4291A119A41}"/>
-              </a:ext>
-            </a:extLst>
-          </p:cNvPr>
+          <p:cNvPr id="2" name="页眉占位符 1"/>
           <p:cNvSpPr>
             <a:spLocks noGrp="1"/>
           </p:cNvSpPr>
@@ -348,13 +281,7 @@
       </p:sp>
       <p:sp>
         <p:nvSpPr>
-          <p:cNvPr id="3" name="日期占位符 2">
-            <a:extLst>
-              <a:ext uri="{FF2B5EF4-FFF2-40B4-BE49-F238E27FC236}">
-                <a16:creationId xmlns="" xmlns:a16="http://schemas.microsoft.com/office/drawing/2014/main" id="{7691C78A-5A0F-4F2E-9C48-9BEEFCC112A7}"/>
-              </a:ext>
-            </a:extLst>
-          </p:cNvPr>
+          <p:cNvPr id="3" name="日期占位符 2"/>
           <p:cNvSpPr>
             <a:spLocks noGrp="1"/>
           </p:cNvSpPr>
@@ -381,7 +308,6 @@
           <a:p>
             <a:fld id="{2B87634C-074B-4260-9010-E574428551B5}" type="datetimeFigureOut">
               <a:rPr lang="zh-CN" altLang="en-US" smtClean="0"/>
-              <a:t>2018/6/19</a:t>
             </a:fld>
             <a:endParaRPr lang="zh-CN" altLang="en-US"/>
           </a:p>
@@ -389,13 +315,7 @@
       </p:sp>
       <p:sp>
         <p:nvSpPr>
-          <p:cNvPr id="4" name="页脚占位符 3">
-            <a:extLst>
-              <a:ext uri="{FF2B5EF4-FFF2-40B4-BE49-F238E27FC236}">
-                <a16:creationId xmlns="" xmlns:a16="http://schemas.microsoft.com/office/drawing/2014/main" id="{0CD4B301-C1F1-4488-BE41-C37374152C4E}"/>
-              </a:ext>
-            </a:extLst>
-          </p:cNvPr>
+          <p:cNvPr id="4" name="页脚占位符 3"/>
           <p:cNvSpPr>
             <a:spLocks noGrp="1"/>
           </p:cNvSpPr>
@@ -426,13 +346,7 @@
       </p:sp>
       <p:sp>
         <p:nvSpPr>
-          <p:cNvPr id="5" name="灯片编号占位符 4">
-            <a:extLst>
-              <a:ext uri="{FF2B5EF4-FFF2-40B4-BE49-F238E27FC236}">
-                <a16:creationId xmlns="" xmlns:a16="http://schemas.microsoft.com/office/drawing/2014/main" id="{9927E0BC-A1AC-4B31-B1CD-ECA55CA19D86}"/>
-              </a:ext>
-            </a:extLst>
-          </p:cNvPr>
+          <p:cNvPr id="5" name="灯片编号占位符 4"/>
           <p:cNvSpPr>
             <a:spLocks noGrp="1"/>
           </p:cNvSpPr>
@@ -459,18 +373,12 @@
           <a:p>
             <a:fld id="{83A7C4FF-9C5A-4350-A3CE-CE48C6E745E4}" type="slidenum">
               <a:rPr lang="zh-CN" altLang="en-US" smtClean="0"/>
-              <a:t>‹#›</a:t>
             </a:fld>
             <a:endParaRPr lang="zh-CN" altLang="en-US"/>
           </a:p>
         </p:txBody>
       </p:sp>
     </p:spTree>
-    <p:extLst>
-      <p:ext uri="{BB962C8B-B14F-4D97-AF65-F5344CB8AC3E}">
-        <p14:creationId xmlns:p14="http://schemas.microsoft.com/office/powerpoint/2010/main" val="1489131153"/>
-      </p:ext>
-    </p:extLst>
   </p:cSld>
   <p:clrMap bg1="lt1" tx1="dk1" bg2="lt2" tx2="dk2" accent1="accent1" accent2="accent2" accent3="accent3" accent4="accent4" accent5="accent5" accent6="accent6" hlink="hlink" folHlink="folHlink"/>
 </p:handoutMaster>
@@ -558,7 +466,6 @@
           <a:p>
             <a:fld id="{C25591C1-7BBD-4BAD-9912-0ADD21A74F01}" type="datetimeFigureOut">
               <a:rPr lang="zh-CN" altLang="en-US" smtClean="0"/>
-              <a:t>2018/6/19</a:t>
             </a:fld>
             <a:endParaRPr lang="zh-CN" altLang="en-US"/>
           </a:p>
@@ -625,6 +532,7 @@
               <a:rPr lang="zh-CN" altLang="en-US"/>
               <a:t>单击此处编辑母版文本样式</a:t>
             </a:r>
+            <a:endParaRPr lang="zh-CN" altLang="en-US"/>
           </a:p>
           <a:p>
             <a:pPr lvl="1"/>
@@ -632,6 +540,7 @@
               <a:rPr lang="zh-CN" altLang="en-US"/>
               <a:t>第二级</a:t>
             </a:r>
+            <a:endParaRPr lang="zh-CN" altLang="en-US"/>
           </a:p>
           <a:p>
             <a:pPr lvl="2"/>
@@ -639,6 +548,7 @@
               <a:rPr lang="zh-CN" altLang="en-US"/>
               <a:t>第三级</a:t>
             </a:r>
+            <a:endParaRPr lang="zh-CN" altLang="en-US"/>
           </a:p>
           <a:p>
             <a:pPr lvl="3"/>
@@ -646,6 +556,7 @@
               <a:rPr lang="zh-CN" altLang="en-US"/>
               <a:t>第四级</a:t>
             </a:r>
+            <a:endParaRPr lang="zh-CN" altLang="en-US"/>
           </a:p>
           <a:p>
             <a:pPr lvl="4"/>
@@ -653,6 +564,7 @@
               <a:rPr lang="zh-CN" altLang="en-US"/>
               <a:t>第五级</a:t>
             </a:r>
+            <a:endParaRPr lang="zh-CN" altLang="en-US"/>
           </a:p>
         </p:txBody>
       </p:sp>
@@ -716,18 +628,12 @@
           <a:p>
             <a:fld id="{B8733780-C451-4576-A162-3E5813E9C151}" type="slidenum">
               <a:rPr lang="zh-CN" altLang="en-US" smtClean="0"/>
-              <a:t>‹#›</a:t>
             </a:fld>
             <a:endParaRPr lang="zh-CN" altLang="en-US"/>
           </a:p>
         </p:txBody>
       </p:sp>
     </p:spTree>
-    <p:extLst>
-      <p:ext uri="{BB962C8B-B14F-4D97-AF65-F5344CB8AC3E}">
-        <p14:creationId xmlns:p14="http://schemas.microsoft.com/office/powerpoint/2010/main" val="336252339"/>
-      </p:ext>
-    </p:extLst>
   </p:cSld>
   <p:clrMap bg1="lt1" tx1="dk1" bg2="lt2" tx2="dk2" accent1="accent1" accent2="accent2" accent3="accent3" accent4="accent4" accent5="accent5" accent6="accent6" hlink="hlink" folHlink="folHlink"/>
   <p:notesStyle>
@@ -844,13 +750,7 @@
       </p:grpSpPr>
       <p:pic>
         <p:nvPicPr>
-          <p:cNvPr id="9" name="图片 6">
-            <a:extLst>
-              <a:ext uri="{FF2B5EF4-FFF2-40B4-BE49-F238E27FC236}">
-                <a16:creationId xmlns="" xmlns:a16="http://schemas.microsoft.com/office/drawing/2014/main" id="{F619AC0B-D093-4B29-BED5-E396B58FD119}"/>
-              </a:ext>
-            </a:extLst>
-          </p:cNvPr>
+          <p:cNvPr id="9" name="图片 6"/>
           <p:cNvPicPr>
             <a:picLocks noChangeAspect="1"/>
           </p:cNvPicPr>
@@ -878,13 +778,7 @@
       </p:pic>
       <p:pic>
         <p:nvPicPr>
-          <p:cNvPr id="10" name="图片 1">
-            <a:extLst>
-              <a:ext uri="{FF2B5EF4-FFF2-40B4-BE49-F238E27FC236}">
-                <a16:creationId xmlns="" xmlns:a16="http://schemas.microsoft.com/office/drawing/2014/main" id="{EC130C9D-3B92-4E92-AF34-4C37ACD51527}"/>
-              </a:ext>
-            </a:extLst>
-          </p:cNvPr>
+          <p:cNvPr id="10" name="图片 1"/>
           <p:cNvPicPr>
             <a:picLocks noChangeAspect="1"/>
           </p:cNvPicPr>
@@ -912,13 +806,7 @@
       </p:pic>
       <p:sp>
         <p:nvSpPr>
-          <p:cNvPr id="11" name="矩形 25">
-            <a:extLst>
-              <a:ext uri="{FF2B5EF4-FFF2-40B4-BE49-F238E27FC236}">
-                <a16:creationId xmlns="" xmlns:a16="http://schemas.microsoft.com/office/drawing/2014/main" id="{36BA4FD9-4EAF-40CB-91E3-48F885239803}"/>
-              </a:ext>
-            </a:extLst>
-          </p:cNvPr>
+          <p:cNvPr id="11" name="矩形 25"/>
           <p:cNvSpPr/>
           <p:nvPr userDrawn="1"/>
         </p:nvSpPr>
@@ -984,13 +872,7 @@
       </p:sp>
       <p:sp>
         <p:nvSpPr>
-          <p:cNvPr id="5" name="标题 1">
-            <a:extLst>
-              <a:ext uri="{FF2B5EF4-FFF2-40B4-BE49-F238E27FC236}">
-                <a16:creationId xmlns="" xmlns:a16="http://schemas.microsoft.com/office/drawing/2014/main" id="{E772C4B5-AB4E-43B0-B717-25071084FD9A}"/>
-              </a:ext>
-            </a:extLst>
-          </p:cNvPr>
+          <p:cNvPr id="5" name="标题 1"/>
           <p:cNvSpPr>
             <a:spLocks noGrp="1"/>
           </p:cNvSpPr>
@@ -1021,23 +903,18 @@
               <a:rPr lang="zh-CN" altLang="en-US"/>
               <a:t>单击此处编辑母版标题样式</a:t>
             </a:r>
+            <a:endParaRPr lang="zh-CN" altLang="en-US"/>
           </a:p>
         </p:txBody>
       </p:sp>
       <p:sp>
         <p:nvSpPr>
-          <p:cNvPr id="6" name="副标题 2">
-            <a:extLst>
-              <a:ext uri="{FF2B5EF4-FFF2-40B4-BE49-F238E27FC236}">
-                <a16:creationId xmlns="" xmlns:a16="http://schemas.microsoft.com/office/drawing/2014/main" id="{B401CC44-47BA-4904-A587-245165E74651}"/>
-              </a:ext>
-            </a:extLst>
-          </p:cNvPr>
+          <p:cNvPr id="6" name="副标题 2"/>
           <p:cNvSpPr>
             <a:spLocks noGrp="1"/>
           </p:cNvSpPr>
           <p:nvPr>
-            <p:ph type="subTitle" idx="1"/>
+            <p:ph type="subTitle" idx="1" hasCustomPrompt="1"/>
           </p:nvPr>
         </p:nvSpPr>
         <p:spPr>
@@ -1102,15 +979,11 @@
               <a:rPr lang="zh-CN" altLang="en-US"/>
               <a:t>单击以编辑母版副标题样式</a:t>
             </a:r>
+            <a:endParaRPr lang="zh-CN" altLang="en-US"/>
           </a:p>
         </p:txBody>
       </p:sp>
     </p:spTree>
-    <p:extLst>
-      <p:ext uri="{BB962C8B-B14F-4D97-AF65-F5344CB8AC3E}">
-        <p14:creationId xmlns:p14="http://schemas.microsoft.com/office/powerpoint/2010/main" val="3063225040"/>
-      </p:ext>
-    </p:extLst>
   </p:cSld>
   <p:clrMapOvr>
     <a:masterClrMapping/>
@@ -1137,13 +1010,7 @@
       </p:grpSpPr>
       <p:pic>
         <p:nvPicPr>
-          <p:cNvPr id="9" name="图片 5">
-            <a:extLst>
-              <a:ext uri="{FF2B5EF4-FFF2-40B4-BE49-F238E27FC236}">
-                <a16:creationId xmlns="" xmlns:a16="http://schemas.microsoft.com/office/drawing/2014/main" id="{F612FBBA-ABAE-4812-AAB2-77CA48D54191}"/>
-              </a:ext>
-            </a:extLst>
-          </p:cNvPr>
+          <p:cNvPr id="9" name="图片 5"/>
           <p:cNvPicPr>
             <a:picLocks noChangeAspect="1"/>
           </p:cNvPicPr>
@@ -1171,13 +1038,7 @@
       </p:pic>
       <p:sp>
         <p:nvSpPr>
-          <p:cNvPr id="11" name="矩形 29">
-            <a:extLst>
-              <a:ext uri="{FF2B5EF4-FFF2-40B4-BE49-F238E27FC236}">
-                <a16:creationId xmlns="" xmlns:a16="http://schemas.microsoft.com/office/drawing/2014/main" id="{89038A74-5A1B-45B4-AA7D-C9934D2FDABC}"/>
-              </a:ext>
-            </a:extLst>
-          </p:cNvPr>
+          <p:cNvPr id="11" name="矩形 29"/>
           <p:cNvSpPr/>
           <p:nvPr userDrawn="1"/>
         </p:nvSpPr>
@@ -1216,13 +1077,7 @@
       </p:sp>
       <p:pic>
         <p:nvPicPr>
-          <p:cNvPr id="12" name="图片 1">
-            <a:extLst>
-              <a:ext uri="{FF2B5EF4-FFF2-40B4-BE49-F238E27FC236}">
-                <a16:creationId xmlns="" xmlns:a16="http://schemas.microsoft.com/office/drawing/2014/main" id="{DB3FFE7C-0303-4D2A-9F24-474FCCD761CB}"/>
-              </a:ext>
-            </a:extLst>
-          </p:cNvPr>
+          <p:cNvPr id="12" name="图片 1"/>
           <p:cNvPicPr>
             <a:picLocks noChangeAspect="1"/>
           </p:cNvPicPr>
@@ -1250,13 +1105,7 @@
       </p:pic>
       <p:sp>
         <p:nvSpPr>
-          <p:cNvPr id="8" name="标题占位符 1">
-            <a:extLst>
-              <a:ext uri="{FF2B5EF4-FFF2-40B4-BE49-F238E27FC236}">
-                <a16:creationId xmlns="" xmlns:a16="http://schemas.microsoft.com/office/drawing/2014/main" id="{F3C067B8-78E3-4D7C-B8BF-D55591977898}"/>
-              </a:ext>
-            </a:extLst>
-          </p:cNvPr>
+          <p:cNvPr id="8" name="标题占位符 1"/>
           <p:cNvSpPr>
             <a:spLocks noGrp="1"/>
           </p:cNvSpPr>
@@ -1297,18 +1146,13 @@
               <a:rPr lang="zh-CN" altLang="en-US"/>
               <a:t>单击此处编辑母版标题样式</a:t>
             </a:r>
+            <a:endParaRPr lang="zh-CN" altLang="en-US"/>
           </a:p>
         </p:txBody>
       </p:sp>
       <p:sp>
         <p:nvSpPr>
-          <p:cNvPr id="13" name="内容占位符 2">
-            <a:extLst>
-              <a:ext uri="{FF2B5EF4-FFF2-40B4-BE49-F238E27FC236}">
-                <a16:creationId xmlns="" xmlns:a16="http://schemas.microsoft.com/office/drawing/2014/main" id="{E8B5E84D-8FAC-4FA6-9CA7-55579F675DFC}"/>
-              </a:ext>
-            </a:extLst>
-          </p:cNvPr>
+          <p:cNvPr id="13" name="内容占位符 2"/>
           <p:cNvSpPr>
             <a:spLocks noGrp="1"/>
           </p:cNvSpPr>
@@ -1419,6 +1263,7 @@
               <a:rPr lang="zh-CN" altLang="en-US"/>
               <a:t>编辑版文本样式</a:t>
             </a:r>
+            <a:endParaRPr lang="zh-CN" altLang="en-US"/>
           </a:p>
           <a:p>
             <a:pPr lvl="1"/>
@@ -1426,6 +1271,7 @@
               <a:rPr lang="zh-CN" altLang="en-US"/>
               <a:t>第二级</a:t>
             </a:r>
+            <a:endParaRPr lang="zh-CN" altLang="en-US"/>
           </a:p>
           <a:p>
             <a:pPr lvl="2"/>
@@ -1433,6 +1279,7 @@
               <a:rPr lang="zh-CN" altLang="en-US"/>
               <a:t>第三级</a:t>
             </a:r>
+            <a:endParaRPr lang="zh-CN" altLang="en-US"/>
           </a:p>
           <a:p>
             <a:pPr lvl="3"/>
@@ -1440,6 +1287,7 @@
               <a:rPr lang="zh-CN" altLang="en-US"/>
               <a:t>第四级</a:t>
             </a:r>
+            <a:endParaRPr lang="zh-CN" altLang="en-US"/>
           </a:p>
           <a:p>
             <a:pPr lvl="4"/>
@@ -1447,15 +1295,11 @@
               <a:rPr lang="zh-CN" altLang="en-US"/>
               <a:t>第五级</a:t>
             </a:r>
+            <a:endParaRPr lang="zh-CN" altLang="en-US"/>
           </a:p>
         </p:txBody>
       </p:sp>
     </p:spTree>
-    <p:extLst>
-      <p:ext uri="{BB962C8B-B14F-4D97-AF65-F5344CB8AC3E}">
-        <p14:creationId xmlns:p14="http://schemas.microsoft.com/office/powerpoint/2010/main" val="4056342853"/>
-      </p:ext>
-    </p:extLst>
   </p:cSld>
   <p:clrMapOvr>
     <a:masterClrMapping/>
@@ -1514,6 +1358,7 @@
               <a:rPr lang="zh-CN" altLang="en-US"/>
               <a:t>单击此处编辑母版标题样式</a:t>
             </a:r>
+            <a:endParaRPr lang="zh-CN" altLang="en-US"/>
           </a:p>
         </p:txBody>
       </p:sp>
@@ -1547,6 +1392,7 @@
               <a:rPr lang="zh-CN" altLang="en-US"/>
               <a:t>单击此处编辑母版文本样式</a:t>
             </a:r>
+            <a:endParaRPr lang="zh-CN" altLang="en-US"/>
           </a:p>
           <a:p>
             <a:pPr lvl="1"/>
@@ -1554,6 +1400,7 @@
               <a:rPr lang="zh-CN" altLang="en-US"/>
               <a:t>第二级</a:t>
             </a:r>
+            <a:endParaRPr lang="zh-CN" altLang="en-US"/>
           </a:p>
           <a:p>
             <a:pPr lvl="2"/>
@@ -1561,6 +1408,7 @@
               <a:rPr lang="zh-CN" altLang="en-US"/>
               <a:t>第三级</a:t>
             </a:r>
+            <a:endParaRPr lang="zh-CN" altLang="en-US"/>
           </a:p>
           <a:p>
             <a:pPr lvl="3"/>
@@ -1568,6 +1416,7 @@
               <a:rPr lang="zh-CN" altLang="en-US"/>
               <a:t>第四级</a:t>
             </a:r>
+            <a:endParaRPr lang="zh-CN" altLang="en-US"/>
           </a:p>
           <a:p>
             <a:pPr lvl="4"/>
@@ -1575,6 +1424,7 @@
               <a:rPr lang="zh-CN" altLang="en-US"/>
               <a:t>第五级</a:t>
             </a:r>
+            <a:endParaRPr lang="zh-CN" altLang="en-US"/>
           </a:p>
         </p:txBody>
       </p:sp>
@@ -1613,7 +1463,6 @@
           <a:p>
             <a:fld id="{72D8E73B-0927-45CC-BC19-B5A752C4C781}" type="datetimeFigureOut">
               <a:rPr lang="zh-CN" altLang="en-US" smtClean="0"/>
-              <a:t>2018/6/19</a:t>
             </a:fld>
             <a:endParaRPr lang="zh-CN" altLang="en-US"/>
           </a:p>
@@ -1691,23 +1540,17 @@
           <a:p>
             <a:fld id="{30811428-941F-4F39-9F0C-B1B29E093D2F}" type="slidenum">
               <a:rPr lang="zh-CN" altLang="en-US" smtClean="0"/>
-              <a:t>‹#›</a:t>
             </a:fld>
             <a:endParaRPr lang="zh-CN" altLang="en-US"/>
           </a:p>
         </p:txBody>
       </p:sp>
     </p:spTree>
-    <p:extLst>
-      <p:ext uri="{BB962C8B-B14F-4D97-AF65-F5344CB8AC3E}">
-        <p14:creationId xmlns:p14="http://schemas.microsoft.com/office/powerpoint/2010/main" val="349651624"/>
-      </p:ext>
-    </p:extLst>
   </p:cSld>
   <p:clrMap bg1="lt1" tx1="dk1" bg2="lt2" tx2="dk2" accent1="accent1" accent2="accent2" accent3="accent3" accent4="accent4" accent5="accent5" accent6="accent6" hlink="hlink" folHlink="folHlink"/>
   <p:sldLayoutIdLst>
     <p:sldLayoutId id="2147483649" r:id="rId1"/>
-    <p:sldLayoutId id="2147483655" r:id="rId2"/>
+    <p:sldLayoutId id="2147483650" r:id="rId2"/>
   </p:sldLayoutIdLst>
   <p:txStyles>
     <p:titleStyle>
@@ -1737,7 +1580,7 @@
         <a:spcBef>
           <a:spcPts val="1000"/>
         </a:spcBef>
-        <a:buFont typeface="Arial" panose="020B0604020202020204" pitchFamily="34" charset="0"/>
+        <a:buFont typeface="Arial" panose="020B0604020202090204" pitchFamily="34" charset="0"/>
         <a:buChar char="•"/>
         <a:defRPr sz="2800" kern="1200">
           <a:solidFill>
@@ -1755,7 +1598,7 @@
         <a:spcBef>
           <a:spcPts val="500"/>
         </a:spcBef>
-        <a:buFont typeface="Arial" panose="020B0604020202020204" pitchFamily="34" charset="0"/>
+        <a:buFont typeface="Arial" panose="020B0604020202090204" pitchFamily="34" charset="0"/>
         <a:buChar char="•"/>
         <a:defRPr sz="2400" kern="1200">
           <a:solidFill>
@@ -1773,7 +1616,7 @@
         <a:spcBef>
           <a:spcPts val="500"/>
         </a:spcBef>
-        <a:buFont typeface="Arial" panose="020B0604020202020204" pitchFamily="34" charset="0"/>
+        <a:buFont typeface="Arial" panose="020B0604020202090204" pitchFamily="34" charset="0"/>
         <a:buChar char="•"/>
         <a:defRPr sz="2000" kern="1200">
           <a:solidFill>
@@ -1791,7 +1634,7 @@
         <a:spcBef>
           <a:spcPts val="500"/>
         </a:spcBef>
-        <a:buFont typeface="Arial" panose="020B0604020202020204" pitchFamily="34" charset="0"/>
+        <a:buFont typeface="Arial" panose="020B0604020202090204" pitchFamily="34" charset="0"/>
         <a:buChar char="•"/>
         <a:defRPr sz="1800" kern="1200">
           <a:solidFill>
@@ -1809,7 +1652,7 @@
         <a:spcBef>
           <a:spcPts val="500"/>
         </a:spcBef>
-        <a:buFont typeface="Arial" panose="020B0604020202020204" pitchFamily="34" charset="0"/>
+        <a:buFont typeface="Arial" panose="020B0604020202090204" pitchFamily="34" charset="0"/>
         <a:buChar char="•"/>
         <a:defRPr sz="1800" kern="1200">
           <a:solidFill>
@@ -1827,7 +1670,7 @@
         <a:spcBef>
           <a:spcPts val="500"/>
         </a:spcBef>
-        <a:buFont typeface="Arial" panose="020B0604020202020204" pitchFamily="34" charset="0"/>
+        <a:buFont typeface="Arial" panose="020B0604020202090204" pitchFamily="34" charset="0"/>
         <a:buChar char="•"/>
         <a:defRPr sz="1800" kern="1200">
           <a:solidFill>
@@ -1845,7 +1688,7 @@
         <a:spcBef>
           <a:spcPts val="500"/>
         </a:spcBef>
-        <a:buFont typeface="Arial" panose="020B0604020202020204" pitchFamily="34" charset="0"/>
+        <a:buFont typeface="Arial" panose="020B0604020202090204" pitchFamily="34" charset="0"/>
         <a:buChar char="•"/>
         <a:defRPr sz="1800" kern="1200">
           <a:solidFill>
@@ -1863,7 +1706,7 @@
         <a:spcBef>
           <a:spcPts val="500"/>
         </a:spcBef>
-        <a:buFont typeface="Arial" panose="020B0604020202020204" pitchFamily="34" charset="0"/>
+        <a:buFont typeface="Arial" panose="020B0604020202090204" pitchFamily="34" charset="0"/>
         <a:buChar char="•"/>
         <a:defRPr sz="1800" kern="1200">
           <a:solidFill>
@@ -1881,7 +1724,7 @@
         <a:spcBef>
           <a:spcPts val="500"/>
         </a:spcBef>
-        <a:buFont typeface="Arial" panose="020B0604020202020204" pitchFamily="34" charset="0"/>
+        <a:buFont typeface="Arial" panose="020B0604020202090204" pitchFamily="34" charset="0"/>
         <a:buChar char="•"/>
         <a:defRPr sz="1800" kern="1200">
           <a:solidFill>
@@ -2011,13 +1854,7 @@
       </p:grpSpPr>
       <p:sp>
         <p:nvSpPr>
-          <p:cNvPr id="2" name="标题 1">
-            <a:extLst>
-              <a:ext uri="{FF2B5EF4-FFF2-40B4-BE49-F238E27FC236}">
-                <a16:creationId xmlns:a16="http://schemas.microsoft.com/office/drawing/2014/main" xmlns="" id="{355D2A8A-4D20-46E7-AB5F-6F0B875B77E9}"/>
-              </a:ext>
-            </a:extLst>
-          </p:cNvPr>
+          <p:cNvPr id="2" name="标题 1"/>
           <p:cNvSpPr>
             <a:spLocks noGrp="1"/>
           </p:cNvSpPr>
@@ -2036,18 +1873,13 @@
               <a:rPr lang="zh-CN" altLang="en-US"/>
               <a:t>多线程</a:t>
             </a:r>
+            <a:endParaRPr lang="zh-CN" altLang="en-US"/>
           </a:p>
         </p:txBody>
       </p:sp>
       <p:sp>
         <p:nvSpPr>
-          <p:cNvPr id="3" name="副标题 2">
-            <a:extLst>
-              <a:ext uri="{FF2B5EF4-FFF2-40B4-BE49-F238E27FC236}">
-                <a16:creationId xmlns:a16="http://schemas.microsoft.com/office/drawing/2014/main" xmlns="" id="{F8E18B87-7327-4283-B60A-4EF5B1BB4F6D}"/>
-              </a:ext>
-            </a:extLst>
-          </p:cNvPr>
+          <p:cNvPr id="3" name="副标题 2"/>
           <p:cNvSpPr>
             <a:spLocks noGrp="1"/>
           </p:cNvSpPr>
@@ -2080,16 +1912,8 @@
       </p:sp>
       <p:sp>
         <p:nvSpPr>
-          <p:cNvPr id="4" name="副标题 2">
-            <a:extLst>
-              <a:ext uri="{FF2B5EF4-FFF2-40B4-BE49-F238E27FC236}">
-                <a16:creationId xmlns="" xmlns:a16="http://schemas.microsoft.com/office/drawing/2014/main" id="{F8E18B87-7327-4283-B60A-4EF5B1BB4F6D}"/>
-              </a:ext>
-            </a:extLst>
-          </p:cNvPr>
-          <p:cNvSpPr txBox="1">
-            <a:spLocks/>
-          </p:cNvSpPr>
+          <p:cNvPr id="4" name="副标题 2"/>
+          <p:cNvSpPr txBox="1"/>
           <p:nvPr/>
         </p:nvSpPr>
         <p:spPr>
@@ -2113,7 +1937,7 @@
               <a:spcBef>
                 <a:spcPts val="1000"/>
               </a:spcBef>
-              <a:buFont typeface="Arial" panose="020B0604020202020204" pitchFamily="34" charset="0"/>
+              <a:buFont typeface="Arial" panose="020B0604020202090204" pitchFamily="34" charset="0"/>
               <a:buNone/>
               <a:defRPr sz="2800" b="1" kern="1200">
                 <a:solidFill>
@@ -2134,7 +1958,7 @@
               <a:spcBef>
                 <a:spcPts val="500"/>
               </a:spcBef>
-              <a:buFont typeface="Arial" panose="020B0604020202020204" pitchFamily="34" charset="0"/>
+              <a:buFont typeface="Arial" panose="020B0604020202090204" pitchFamily="34" charset="0"/>
               <a:buNone/>
               <a:defRPr sz="2000" kern="1200">
                 <a:solidFill>
@@ -2152,7 +1976,7 @@
               <a:spcBef>
                 <a:spcPts val="500"/>
               </a:spcBef>
-              <a:buFont typeface="Arial" panose="020B0604020202020204" pitchFamily="34" charset="0"/>
+              <a:buFont typeface="Arial" panose="020B0604020202090204" pitchFamily="34" charset="0"/>
               <a:buNone/>
               <a:defRPr sz="1800" kern="1200">
                 <a:solidFill>
@@ -2170,7 +1994,7 @@
               <a:spcBef>
                 <a:spcPts val="500"/>
               </a:spcBef>
-              <a:buFont typeface="Arial" panose="020B0604020202020204" pitchFamily="34" charset="0"/>
+              <a:buFont typeface="Arial" panose="020B0604020202090204" pitchFamily="34" charset="0"/>
               <a:buNone/>
               <a:defRPr sz="1600" kern="1200">
                 <a:solidFill>
@@ -2188,7 +2012,7 @@
               <a:spcBef>
                 <a:spcPts val="500"/>
               </a:spcBef>
-              <a:buFont typeface="Arial" panose="020B0604020202020204" pitchFamily="34" charset="0"/>
+              <a:buFont typeface="Arial" panose="020B0604020202090204" pitchFamily="34" charset="0"/>
               <a:buNone/>
               <a:defRPr sz="1600" kern="1200">
                 <a:solidFill>
@@ -2206,7 +2030,7 @@
               <a:spcBef>
                 <a:spcPts val="500"/>
               </a:spcBef>
-              <a:buFont typeface="Arial" panose="020B0604020202020204" pitchFamily="34" charset="0"/>
+              <a:buFont typeface="Arial" panose="020B0604020202090204" pitchFamily="34" charset="0"/>
               <a:buNone/>
               <a:defRPr sz="1600" kern="1200">
                 <a:solidFill>
@@ -2224,7 +2048,7 @@
               <a:spcBef>
                 <a:spcPts val="500"/>
               </a:spcBef>
-              <a:buFont typeface="Arial" panose="020B0604020202020204" pitchFamily="34" charset="0"/>
+              <a:buFont typeface="Arial" panose="020B0604020202090204" pitchFamily="34" charset="0"/>
               <a:buNone/>
               <a:defRPr sz="1600" kern="1200">
                 <a:solidFill>
@@ -2242,7 +2066,7 @@
               <a:spcBef>
                 <a:spcPts val="500"/>
               </a:spcBef>
-              <a:buFont typeface="Arial" panose="020B0604020202020204" pitchFamily="34" charset="0"/>
+              <a:buFont typeface="Arial" panose="020B0604020202090204" pitchFamily="34" charset="0"/>
               <a:buNone/>
               <a:defRPr sz="1600" kern="1200">
                 <a:solidFill>
@@ -2260,7 +2084,7 @@
               <a:spcBef>
                 <a:spcPts val="500"/>
               </a:spcBef>
-              <a:buFont typeface="Arial" panose="020B0604020202020204" pitchFamily="34" charset="0"/>
+              <a:buFont typeface="Arial" panose="020B0604020202090204" pitchFamily="34" charset="0"/>
               <a:buNone/>
               <a:defRPr sz="1600" kern="1200">
                 <a:solidFill>
@@ -2277,15 +2101,11 @@
               <a:rPr lang="en-US" altLang="zh-CN" sz="1800" b="0"/>
               <a:t>https://github.com/CoderMJLee</a:t>
             </a:r>
+            <a:endParaRPr lang="en-US" altLang="zh-CN" sz="1800" b="0"/>
           </a:p>
         </p:txBody>
       </p:sp>
     </p:spTree>
-    <p:extLst>
-      <p:ext uri="{BB962C8B-B14F-4D97-AF65-F5344CB8AC3E}">
-        <p14:creationId xmlns:p14="http://schemas.microsoft.com/office/powerpoint/2010/main" val="453187794"/>
-      </p:ext>
-    </p:extLst>
   </p:cSld>
   <p:clrMapOvr>
     <a:masterClrMapping/>
@@ -2383,6 +2203,7 @@
               <a:rPr kumimoji="1" lang="zh-CN" altLang="en-US"/>
               <a:t>主线程</a:t>
             </a:r>
+            <a:endParaRPr kumimoji="1" lang="zh-CN" altLang="en-US"/>
           </a:p>
         </p:txBody>
       </p:sp>
@@ -2412,6 +2233,7 @@
               <a:rPr kumimoji="1" lang="zh-CN" altLang="en-US"/>
               <a:t>主队列</a:t>
             </a:r>
+            <a:endParaRPr kumimoji="1" lang="zh-CN" altLang="en-US"/>
           </a:p>
         </p:txBody>
       </p:sp>
@@ -2742,11 +2564,6 @@
         </p:txBody>
       </p:sp>
     </p:spTree>
-    <p:extLst>
-      <p:ext uri="{BB962C8B-B14F-4D97-AF65-F5344CB8AC3E}">
-        <p14:creationId xmlns:p14="http://schemas.microsoft.com/office/powerpoint/2010/main" val="2099563188"/>
-      </p:ext>
-    </p:extLst>
   </p:cSld>
   <p:clrMapOvr>
     <a:masterClrMapping/>
@@ -2880,6 +2697,7 @@
               <a:rPr kumimoji="1" lang="zh-CN" altLang="en-US"/>
               <a:t>子线程</a:t>
             </a:r>
+            <a:endParaRPr kumimoji="1" lang="zh-CN" altLang="en-US"/>
           </a:p>
         </p:txBody>
       </p:sp>
@@ -2909,6 +2727,7 @@
               <a:rPr kumimoji="1" lang="zh-CN" altLang="en-US"/>
               <a:t>串行队列</a:t>
             </a:r>
+            <a:endParaRPr kumimoji="1" lang="zh-CN" altLang="en-US"/>
           </a:p>
         </p:txBody>
       </p:sp>
@@ -3111,15 +2930,11 @@
               <a:rPr kumimoji="1" lang="zh-CN" altLang="en-US"/>
               <a:t>串行队列</a:t>
             </a:r>
+            <a:endParaRPr kumimoji="1" lang="zh-CN" altLang="en-US"/>
           </a:p>
         </p:txBody>
       </p:sp>
     </p:spTree>
-    <p:extLst>
-      <p:ext uri="{BB962C8B-B14F-4D97-AF65-F5344CB8AC3E}">
-        <p14:creationId xmlns:p14="http://schemas.microsoft.com/office/powerpoint/2010/main" val="1001256510"/>
-      </p:ext>
-    </p:extLst>
   </p:cSld>
   <p:clrMapOvr>
     <a:masterClrMapping/>
@@ -3210,6 +3025,7 @@
               <a:rPr kumimoji="1" lang="zh-CN" altLang="en-US"/>
               <a:t>子线程</a:t>
             </a:r>
+            <a:endParaRPr kumimoji="1" lang="zh-CN" altLang="en-US"/>
           </a:p>
         </p:txBody>
       </p:sp>
@@ -3239,6 +3055,7 @@
               <a:rPr kumimoji="1" lang="zh-CN" altLang="en-US"/>
               <a:t>并发队列</a:t>
             </a:r>
+            <a:endParaRPr kumimoji="1" lang="zh-CN" altLang="en-US"/>
           </a:p>
         </p:txBody>
       </p:sp>
@@ -3416,11 +3233,6 @@
         </p:txBody>
       </p:sp>
     </p:spTree>
-    <p:extLst>
-      <p:ext uri="{BB962C8B-B14F-4D97-AF65-F5344CB8AC3E}">
-        <p14:creationId xmlns:p14="http://schemas.microsoft.com/office/powerpoint/2010/main" val="1962132642"/>
-      </p:ext>
-    </p:extLst>
   </p:cSld>
   <p:clrMapOvr>
     <a:masterClrMapping/>
@@ -3473,15 +3285,14 @@
               <a:rPr lang="zh-CN" altLang="en-US" dirty="0"/>
               <a:t>队列组的使用</a:t>
             </a:r>
+            <a:endParaRPr lang="zh-CN" altLang="en-US" dirty="0"/>
           </a:p>
         </p:txBody>
       </p:sp>
       <p:sp>
         <p:nvSpPr>
           <p:cNvPr id="6" name="内容占位符 2"/>
-          <p:cNvSpPr txBox="1">
-            <a:spLocks/>
-          </p:cNvSpPr>
+          <p:cNvSpPr txBox="1"/>
           <p:nvPr/>
         </p:nvSpPr>
         <p:spPr>
@@ -3610,7 +3421,7 @@
               <a:spcBef>
                 <a:spcPts val="500"/>
               </a:spcBef>
-              <a:buFont typeface="Arial" panose="020B0604020202020204" pitchFamily="34" charset="0"/>
+              <a:buFont typeface="Arial" panose="020B0604020202090204" pitchFamily="34" charset="0"/>
               <a:buChar char="•"/>
               <a:defRPr sz="1800" kern="1200">
                 <a:solidFill>
@@ -3628,7 +3439,7 @@
               <a:spcBef>
                 <a:spcPts val="500"/>
               </a:spcBef>
-              <a:buFont typeface="Arial" panose="020B0604020202020204" pitchFamily="34" charset="0"/>
+              <a:buFont typeface="Arial" panose="020B0604020202090204" pitchFamily="34" charset="0"/>
               <a:buChar char="•"/>
               <a:defRPr sz="1800" kern="1200">
                 <a:solidFill>
@@ -3646,7 +3457,7 @@
               <a:spcBef>
                 <a:spcPts val="500"/>
               </a:spcBef>
-              <a:buFont typeface="Arial" panose="020B0604020202020204" pitchFamily="34" charset="0"/>
+              <a:buFont typeface="Arial" panose="020B0604020202090204" pitchFamily="34" charset="0"/>
               <a:buChar char="•"/>
               <a:defRPr sz="1800" kern="1200">
                 <a:solidFill>
@@ -3664,7 +3475,7 @@
               <a:spcBef>
                 <a:spcPts val="500"/>
               </a:spcBef>
-              <a:buFont typeface="Arial" panose="020B0604020202020204" pitchFamily="34" charset="0"/>
+              <a:buFont typeface="Arial" panose="020B0604020202090204" pitchFamily="34" charset="0"/>
               <a:buChar char="•"/>
               <a:defRPr sz="1800" kern="1200">
                 <a:solidFill>
@@ -3693,7 +3504,7 @@
           </a:p>
           <a:p>
             <a:pPr>
-              <a:buFont typeface="Wingdings" charset="2"/>
+              <a:buFont typeface="Wingdings" panose="05000000000000000000" pitchFamily="2" charset="2"/>
               <a:buChar char="p"/>
             </a:pPr>
             <a:r>
@@ -3712,10 +3523,11 @@
               <a:rPr lang="en-US" altLang="zh-CN" sz="1600"/>
               <a:t>2</a:t>
             </a:r>
+            <a:endParaRPr lang="en-US" altLang="zh-CN" sz="1600"/>
           </a:p>
           <a:p>
             <a:pPr>
-              <a:buFont typeface="Wingdings" charset="2"/>
+              <a:buFont typeface="Wingdings" panose="05000000000000000000" pitchFamily="2" charset="2"/>
               <a:buChar char="p"/>
             </a:pPr>
             <a:r>
@@ -3742,6 +3554,7 @@
               <a:rPr lang="en-US" altLang="zh-CN" sz="1600"/>
               <a:t>3</a:t>
             </a:r>
+            <a:endParaRPr lang="en-US" altLang="zh-CN" sz="1600"/>
           </a:p>
         </p:txBody>
       </p:sp>
@@ -3754,7 +3567,7 @@
           <p:nvPr/>
         </p:nvPicPr>
         <p:blipFill>
-          <a:blip r:embed="rId2"/>
+          <a:blip r:embed="rId1"/>
           <a:stretch>
             <a:fillRect/>
           </a:stretch>
@@ -3775,11 +3588,6 @@
         </p:spPr>
       </p:pic>
     </p:spTree>
-    <p:extLst>
-      <p:ext uri="{BB962C8B-B14F-4D97-AF65-F5344CB8AC3E}">
-        <p14:creationId xmlns:p14="http://schemas.microsoft.com/office/powerpoint/2010/main" val="1025665046"/>
-      </p:ext>
-    </p:extLst>
   </p:cSld>
   <p:clrMapOvr>
     <a:masterClrMapping/>
@@ -4045,6 +3853,7 @@
               <a:rPr kumimoji="1" lang="zh-CN" altLang="en-US"/>
               <a:t>多线程的安全隐患</a:t>
             </a:r>
+            <a:endParaRPr kumimoji="1" lang="zh-CN" altLang="en-US"/>
           </a:p>
         </p:txBody>
       </p:sp>
@@ -4073,7 +3882,7 @@
           </a:p>
           <a:p>
             <a:pPr>
-              <a:buFont typeface="Wingdings" charset="2"/>
+              <a:buFont typeface="Wingdings" panose="05000000000000000000" pitchFamily="2" charset="2"/>
               <a:buChar char="p"/>
             </a:pPr>
             <a:r>
@@ -4096,7 +3905,7 @@
           </a:p>
           <a:p>
             <a:pPr>
-              <a:buFont typeface="Wingdings" charset="2"/>
+              <a:buFont typeface="Wingdings" panose="05000000000000000000" pitchFamily="2" charset="2"/>
               <a:buChar char="p"/>
             </a:pPr>
             <a:r>
@@ -4141,11 +3950,6 @@
         </p:txBody>
       </p:sp>
     </p:spTree>
-    <p:extLst>
-      <p:ext uri="{BB962C8B-B14F-4D97-AF65-F5344CB8AC3E}">
-        <p14:creationId xmlns:p14="http://schemas.microsoft.com/office/powerpoint/2010/main" val="416172510"/>
-      </p:ext>
-    </p:extLst>
   </p:cSld>
   <p:clrMapOvr>
     <a:masterClrMapping/>
@@ -4424,13 +4228,14 @@
               <a:t> </a:t>
             </a:r>
             <a:r>
-              <a:rPr kumimoji="1" lang="mr-IN" altLang="zh-CN"/>
+              <a:rPr kumimoji="1" lang="en-US" altLang="zh-CN"/>
               <a:t>–</a:t>
             </a:r>
             <a:r>
               <a:rPr kumimoji="1" lang="zh-CN" altLang="en-US"/>
               <a:t> 存钱取钱</a:t>
             </a:r>
+            <a:endParaRPr kumimoji="1" lang="zh-CN" altLang="en-US"/>
           </a:p>
         </p:txBody>
       </p:sp>
@@ -4534,6 +4339,11 @@
                 </a:rPr>
                 <a:t>余额</a:t>
               </a:r>
+              <a:endParaRPr kumimoji="1" lang="zh-CN" altLang="en-US">
+                <a:solidFill>
+                  <a:schemeClr val="bg1"/>
+                </a:solidFill>
+              </a:endParaRPr>
             </a:p>
           </p:txBody>
         </p:sp>
@@ -4643,6 +4453,7 @@
               <a:rPr kumimoji="1" lang="zh-CN" altLang="en-US"/>
               <a:t>时间</a:t>
             </a:r>
+            <a:endParaRPr kumimoji="1" lang="zh-CN" altLang="en-US"/>
           </a:p>
         </p:txBody>
       </p:sp>
@@ -4746,6 +4557,11 @@
                 </a:rPr>
                 <a:t>线程</a:t>
               </a:r>
+              <a:endParaRPr kumimoji="1" lang="zh-CN" altLang="en-US">
+                <a:solidFill>
+                  <a:schemeClr val="bg1"/>
+                </a:solidFill>
+              </a:endParaRPr>
             </a:p>
           </p:txBody>
         </p:sp>
@@ -4780,6 +4596,11 @@
               </a:rPr>
               <a:t>存钱</a:t>
             </a:r>
+            <a:endParaRPr kumimoji="1" lang="zh-CN" altLang="en-US">
+              <a:solidFill>
+                <a:srgbClr val="00B0F0"/>
+              </a:solidFill>
+            </a:endParaRPr>
           </a:p>
         </p:txBody>
       </p:sp>
@@ -4883,6 +4704,11 @@
                 </a:rPr>
                 <a:t>线程</a:t>
               </a:r>
+              <a:endParaRPr kumimoji="1" lang="zh-CN" altLang="en-US">
+                <a:solidFill>
+                  <a:schemeClr val="bg1"/>
+                </a:solidFill>
+              </a:endParaRPr>
             </a:p>
           </p:txBody>
         </p:sp>
@@ -4917,6 +4743,11 @@
               </a:rPr>
               <a:t>取钱</a:t>
             </a:r>
+            <a:endParaRPr kumimoji="1" lang="zh-CN" altLang="en-US">
+              <a:solidFill>
+                <a:schemeClr val="accent6"/>
+              </a:solidFill>
+            </a:endParaRPr>
           </a:p>
         </p:txBody>
       </p:sp>
@@ -5445,11 +5276,6 @@
         </p:style>
       </p:cxnSp>
     </p:spTree>
-    <p:extLst>
-      <p:ext uri="{BB962C8B-B14F-4D97-AF65-F5344CB8AC3E}">
-        <p14:creationId xmlns:p14="http://schemas.microsoft.com/office/powerpoint/2010/main" val="868935519"/>
-      </p:ext>
-    </p:extLst>
   </p:cSld>
   <p:clrMapOvr>
     <a:masterClrMapping/>
@@ -6752,13 +6578,14 @@
               <a:t> </a:t>
             </a:r>
             <a:r>
-              <a:rPr kumimoji="1" lang="mr-IN" altLang="zh-CN"/>
+              <a:rPr kumimoji="1" lang="en-US" altLang="zh-CN"/>
               <a:t>–</a:t>
             </a:r>
             <a:r>
               <a:rPr kumimoji="1" lang="zh-CN" altLang="en-US"/>
               <a:t> 卖票</a:t>
             </a:r>
+            <a:endParaRPr kumimoji="1" lang="zh-CN" altLang="en-US"/>
           </a:p>
         </p:txBody>
       </p:sp>
@@ -6862,6 +6689,11 @@
                 </a:rPr>
                 <a:t>票数</a:t>
               </a:r>
+              <a:endParaRPr kumimoji="1" lang="zh-CN" altLang="en-US">
+                <a:solidFill>
+                  <a:schemeClr val="bg1"/>
+                </a:solidFill>
+              </a:endParaRPr>
             </a:p>
           </p:txBody>
         </p:sp>
@@ -6971,6 +6803,7 @@
               <a:rPr kumimoji="1" lang="zh-CN" altLang="en-US"/>
               <a:t>时间</a:t>
             </a:r>
+            <a:endParaRPr kumimoji="1" lang="zh-CN" altLang="en-US"/>
           </a:p>
         </p:txBody>
       </p:sp>
@@ -7074,6 +6907,11 @@
                 </a:rPr>
                 <a:t>线程</a:t>
               </a:r>
+              <a:endParaRPr kumimoji="1" lang="zh-CN" altLang="en-US">
+                <a:solidFill>
+                  <a:schemeClr val="bg1"/>
+                </a:solidFill>
+              </a:endParaRPr>
             </a:p>
           </p:txBody>
         </p:sp>
@@ -7108,6 +6946,11 @@
               </a:rPr>
               <a:t>卖票</a:t>
             </a:r>
+            <a:endParaRPr kumimoji="1" lang="zh-CN" altLang="en-US">
+              <a:solidFill>
+                <a:srgbClr val="00B0F0"/>
+              </a:solidFill>
+            </a:endParaRPr>
           </a:p>
         </p:txBody>
       </p:sp>
@@ -7211,6 +7054,11 @@
                 </a:rPr>
                 <a:t>线程</a:t>
               </a:r>
+              <a:endParaRPr kumimoji="1" lang="zh-CN" altLang="en-US">
+                <a:solidFill>
+                  <a:schemeClr val="bg1"/>
+                </a:solidFill>
+              </a:endParaRPr>
             </a:p>
           </p:txBody>
         </p:sp>
@@ -7245,6 +7093,11 @@
               </a:rPr>
               <a:t>卖票</a:t>
             </a:r>
+            <a:endParaRPr kumimoji="1" lang="zh-CN" altLang="en-US">
+              <a:solidFill>
+                <a:schemeClr val="accent6"/>
+              </a:solidFill>
+            </a:endParaRPr>
           </a:p>
         </p:txBody>
       </p:sp>
@@ -7837,11 +7690,6 @@
         </p:style>
       </p:cxnSp>
     </p:spTree>
-    <p:extLst>
-      <p:ext uri="{BB962C8B-B14F-4D97-AF65-F5344CB8AC3E}">
-        <p14:creationId xmlns:p14="http://schemas.microsoft.com/office/powerpoint/2010/main" val="1892201455"/>
-      </p:ext>
-    </p:extLst>
   </p:cSld>
   <p:clrMapOvr>
     <a:masterClrMapping/>
@@ -9135,6 +8983,7 @@
               <a:rPr kumimoji="1" lang="zh-CN" altLang="en-US"/>
               <a:t>多线程安全隐患分析</a:t>
             </a:r>
+            <a:endParaRPr kumimoji="1" lang="zh-CN" altLang="en-US"/>
           </a:p>
         </p:txBody>
       </p:sp>
@@ -9147,7 +8996,7 @@
           <p:nvPr/>
         </p:nvPicPr>
         <p:blipFill>
-          <a:blip r:embed="rId2">
+          <a:blip r:embed="rId1">
             <a:extLst>
               <a:ext uri="{28A0092B-C50C-407E-A947-70E740481C1C}">
                 <a14:useLocalDpi xmlns:a14="http://schemas.microsoft.com/office/drawing/2010/main" val="0"/>
@@ -9169,11 +9018,6 @@
         </p:spPr>
       </p:pic>
     </p:spTree>
-    <p:extLst>
-      <p:ext uri="{BB962C8B-B14F-4D97-AF65-F5344CB8AC3E}">
-        <p14:creationId xmlns:p14="http://schemas.microsoft.com/office/powerpoint/2010/main" val="848738890"/>
-      </p:ext>
-    </p:extLst>
   </p:cSld>
   <p:clrMapOvr>
     <a:masterClrMapping/>
@@ -9224,6 +9068,7 @@
               <a:rPr kumimoji="1" lang="zh-CN" altLang="en-US"/>
               <a:t>多线程安全隐患的解决方案</a:t>
             </a:r>
+            <a:endParaRPr kumimoji="1" lang="zh-CN" altLang="en-US"/>
           </a:p>
         </p:txBody>
       </p:sp>
@@ -9236,7 +9081,7 @@
           <p:nvPr/>
         </p:nvPicPr>
         <p:blipFill>
-          <a:blip r:embed="rId2">
+          <a:blip r:embed="rId1">
             <a:extLst>
               <a:ext uri="{28A0092B-C50C-407E-A947-70E740481C1C}">
                 <a14:useLocalDpi xmlns:a14="http://schemas.microsoft.com/office/drawing/2010/main" val="0"/>
@@ -9307,11 +9152,6 @@
         </p:txBody>
       </p:sp>
     </p:spTree>
-    <p:extLst>
-      <p:ext uri="{BB962C8B-B14F-4D97-AF65-F5344CB8AC3E}">
-        <p14:creationId xmlns:p14="http://schemas.microsoft.com/office/powerpoint/2010/main" val="1712709955"/>
-      </p:ext>
-    </p:extLst>
   </p:cSld>
   <p:clrMapOvr>
     <a:masterClrMapping/>
@@ -9532,6 +9372,7 @@
               <a:rPr kumimoji="1" lang="zh-CN" altLang="en-US"/>
               <a:t>中的线程同步方案</a:t>
             </a:r>
+            <a:endParaRPr kumimoji="1" lang="zh-CN" altLang="en-US"/>
           </a:p>
         </p:txBody>
       </p:sp>
@@ -9564,60 +9405,6 @@
               </a:rPr>
               <a:t>OSSpinLock</a:t>
             </a:r>
-          </a:p>
-          <a:p>
-            <a:r>
-              <a:rPr lang="en-US" altLang="zh-CN" sz="1600">
-                <a:solidFill>
-                  <a:srgbClr val="5C2699"/>
-                </a:solidFill>
-                <a:latin typeface="Menlo-Regular" charset="0"/>
-              </a:rPr>
-              <a:t>os_unfair_lock</a:t>
-            </a:r>
-            <a:endParaRPr lang="en-US" altLang="zh-CN" sz="1600"/>
-          </a:p>
-          <a:p>
-            <a:r>
-              <a:rPr lang="en-US" altLang="zh-CN" sz="1600">
-                <a:solidFill>
-                  <a:srgbClr val="5C2699"/>
-                </a:solidFill>
-                <a:latin typeface="Menlo-Regular" charset="0"/>
-              </a:rPr>
-              <a:t>pthread_mutex</a:t>
-            </a:r>
-          </a:p>
-          <a:p>
-            <a:r>
-              <a:rPr lang="en-US" altLang="zh-CN" sz="1600">
-                <a:solidFill>
-                  <a:srgbClr val="5C2699"/>
-                </a:solidFill>
-                <a:latin typeface="Menlo-Regular" charset="0"/>
-              </a:rPr>
-              <a:t>dispatch_semaphore</a:t>
-            </a:r>
-          </a:p>
-          <a:p>
-            <a:r>
-              <a:rPr lang="en-US" altLang="zh-CN" sz="1600">
-                <a:solidFill>
-                  <a:srgbClr val="5C2699"/>
-                </a:solidFill>
-                <a:latin typeface="Menlo-Regular" charset="0"/>
-              </a:rPr>
-              <a:t>dispatch_queue(DISPATCH_QUEUE_SERIAL</a:t>
-            </a:r>
-            <a:r>
-              <a:rPr lang="en-US" altLang="zh-CN" sz="1600">
-                <a:solidFill>
-                  <a:srgbClr val="2E0D6E"/>
-                </a:solidFill>
-                <a:latin typeface="Menlo-Regular" charset="0"/>
-              </a:rPr>
-              <a:t>)</a:t>
-            </a:r>
             <a:endParaRPr lang="en-US" altLang="zh-CN" sz="1600">
               <a:solidFill>
                 <a:srgbClr val="5C2699"/>
@@ -9633,8 +9420,86 @@
                 </a:solidFill>
                 <a:latin typeface="Menlo-Regular" charset="0"/>
               </a:rPr>
+              <a:t>os_unfair_lock</a:t>
+            </a:r>
+            <a:endParaRPr lang="en-US" altLang="zh-CN" sz="1600"/>
+          </a:p>
+          <a:p>
+            <a:r>
+              <a:rPr lang="en-US" altLang="zh-CN" sz="1600">
+                <a:solidFill>
+                  <a:srgbClr val="5C2699"/>
+                </a:solidFill>
+                <a:latin typeface="Menlo-Regular" charset="0"/>
+              </a:rPr>
+              <a:t>pthread_mutex</a:t>
+            </a:r>
+            <a:endParaRPr lang="en-US" altLang="zh-CN" sz="1600">
+              <a:solidFill>
+                <a:srgbClr val="5C2699"/>
+              </a:solidFill>
+              <a:latin typeface="Menlo-Regular" charset="0"/>
+            </a:endParaRPr>
+          </a:p>
+          <a:p>
+            <a:r>
+              <a:rPr lang="en-US" altLang="zh-CN" sz="1600">
+                <a:solidFill>
+                  <a:srgbClr val="5C2699"/>
+                </a:solidFill>
+                <a:latin typeface="Menlo-Regular" charset="0"/>
+              </a:rPr>
+              <a:t>dispatch_semaphore</a:t>
+            </a:r>
+            <a:endParaRPr lang="en-US" altLang="zh-CN" sz="1600">
+              <a:solidFill>
+                <a:srgbClr val="5C2699"/>
+              </a:solidFill>
+              <a:latin typeface="Menlo-Regular" charset="0"/>
+            </a:endParaRPr>
+          </a:p>
+          <a:p>
+            <a:r>
+              <a:rPr lang="en-US" altLang="zh-CN" sz="1600">
+                <a:solidFill>
+                  <a:srgbClr val="5C2699"/>
+                </a:solidFill>
+                <a:latin typeface="Menlo-Regular" charset="0"/>
+              </a:rPr>
+              <a:t>dispatch_queue(DISPATCH_QUEUE_SERIAL</a:t>
+            </a:r>
+            <a:r>
+              <a:rPr lang="en-US" altLang="zh-CN" sz="1600">
+                <a:solidFill>
+                  <a:srgbClr val="2E0D6E"/>
+                </a:solidFill>
+                <a:latin typeface="Menlo-Regular" charset="0"/>
+              </a:rPr>
+              <a:t>)</a:t>
+            </a:r>
+            <a:endParaRPr lang="en-US" altLang="zh-CN" sz="1600">
+              <a:solidFill>
+                <a:srgbClr val="5C2699"/>
+              </a:solidFill>
+              <a:latin typeface="Menlo-Regular" charset="0"/>
+            </a:endParaRPr>
+          </a:p>
+          <a:p>
+            <a:r>
+              <a:rPr lang="en-US" altLang="zh-CN" sz="1600">
+                <a:solidFill>
+                  <a:srgbClr val="5C2699"/>
+                </a:solidFill>
+                <a:latin typeface="Menlo-Regular" charset="0"/>
+              </a:rPr>
               <a:t>NSLock</a:t>
             </a:r>
+            <a:endParaRPr lang="en-US" altLang="zh-CN" sz="1600">
+              <a:solidFill>
+                <a:srgbClr val="5C2699"/>
+              </a:solidFill>
+              <a:latin typeface="Menlo-Regular" charset="0"/>
+            </a:endParaRPr>
           </a:p>
           <a:p>
             <a:r>
@@ -9646,6 +9511,12 @@
               </a:rPr>
               <a:t>NSRecursiveLock</a:t>
             </a:r>
+            <a:endParaRPr lang="en-US" altLang="zh-CN" sz="1600">
+              <a:solidFill>
+                <a:srgbClr val="5C2699"/>
+              </a:solidFill>
+              <a:latin typeface="Menlo-Regular" charset="0"/>
+            </a:endParaRPr>
           </a:p>
           <a:p>
             <a:r>
@@ -9657,6 +9528,12 @@
               </a:rPr>
               <a:t>NSCondition</a:t>
             </a:r>
+            <a:endParaRPr lang="en-US" altLang="zh-CN" sz="1600">
+              <a:solidFill>
+                <a:srgbClr val="5C2699"/>
+              </a:solidFill>
+              <a:latin typeface="Menlo-Regular" charset="0"/>
+            </a:endParaRPr>
           </a:p>
           <a:p>
             <a:r>
@@ -9668,6 +9545,12 @@
               </a:rPr>
               <a:t>NSConditionLock</a:t>
             </a:r>
+            <a:endParaRPr lang="en-US" altLang="zh-CN" sz="1600">
+              <a:solidFill>
+                <a:srgbClr val="5C2699"/>
+              </a:solidFill>
+              <a:latin typeface="Menlo-Regular" charset="0"/>
+            </a:endParaRPr>
           </a:p>
           <a:p>
             <a:r>
@@ -9684,11 +9567,6 @@
         </p:txBody>
       </p:sp>
     </p:spTree>
-    <p:extLst>
-      <p:ext uri="{BB962C8B-B14F-4D97-AF65-F5344CB8AC3E}">
-        <p14:creationId xmlns:p14="http://schemas.microsoft.com/office/powerpoint/2010/main" val="1608862652"/>
-      </p:ext>
-    </p:extLst>
   </p:cSld>
   <p:clrMapOvr>
     <a:masterClrMapping/>
@@ -10235,13 +10113,7 @@
       </p:grpSpPr>
       <p:sp>
         <p:nvSpPr>
-          <p:cNvPr id="4" name="标题 3">
-            <a:extLst>
-              <a:ext uri="{FF2B5EF4-FFF2-40B4-BE49-F238E27FC236}">
-                <a16:creationId xmlns:a16="http://schemas.microsoft.com/office/drawing/2014/main" xmlns="" id="{5DCC7AE5-7EF9-4964-8408-F84B72D5D253}"/>
-              </a:ext>
-            </a:extLst>
-          </p:cNvPr>
+          <p:cNvPr id="4" name="标题 3"/>
           <p:cNvSpPr>
             <a:spLocks noGrp="1"/>
           </p:cNvSpPr>
@@ -10258,6 +10130,7 @@
               <a:rPr lang="zh-CN" altLang="en-US"/>
               <a:t>面试题</a:t>
             </a:r>
+            <a:endParaRPr lang="zh-CN" altLang="en-US"/>
           </a:p>
         </p:txBody>
       </p:sp>
@@ -10287,7 +10160,7 @@
               <a:lnSpc>
                 <a:spcPts val="2200"/>
               </a:lnSpc>
-              <a:buFont typeface="Wingdings" charset="2"/>
+              <a:buFont typeface="Wingdings" panose="05000000000000000000" pitchFamily="2" charset="2"/>
               <a:buChar char="n"/>
             </a:pPr>
             <a:r>
@@ -10319,7 +10192,7 @@
               <a:lnSpc>
                 <a:spcPts val="2200"/>
               </a:lnSpc>
-              <a:buFont typeface="Wingdings" charset="2"/>
+              <a:buFont typeface="Wingdings" panose="05000000000000000000" pitchFamily="2" charset="2"/>
               <a:buChar char="n"/>
             </a:pPr>
             <a:endParaRPr lang="en-US" altLang="zh-CN" sz="1600">
@@ -10338,7 +10211,7 @@
               <a:lnSpc>
                 <a:spcPts val="2200"/>
               </a:lnSpc>
-              <a:buFont typeface="Wingdings" charset="2"/>
+              <a:buFont typeface="Wingdings" panose="05000000000000000000" pitchFamily="2" charset="2"/>
               <a:buChar char="n"/>
             </a:pPr>
             <a:r>
@@ -10367,13 +10240,23 @@
               </a:rPr>
               <a:t>的多线程方案有哪几种？你更倾向于哪一种？</a:t>
             </a:r>
+            <a:endParaRPr lang="zh-CN" altLang="en-US" sz="1600">
+              <a:solidFill>
+                <a:schemeClr val="tx1">
+                  <a:lumMod val="65000"/>
+                  <a:lumOff val="35000"/>
+                </a:schemeClr>
+              </a:solidFill>
+              <a:latin typeface="微软雅黑" panose="020B0503020204020204" pitchFamily="34" charset="-122"/>
+              <a:ea typeface="微软雅黑" panose="020B0503020204020204" pitchFamily="34" charset="-122"/>
+            </a:endParaRPr>
           </a:p>
           <a:p>
             <a:pPr marL="342900" indent="-342900">
               <a:lnSpc>
                 <a:spcPts val="2200"/>
               </a:lnSpc>
-              <a:buFont typeface="Wingdings" charset="2"/>
+              <a:buFont typeface="Wingdings" panose="05000000000000000000" pitchFamily="2" charset="2"/>
               <a:buChar char="n"/>
             </a:pPr>
             <a:endParaRPr lang="en-US" altLang="zh-CN" sz="1600">
@@ -10392,7 +10275,7 @@
               <a:lnSpc>
                 <a:spcPts val="2200"/>
               </a:lnSpc>
-              <a:buFont typeface="Wingdings" charset="2"/>
+              <a:buFont typeface="Wingdings" panose="05000000000000000000" pitchFamily="2" charset="2"/>
               <a:buChar char="n"/>
             </a:pPr>
             <a:r>
@@ -10450,7 +10333,7 @@
               <a:lnSpc>
                 <a:spcPts val="2200"/>
               </a:lnSpc>
-              <a:buFont typeface="Wingdings" charset="2"/>
+              <a:buFont typeface="Wingdings" panose="05000000000000000000" pitchFamily="2" charset="2"/>
               <a:buChar char="n"/>
             </a:pPr>
             <a:endParaRPr lang="en-US" altLang="zh-CN" sz="1600">
@@ -10469,7 +10352,7 @@
               <a:lnSpc>
                 <a:spcPts val="2200"/>
               </a:lnSpc>
-              <a:buFont typeface="Wingdings" charset="2"/>
+              <a:buFont typeface="Wingdings" panose="05000000000000000000" pitchFamily="2" charset="2"/>
               <a:buChar char="n"/>
             </a:pPr>
             <a:r>
@@ -10514,7 +10397,7 @@
               <a:lnSpc>
                 <a:spcPts val="2200"/>
               </a:lnSpc>
-              <a:buFont typeface="Wingdings" charset="2"/>
+              <a:buFont typeface="Wingdings" panose="05000000000000000000" pitchFamily="2" charset="2"/>
               <a:buChar char="n"/>
             </a:pPr>
             <a:endParaRPr lang="en-US" altLang="zh-CN" sz="1600">
@@ -10533,7 +10416,7 @@
               <a:lnSpc>
                 <a:spcPts val="2200"/>
               </a:lnSpc>
-              <a:buFont typeface="Wingdings" charset="2"/>
+              <a:buFont typeface="Wingdings" panose="05000000000000000000" pitchFamily="2" charset="2"/>
               <a:buChar char="n"/>
             </a:pPr>
             <a:r>
@@ -10601,13 +10484,23 @@
               </a:rPr>
               <a:t>的区别，以及各自的优势</a:t>
             </a:r>
+            <a:endParaRPr lang="zh-CN" altLang="en-US" sz="1600">
+              <a:solidFill>
+                <a:schemeClr val="tx1">
+                  <a:lumMod val="65000"/>
+                  <a:lumOff val="35000"/>
+                </a:schemeClr>
+              </a:solidFill>
+              <a:latin typeface="微软雅黑" panose="020B0503020204020204" pitchFamily="34" charset="-122"/>
+              <a:ea typeface="微软雅黑" panose="020B0503020204020204" pitchFamily="34" charset="-122"/>
+            </a:endParaRPr>
           </a:p>
           <a:p>
             <a:pPr marL="342900" indent="-342900">
               <a:lnSpc>
                 <a:spcPts val="2200"/>
               </a:lnSpc>
-              <a:buFont typeface="Wingdings" charset="2"/>
+              <a:buFont typeface="Wingdings" panose="05000000000000000000" pitchFamily="2" charset="2"/>
               <a:buChar char="n"/>
             </a:pPr>
             <a:endParaRPr lang="en-US" altLang="zh-CN" sz="1600">
@@ -10626,7 +10519,7 @@
               <a:lnSpc>
                 <a:spcPts val="2200"/>
               </a:lnSpc>
-              <a:buFont typeface="Wingdings" charset="2"/>
+              <a:buFont typeface="Wingdings" panose="05000000000000000000" pitchFamily="2" charset="2"/>
               <a:buChar char="n"/>
             </a:pPr>
             <a:r>
@@ -10642,13 +10535,23 @@
               </a:rPr>
               <a:t>线程安全的处理手段有哪些？</a:t>
             </a:r>
+            <a:endParaRPr lang="zh-CN" altLang="en-US" sz="1600">
+              <a:solidFill>
+                <a:schemeClr val="tx1">
+                  <a:lumMod val="65000"/>
+                  <a:lumOff val="35000"/>
+                </a:schemeClr>
+              </a:solidFill>
+              <a:latin typeface="微软雅黑" panose="020B0503020204020204" pitchFamily="34" charset="-122"/>
+              <a:ea typeface="微软雅黑" panose="020B0503020204020204" pitchFamily="34" charset="-122"/>
+            </a:endParaRPr>
           </a:p>
           <a:p>
             <a:pPr marL="342900" indent="-342900">
               <a:lnSpc>
                 <a:spcPts val="2200"/>
               </a:lnSpc>
-              <a:buFont typeface="Wingdings" charset="2"/>
+              <a:buFont typeface="Wingdings" panose="05000000000000000000" pitchFamily="2" charset="2"/>
               <a:buChar char="n"/>
             </a:pPr>
             <a:endParaRPr lang="en-US" altLang="zh-CN" sz="1600">
@@ -10667,7 +10570,7 @@
               <a:lnSpc>
                 <a:spcPts val="2200"/>
               </a:lnSpc>
-              <a:buFont typeface="Wingdings" charset="2"/>
+              <a:buFont typeface="Wingdings" panose="05000000000000000000" pitchFamily="2" charset="2"/>
               <a:buChar char="n"/>
             </a:pPr>
             <a:r>
@@ -10696,13 +10599,23 @@
               </a:rPr>
               <a:t>你了解的锁有哪些？在你回答基础上进行二次提问；</a:t>
             </a:r>
+            <a:endParaRPr lang="zh-CN" altLang="en-US" sz="1600">
+              <a:solidFill>
+                <a:schemeClr val="tx1">
+                  <a:lumMod val="65000"/>
+                  <a:lumOff val="35000"/>
+                </a:schemeClr>
+              </a:solidFill>
+              <a:latin typeface="微软雅黑" panose="020B0503020204020204" pitchFamily="34" charset="-122"/>
+              <a:ea typeface="微软雅黑" panose="020B0503020204020204" pitchFamily="34" charset="-122"/>
+            </a:endParaRPr>
           </a:p>
           <a:p>
             <a:pPr marL="342900" indent="-342900">
               <a:lnSpc>
                 <a:spcPts val="2200"/>
               </a:lnSpc>
-              <a:buFont typeface="Wingdings" charset="2"/>
+              <a:buFont typeface="Wingdings" panose="05000000000000000000" pitchFamily="2" charset="2"/>
               <a:buChar char="p"/>
             </a:pPr>
             <a:r>
@@ -10718,13 +10631,23 @@
               </a:rPr>
               <a:t>追问一：自旋和互斥对比？</a:t>
             </a:r>
+            <a:endParaRPr lang="zh-CN" altLang="en-US" sz="1600">
+              <a:solidFill>
+                <a:schemeClr val="tx1">
+                  <a:lumMod val="65000"/>
+                  <a:lumOff val="35000"/>
+                </a:schemeClr>
+              </a:solidFill>
+              <a:latin typeface="微软雅黑" panose="020B0503020204020204" pitchFamily="34" charset="-122"/>
+              <a:ea typeface="微软雅黑" panose="020B0503020204020204" pitchFamily="34" charset="-122"/>
+            </a:endParaRPr>
           </a:p>
           <a:p>
             <a:pPr marL="342900" indent="-342900">
               <a:lnSpc>
                 <a:spcPts val="2200"/>
               </a:lnSpc>
-              <a:buFont typeface="Wingdings" charset="2"/>
+              <a:buFont typeface="Wingdings" panose="05000000000000000000" pitchFamily="2" charset="2"/>
               <a:buChar char="p"/>
             </a:pPr>
             <a:r>
@@ -10740,13 +10663,23 @@
               </a:rPr>
               <a:t>追问二：使用以上锁需要注意哪些？</a:t>
             </a:r>
+            <a:endParaRPr lang="zh-CN" altLang="en-US" sz="1600">
+              <a:solidFill>
+                <a:schemeClr val="tx1">
+                  <a:lumMod val="65000"/>
+                  <a:lumOff val="35000"/>
+                </a:schemeClr>
+              </a:solidFill>
+              <a:latin typeface="微软雅黑" panose="020B0503020204020204" pitchFamily="34" charset="-122"/>
+              <a:ea typeface="微软雅黑" panose="020B0503020204020204" pitchFamily="34" charset="-122"/>
+            </a:endParaRPr>
           </a:p>
           <a:p>
             <a:pPr marL="342900" indent="-342900">
               <a:lnSpc>
                 <a:spcPts val="2200"/>
               </a:lnSpc>
-              <a:buFont typeface="Wingdings" charset="2"/>
+              <a:buFont typeface="Wingdings" panose="05000000000000000000" pitchFamily="2" charset="2"/>
               <a:buChar char="p"/>
             </a:pPr>
             <a:r>
@@ -10788,15 +10721,20 @@
               </a:rPr>
               <a:t>，任选其一，实现自旋或互斥？口述即可！</a:t>
             </a:r>
+            <a:endParaRPr lang="zh-CN" altLang="en-US" sz="1600">
+              <a:solidFill>
+                <a:schemeClr val="tx1">
+                  <a:lumMod val="65000"/>
+                  <a:lumOff val="35000"/>
+                </a:schemeClr>
+              </a:solidFill>
+              <a:latin typeface="微软雅黑" panose="020B0503020204020204" pitchFamily="34" charset="-122"/>
+              <a:ea typeface="微软雅黑" panose="020B0503020204020204" pitchFamily="34" charset="-122"/>
+            </a:endParaRPr>
           </a:p>
         </p:txBody>
       </p:sp>
     </p:spTree>
-    <p:extLst>
-      <p:ext uri="{BB962C8B-B14F-4D97-AF65-F5344CB8AC3E}">
-        <p14:creationId xmlns:p14="http://schemas.microsoft.com/office/powerpoint/2010/main" val="1750241496"/>
-      </p:ext>
-    </p:extLst>
   </p:cSld>
   <p:clrMapOvr>
     <a:masterClrMapping/>
@@ -11545,7 +11483,7 @@
             </a:r>
             <a:r>
               <a:rPr lang="en-US" altLang="zh-CN" sz="1600">
-                <a:hlinkClick r:id="rId2"/>
+                <a:hlinkClick r:id="rId1"/>
               </a:rPr>
               <a:t>http://www.gnustep.org/resources/downloads.php</a:t>
             </a:r>
@@ -11572,11 +11510,6 @@
         </p:txBody>
       </p:sp>
     </p:spTree>
-    <p:extLst>
-      <p:ext uri="{BB962C8B-B14F-4D97-AF65-F5344CB8AC3E}">
-        <p14:creationId xmlns:p14="http://schemas.microsoft.com/office/powerpoint/2010/main" val="680958932"/>
-      </p:ext>
-    </p:extLst>
   </p:cSld>
   <p:clrMapOvr>
     <a:masterClrMapping/>
@@ -11879,7 +11812,7 @@
           </a:p>
           <a:p>
             <a:pPr>
-              <a:buFont typeface="Wingdings" charset="2"/>
+              <a:buFont typeface="Wingdings" panose="05000000000000000000" pitchFamily="2" charset="2"/>
               <a:buChar char="p"/>
             </a:pPr>
             <a:r>
@@ -11898,7 +11831,7 @@
           </a:p>
           <a:p>
             <a:pPr>
-              <a:buFont typeface="Wingdings" charset="2"/>
+              <a:buFont typeface="Wingdings" panose="05000000000000000000" pitchFamily="2" charset="2"/>
               <a:buChar char="p"/>
             </a:pPr>
             <a:r>
@@ -11936,7 +11869,7 @@
           <p:nvPr/>
         </p:nvPicPr>
         <p:blipFill>
-          <a:blip r:embed="rId2"/>
+          <a:blip r:embed="rId1"/>
           <a:stretch>
             <a:fillRect/>
           </a:stretch>
@@ -11957,11 +11890,6 @@
         </p:spPr>
       </p:pic>
     </p:spTree>
-    <p:extLst>
-      <p:ext uri="{BB962C8B-B14F-4D97-AF65-F5344CB8AC3E}">
-        <p14:creationId xmlns:p14="http://schemas.microsoft.com/office/powerpoint/2010/main" val="1097374236"/>
-      </p:ext>
-    </p:extLst>
   </p:cSld>
   <p:clrMapOvr>
     <a:masterClrMapping/>
@@ -12394,7 +12322,7 @@
           <p:nvPr/>
         </p:nvPicPr>
         <p:blipFill>
-          <a:blip r:embed="rId2"/>
+          <a:blip r:embed="rId1"/>
           <a:stretch>
             <a:fillRect/>
           </a:stretch>
@@ -12415,11 +12343,6 @@
         </p:spPr>
       </p:pic>
     </p:spTree>
-    <p:extLst>
-      <p:ext uri="{BB962C8B-B14F-4D97-AF65-F5344CB8AC3E}">
-        <p14:creationId xmlns:p14="http://schemas.microsoft.com/office/powerpoint/2010/main" val="282159597"/>
-      </p:ext>
-    </p:extLst>
   </p:cSld>
   <p:clrMapOvr>
     <a:masterClrMapping/>
@@ -12762,7 +12685,7 @@
           <p:nvPr/>
         </p:nvPicPr>
         <p:blipFill>
-          <a:blip r:embed="rId2"/>
+          <a:blip r:embed="rId1"/>
           <a:stretch>
             <a:fillRect/>
           </a:stretch>
@@ -12791,7 +12714,7 @@
           <p:nvPr/>
         </p:nvPicPr>
         <p:blipFill>
-          <a:blip r:embed="rId3"/>
+          <a:blip r:embed="rId2"/>
           <a:stretch>
             <a:fillRect/>
           </a:stretch>
@@ -12812,11 +12735,6 @@
         </p:spPr>
       </p:pic>
     </p:spTree>
-    <p:extLst>
-      <p:ext uri="{BB962C8B-B14F-4D97-AF65-F5344CB8AC3E}">
-        <p14:creationId xmlns:p14="http://schemas.microsoft.com/office/powerpoint/2010/main" val="1755449110"/>
-      </p:ext>
-    </p:extLst>
   </p:cSld>
   <p:clrMapOvr>
     <a:masterClrMapping/>
@@ -13083,7 +13001,7 @@
               <a:t> </a:t>
             </a:r>
             <a:r>
-              <a:rPr lang="mr-IN" altLang="zh-CN"/>
+              <a:rPr lang="en-US" altLang="zh-CN"/>
               <a:t>–</a:t>
             </a:r>
             <a:r>
@@ -13103,7 +13021,7 @@
           <p:nvPr/>
         </p:nvPicPr>
         <p:blipFill>
-          <a:blip r:embed="rId2"/>
+          <a:blip r:embed="rId1"/>
           <a:stretch>
             <a:fillRect/>
           </a:stretch>
@@ -13124,11 +13042,6 @@
         </p:spPr>
       </p:pic>
     </p:spTree>
-    <p:extLst>
-      <p:ext uri="{BB962C8B-B14F-4D97-AF65-F5344CB8AC3E}">
-        <p14:creationId xmlns:p14="http://schemas.microsoft.com/office/powerpoint/2010/main" val="562927147"/>
-      </p:ext>
-    </p:extLst>
   </p:cSld>
   <p:clrMapOvr>
     <a:masterClrMapping/>
@@ -13184,7 +13097,7 @@
               <a:t> </a:t>
             </a:r>
             <a:r>
-              <a:rPr lang="mr-IN" altLang="zh-CN"/>
+              <a:rPr lang="en-US" altLang="zh-CN"/>
               <a:t>–</a:t>
             </a:r>
             <a:r>
@@ -13204,7 +13117,7 @@
           <p:nvPr/>
         </p:nvPicPr>
         <p:blipFill>
-          <a:blip r:embed="rId2"/>
+          <a:blip r:embed="rId1"/>
           <a:stretch>
             <a:fillRect/>
           </a:stretch>
@@ -13225,11 +13138,6 @@
         </p:spPr>
       </p:pic>
     </p:spTree>
-    <p:extLst>
-      <p:ext uri="{BB962C8B-B14F-4D97-AF65-F5344CB8AC3E}">
-        <p14:creationId xmlns:p14="http://schemas.microsoft.com/office/powerpoint/2010/main" val="1081307971"/>
-      </p:ext>
-    </p:extLst>
   </p:cSld>
   <p:clrMapOvr>
     <a:masterClrMapping/>
@@ -13353,7 +13261,7 @@
           <p:nvPr/>
         </p:nvPicPr>
         <p:blipFill>
-          <a:blip r:embed="rId2"/>
+          <a:blip r:embed="rId1"/>
           <a:stretch>
             <a:fillRect/>
           </a:stretch>
@@ -13382,7 +13290,7 @@
           <p:nvPr/>
         </p:nvPicPr>
         <p:blipFill>
-          <a:blip r:embed="rId3"/>
+          <a:blip r:embed="rId2"/>
           <a:stretch>
             <a:fillRect/>
           </a:stretch>
@@ -13411,7 +13319,7 @@
           <p:nvPr/>
         </p:nvPicPr>
         <p:blipFill>
-          <a:blip r:embed="rId4"/>
+          <a:blip r:embed="rId3"/>
           <a:stretch>
             <a:fillRect/>
           </a:stretch>
@@ -13434,9 +13342,7 @@
       <p:sp>
         <p:nvSpPr>
           <p:cNvPr id="10" name="内容占位符 2"/>
-          <p:cNvSpPr txBox="1">
-            <a:spLocks/>
-          </p:cNvSpPr>
+          <p:cNvSpPr txBox="1"/>
           <p:nvPr/>
         </p:nvSpPr>
         <p:spPr>
@@ -13565,7 +13471,7 @@
               <a:spcBef>
                 <a:spcPts val="500"/>
               </a:spcBef>
-              <a:buFont typeface="Arial" panose="020B0604020202020204" pitchFamily="34" charset="0"/>
+              <a:buFont typeface="Arial" panose="020B0604020202090204" pitchFamily="34" charset="0"/>
               <a:buChar char="•"/>
               <a:defRPr sz="1800" kern="1200">
                 <a:solidFill>
@@ -13583,7 +13489,7 @@
               <a:spcBef>
                 <a:spcPts val="500"/>
               </a:spcBef>
-              <a:buFont typeface="Arial" panose="020B0604020202020204" pitchFamily="34" charset="0"/>
+              <a:buFont typeface="Arial" panose="020B0604020202090204" pitchFamily="34" charset="0"/>
               <a:buChar char="•"/>
               <a:defRPr sz="1800" kern="1200">
                 <a:solidFill>
@@ -13601,7 +13507,7 @@
               <a:spcBef>
                 <a:spcPts val="500"/>
               </a:spcBef>
-              <a:buFont typeface="Arial" panose="020B0604020202020204" pitchFamily="34" charset="0"/>
+              <a:buFont typeface="Arial" panose="020B0604020202090204" pitchFamily="34" charset="0"/>
               <a:buChar char="•"/>
               <a:defRPr sz="1800" kern="1200">
                 <a:solidFill>
@@ -13619,7 +13525,7 @@
               <a:spcBef>
                 <a:spcPts val="500"/>
               </a:spcBef>
-              <a:buFont typeface="Arial" panose="020B0604020202020204" pitchFamily="34" charset="0"/>
+              <a:buFont typeface="Arial" panose="020B0604020202090204" pitchFamily="34" charset="0"/>
               <a:buChar char="•"/>
               <a:defRPr sz="1800" kern="1200">
                 <a:solidFill>
@@ -13679,11 +13585,6 @@
         </p:txBody>
       </p:sp>
     </p:spTree>
-    <p:extLst>
-      <p:ext uri="{BB962C8B-B14F-4D97-AF65-F5344CB8AC3E}">
-        <p14:creationId xmlns:p14="http://schemas.microsoft.com/office/powerpoint/2010/main" val="1780270566"/>
-      </p:ext>
-    </p:extLst>
   </p:cSld>
   <p:clrMapOvr>
     <a:masterClrMapping/>
@@ -14068,7 +13969,7 @@
           <p:nvPr/>
         </p:nvPicPr>
         <p:blipFill>
-          <a:blip r:embed="rId2"/>
+          <a:blip r:embed="rId1"/>
           <a:stretch>
             <a:fillRect/>
           </a:stretch>
@@ -14089,11 +13990,6 @@
         </p:spPr>
       </p:pic>
     </p:spTree>
-    <p:extLst>
-      <p:ext uri="{BB962C8B-B14F-4D97-AF65-F5344CB8AC3E}">
-        <p14:creationId xmlns:p14="http://schemas.microsoft.com/office/powerpoint/2010/main" val="947469827"/>
-      </p:ext>
-    </p:extLst>
   </p:cSld>
   <p:clrMapOvr>
     <a:masterClrMapping/>
@@ -14326,7 +14222,7 @@
           <p:nvPr/>
         </p:nvPicPr>
         <p:blipFill>
-          <a:blip r:embed="rId2"/>
+          <a:blip r:embed="rId1"/>
           <a:stretch>
             <a:fillRect/>
           </a:stretch>
@@ -14347,11 +14243,6 @@
         </p:spPr>
       </p:pic>
     </p:spTree>
-    <p:extLst>
-      <p:ext uri="{BB962C8B-B14F-4D97-AF65-F5344CB8AC3E}">
-        <p14:creationId xmlns:p14="http://schemas.microsoft.com/office/powerpoint/2010/main" val="864550052"/>
-      </p:ext>
-    </p:extLst>
   </p:cSld>
   <p:clrMapOvr>
     <a:masterClrMapping/>
@@ -14601,7 +14492,7 @@
           <p:nvPr/>
         </p:nvPicPr>
         <p:blipFill>
-          <a:blip r:embed="rId2"/>
+          <a:blip r:embed="rId1"/>
           <a:stretch>
             <a:fillRect/>
           </a:stretch>
@@ -14622,11 +14513,6 @@
         </p:spPr>
       </p:pic>
     </p:spTree>
-    <p:extLst>
-      <p:ext uri="{BB962C8B-B14F-4D97-AF65-F5344CB8AC3E}">
-        <p14:creationId xmlns:p14="http://schemas.microsoft.com/office/powerpoint/2010/main" val="2001775148"/>
-      </p:ext>
-    </p:extLst>
   </p:cSld>
   <p:clrMapOvr>
     <a:masterClrMapping/>
@@ -14875,13 +14761,7 @@
       </p:grpSpPr>
       <p:sp>
         <p:nvSpPr>
-          <p:cNvPr id="4" name="标题 3">
-            <a:extLst>
-              <a:ext uri="{FF2B5EF4-FFF2-40B4-BE49-F238E27FC236}">
-                <a16:creationId xmlns:a16="http://schemas.microsoft.com/office/drawing/2014/main" xmlns="" id="{5DCC7AE5-7EF9-4964-8408-F84B72D5D253}"/>
-              </a:ext>
-            </a:extLst>
-          </p:cNvPr>
+          <p:cNvPr id="4" name="标题 3"/>
           <p:cNvSpPr>
             <a:spLocks noGrp="1"/>
           </p:cNvSpPr>
@@ -14898,6 +14778,7 @@
               <a:rPr lang="zh-CN" altLang="en-US"/>
               <a:t>面试题</a:t>
             </a:r>
+            <a:endParaRPr lang="zh-CN" altLang="en-US"/>
           </a:p>
         </p:txBody>
       </p:sp>
@@ -14927,7 +14808,7 @@
               <a:lnSpc>
                 <a:spcPts val="2200"/>
               </a:lnSpc>
-              <a:buFont typeface="Wingdings" charset="2"/>
+              <a:buFont typeface="Wingdings" panose="05000000000000000000" pitchFamily="2" charset="2"/>
               <a:buChar char="n"/>
             </a:pPr>
             <a:r>
@@ -14943,6 +14824,16 @@
               </a:rPr>
               <a:t>请问下面代码的打印结果是什么？</a:t>
             </a:r>
+            <a:endParaRPr lang="zh-CN" altLang="en-US" sz="1600">
+              <a:solidFill>
+                <a:schemeClr val="tx1">
+                  <a:lumMod val="65000"/>
+                  <a:lumOff val="35000"/>
+                </a:schemeClr>
+              </a:solidFill>
+              <a:latin typeface="微软雅黑" panose="020B0503020204020204" pitchFamily="34" charset="-122"/>
+              <a:ea typeface="微软雅黑" panose="020B0503020204020204" pitchFamily="34" charset="-122"/>
+            </a:endParaRPr>
           </a:p>
         </p:txBody>
       </p:sp>
@@ -14955,7 +14846,7 @@
           <p:nvPr/>
         </p:nvPicPr>
         <p:blipFill>
-          <a:blip r:embed="rId2"/>
+          <a:blip r:embed="rId1"/>
           <a:stretch>
             <a:fillRect/>
           </a:stretch>
@@ -14984,7 +14875,7 @@
           <p:nvPr/>
         </p:nvPicPr>
         <p:blipFill>
-          <a:blip r:embed="rId3"/>
+          <a:blip r:embed="rId2"/>
           <a:stretch>
             <a:fillRect/>
           </a:stretch>
@@ -15030,7 +14921,7 @@
               <a:lnSpc>
                 <a:spcPts val="2200"/>
               </a:lnSpc>
-              <a:buFont typeface="Wingdings" charset="2"/>
+              <a:buFont typeface="Wingdings" panose="05000000000000000000" pitchFamily="2" charset="2"/>
               <a:buChar char="n"/>
             </a:pPr>
             <a:r>
@@ -15084,28 +14975,6 @@
                 <a:ea typeface="微软雅黑" panose="020B0503020204020204" pitchFamily="34" charset="-122"/>
               </a:rPr>
               <a:t>3</a:t>
-            </a:r>
-          </a:p>
-          <a:p>
-            <a:pPr marL="342900" indent="-342900">
-              <a:lnSpc>
-                <a:spcPts val="2200"/>
-              </a:lnSpc>
-              <a:buFont typeface="Wingdings" charset="2"/>
-              <a:buChar char="n"/>
-            </a:pPr>
-            <a:r>
-              <a:rPr lang="zh-CN" altLang="en-US" sz="1600">
-                <a:solidFill>
-                  <a:schemeClr val="tx1">
-                    <a:lumMod val="65000"/>
-                    <a:lumOff val="35000"/>
-                  </a:schemeClr>
-                </a:solidFill>
-                <a:latin typeface="微软雅黑" panose="020B0503020204020204" pitchFamily="34" charset="-122"/>
-                <a:ea typeface="微软雅黑" panose="020B0503020204020204" pitchFamily="34" charset="-122"/>
-              </a:rPr>
-              <a:t>原因</a:t>
             </a:r>
             <a:endParaRPr lang="en-US" altLang="zh-CN" sz="1600">
               <a:solidFill>
@@ -15123,11 +14992,11 @@
               <a:lnSpc>
                 <a:spcPts val="2200"/>
               </a:lnSpc>
-              <a:buFont typeface="Wingdings" charset="2"/>
-              <a:buChar char="p"/>
+              <a:buFont typeface="Wingdings" panose="05000000000000000000" pitchFamily="2" charset="2"/>
+              <a:buChar char="n"/>
             </a:pPr>
             <a:r>
-              <a:rPr lang="en-US" altLang="zh-CN" sz="1600">
+              <a:rPr lang="zh-CN" altLang="en-US" sz="1600">
                 <a:solidFill>
                   <a:schemeClr val="tx1">
                     <a:lumMod val="65000"/>
@@ -15137,46 +15006,7 @@
                 <a:latin typeface="微软雅黑" panose="020B0503020204020204" pitchFamily="34" charset="-122"/>
                 <a:ea typeface="微软雅黑" panose="020B0503020204020204" pitchFamily="34" charset="-122"/>
               </a:rPr>
-              <a:t>performSelector:withObject:afterDelay:</a:t>
-            </a:r>
-            <a:r>
-              <a:rPr lang="zh-CN" altLang="en-US" sz="1600">
-                <a:solidFill>
-                  <a:schemeClr val="tx1">
-                    <a:lumMod val="65000"/>
-                    <a:lumOff val="35000"/>
-                  </a:schemeClr>
-                </a:solidFill>
-                <a:latin typeface="微软雅黑" panose="020B0503020204020204" pitchFamily="34" charset="-122"/>
-                <a:ea typeface="微软雅黑" panose="020B0503020204020204" pitchFamily="34" charset="-122"/>
-              </a:rPr>
-              <a:t>的本质是往</a:t>
-            </a:r>
-            <a:r>
-              <a:rPr lang="en-US" altLang="zh-CN" sz="1600">
-                <a:solidFill>
-                  <a:schemeClr val="tx1">
-                    <a:lumMod val="65000"/>
-                    <a:lumOff val="35000"/>
-                  </a:schemeClr>
-                </a:solidFill>
-                <a:latin typeface="微软雅黑" panose="020B0503020204020204" pitchFamily="34" charset="-122"/>
-                <a:ea typeface="微软雅黑" panose="020B0503020204020204" pitchFamily="34" charset="-122"/>
-              </a:rPr>
-              <a:t>Runloop</a:t>
-            </a:r>
-            <a:r>
-              <a:rPr lang="zh-CN" altLang="en-US" sz="1600">
-                <a:solidFill>
-                  <a:schemeClr val="tx1">
-                    <a:lumMod val="65000"/>
-                    <a:lumOff val="35000"/>
-                  </a:schemeClr>
-                </a:solidFill>
-                <a:latin typeface="微软雅黑" panose="020B0503020204020204" pitchFamily="34" charset="-122"/>
-                <a:ea typeface="微软雅黑" panose="020B0503020204020204" pitchFamily="34" charset="-122"/>
-              </a:rPr>
-              <a:t>中添加定时器</a:t>
+              <a:t>原因</a:t>
             </a:r>
             <a:endParaRPr lang="en-US" altLang="zh-CN" sz="1600">
               <a:solidFill>
@@ -15194,7 +15024,78 @@
               <a:lnSpc>
                 <a:spcPts val="2200"/>
               </a:lnSpc>
-              <a:buFont typeface="Wingdings" charset="2"/>
+              <a:buFont typeface="Wingdings" panose="05000000000000000000" pitchFamily="2" charset="2"/>
+              <a:buChar char="p"/>
+            </a:pPr>
+            <a:r>
+              <a:rPr lang="en-US" altLang="zh-CN" sz="1600">
+                <a:solidFill>
+                  <a:schemeClr val="tx1">
+                    <a:lumMod val="65000"/>
+                    <a:lumOff val="35000"/>
+                  </a:schemeClr>
+                </a:solidFill>
+                <a:latin typeface="微软雅黑" panose="020B0503020204020204" pitchFamily="34" charset="-122"/>
+                <a:ea typeface="微软雅黑" panose="020B0503020204020204" pitchFamily="34" charset="-122"/>
+              </a:rPr>
+              <a:t>performSelector:withObject:afterDelay:</a:t>
+            </a:r>
+            <a:r>
+              <a:rPr lang="zh-CN" altLang="en-US" sz="1600">
+                <a:solidFill>
+                  <a:schemeClr val="tx1">
+                    <a:lumMod val="65000"/>
+                    <a:lumOff val="35000"/>
+                  </a:schemeClr>
+                </a:solidFill>
+                <a:latin typeface="微软雅黑" panose="020B0503020204020204" pitchFamily="34" charset="-122"/>
+                <a:ea typeface="微软雅黑" panose="020B0503020204020204" pitchFamily="34" charset="-122"/>
+              </a:rPr>
+              <a:t>的本质是往</a:t>
+            </a:r>
+            <a:r>
+              <a:rPr lang="en-US" altLang="zh-CN" sz="1600">
+                <a:solidFill>
+                  <a:schemeClr val="tx1">
+                    <a:lumMod val="65000"/>
+                    <a:lumOff val="35000"/>
+                  </a:schemeClr>
+                </a:solidFill>
+                <a:latin typeface="微软雅黑" panose="020B0503020204020204" pitchFamily="34" charset="-122"/>
+                <a:ea typeface="微软雅黑" panose="020B0503020204020204" pitchFamily="34" charset="-122"/>
+              </a:rPr>
+              <a:t>Runloop</a:t>
+            </a:r>
+            <a:r>
+              <a:rPr lang="zh-CN" altLang="en-US" sz="1600">
+                <a:solidFill>
+                  <a:schemeClr val="tx1">
+                    <a:lumMod val="65000"/>
+                    <a:lumOff val="35000"/>
+                  </a:schemeClr>
+                </a:solidFill>
+                <a:latin typeface="微软雅黑" panose="020B0503020204020204" pitchFamily="34" charset="-122"/>
+                <a:ea typeface="微软雅黑" panose="020B0503020204020204" pitchFamily="34" charset="-122"/>
+              </a:rPr>
+              <a:t>中添加定时器</a:t>
+            </a:r>
+            <a:endParaRPr lang="en-US" altLang="zh-CN" sz="1600">
+              <a:solidFill>
+                <a:schemeClr val="tx1">
+                  <a:lumMod val="65000"/>
+                  <a:lumOff val="35000"/>
+                </a:schemeClr>
+              </a:solidFill>
+              <a:latin typeface="微软雅黑" panose="020B0503020204020204" pitchFamily="34" charset="-122"/>
+              <a:ea typeface="微软雅黑" panose="020B0503020204020204" pitchFamily="34" charset="-122"/>
+            </a:endParaRPr>
+          </a:p>
+          <a:p>
+            <a:pPr marL="342900" indent="-342900">
+              <a:lnSpc>
+                <a:spcPts val="2200"/>
+              </a:lnSpc>
+              <a:buFont typeface="Wingdings" panose="05000000000000000000" pitchFamily="2" charset="2"/>
               <a:buChar char="p"/>
             </a:pPr>
             <a:r>
@@ -15237,11 +15138,6 @@
         </p:txBody>
       </p:sp>
     </p:spTree>
-    <p:extLst>
-      <p:ext uri="{BB962C8B-B14F-4D97-AF65-F5344CB8AC3E}">
-        <p14:creationId xmlns:p14="http://schemas.microsoft.com/office/powerpoint/2010/main" val="149139470"/>
-      </p:ext>
-    </p:extLst>
   </p:cSld>
   <p:clrMapOvr>
     <a:masterClrMapping/>
@@ -15761,7 +15657,7 @@
           <p:nvPr/>
         </p:nvPicPr>
         <p:blipFill>
-          <a:blip r:embed="rId2"/>
+          <a:blip r:embed="rId1"/>
           <a:stretch>
             <a:fillRect/>
           </a:stretch>
@@ -15782,11 +15678,6 @@
         </p:spPr>
       </p:pic>
     </p:spTree>
-    <p:extLst>
-      <p:ext uri="{BB962C8B-B14F-4D97-AF65-F5344CB8AC3E}">
-        <p14:creationId xmlns:p14="http://schemas.microsoft.com/office/powerpoint/2010/main" val="2041070807"/>
-      </p:ext>
-    </p:extLst>
   </p:cSld>
   <p:clrMapOvr>
     <a:masterClrMapping/>
@@ -16103,7 +15994,7 @@
           <p:nvPr/>
         </p:nvPicPr>
         <p:blipFill>
-          <a:blip r:embed="rId2"/>
+          <a:blip r:embed="rId1"/>
           <a:stretch>
             <a:fillRect/>
           </a:stretch>
@@ -16124,11 +16015,6 @@
         </p:spPr>
       </p:pic>
     </p:spTree>
-    <p:extLst>
-      <p:ext uri="{BB962C8B-B14F-4D97-AF65-F5344CB8AC3E}">
-        <p14:creationId xmlns:p14="http://schemas.microsoft.com/office/powerpoint/2010/main" val="1955140335"/>
-      </p:ext>
-    </p:extLst>
   </p:cSld>
   <p:clrMapOvr>
     <a:masterClrMapping/>
@@ -16400,6 +16286,7 @@
               <a:rPr lang="zh-CN" altLang="en-US" dirty="0"/>
               <a:t>线程同步方案性能比较</a:t>
             </a:r>
+            <a:endParaRPr lang="zh-CN" altLang="en-US" dirty="0"/>
           </a:p>
         </p:txBody>
       </p:sp>
@@ -16433,7 +16320,7 @@
           </a:p>
           <a:p>
             <a:pPr>
-              <a:buFont typeface="Wingdings" charset="2"/>
+              <a:buFont typeface="Wingdings" panose="05000000000000000000" pitchFamily="2" charset="2"/>
               <a:buChar char="p"/>
             </a:pPr>
             <a:r>
@@ -16445,10 +16332,16 @@
               </a:rPr>
               <a:t>os_unfair_lock</a:t>
             </a:r>
+            <a:endParaRPr lang="en-US" altLang="zh-CN" sz="1600">
+              <a:solidFill>
+                <a:srgbClr val="5C2699"/>
+              </a:solidFill>
+              <a:latin typeface="Menlo-Regular" charset="0"/>
+            </a:endParaRPr>
           </a:p>
           <a:p>
             <a:pPr>
-              <a:buFont typeface="Wingdings" charset="2"/>
+              <a:buFont typeface="Wingdings" panose="05000000000000000000" pitchFamily="2" charset="2"/>
               <a:buChar char="p"/>
             </a:pPr>
             <a:r>
@@ -16460,10 +16353,16 @@
               </a:rPr>
               <a:t>OSSpinLock</a:t>
             </a:r>
+            <a:endParaRPr lang="en-US" altLang="zh-CN" sz="1600">
+              <a:solidFill>
+                <a:srgbClr val="5C2699"/>
+              </a:solidFill>
+              <a:latin typeface="Menlo-Regular" charset="0"/>
+            </a:endParaRPr>
           </a:p>
           <a:p>
             <a:pPr>
-              <a:buFont typeface="Wingdings" charset="2"/>
+              <a:buFont typeface="Wingdings" panose="05000000000000000000" pitchFamily="2" charset="2"/>
               <a:buChar char="p"/>
             </a:pPr>
             <a:r>
@@ -16475,10 +16374,16 @@
               </a:rPr>
               <a:t>dispatch_semaphore</a:t>
             </a:r>
+            <a:endParaRPr lang="en-US" altLang="zh-CN" sz="1600">
+              <a:solidFill>
+                <a:srgbClr val="5C2699"/>
+              </a:solidFill>
+              <a:latin typeface="Menlo-Regular" charset="0"/>
+            </a:endParaRPr>
           </a:p>
           <a:p>
             <a:pPr>
-              <a:buFont typeface="Wingdings" charset="2"/>
+              <a:buFont typeface="Wingdings" panose="05000000000000000000" pitchFamily="2" charset="2"/>
               <a:buChar char="p"/>
             </a:pPr>
             <a:r>
@@ -16490,10 +16395,16 @@
               </a:rPr>
               <a:t>pthread_mutex</a:t>
             </a:r>
+            <a:endParaRPr lang="en-US" altLang="zh-CN" sz="1600">
+              <a:solidFill>
+                <a:srgbClr val="5C2699"/>
+              </a:solidFill>
+              <a:latin typeface="Menlo-Regular" charset="0"/>
+            </a:endParaRPr>
           </a:p>
           <a:p>
             <a:pPr>
-              <a:buFont typeface="Wingdings" charset="2"/>
+              <a:buFont typeface="Wingdings" panose="05000000000000000000" pitchFamily="2" charset="2"/>
               <a:buChar char="p"/>
             </a:pPr>
             <a:r>
@@ -16505,10 +16416,16 @@
               </a:rPr>
               <a:t>dispatch_queue(DISPATCH_QUEUE_SERIAL)</a:t>
             </a:r>
+            <a:endParaRPr lang="en-US" altLang="zh-CN" sz="1600">
+              <a:solidFill>
+                <a:srgbClr val="5C2699"/>
+              </a:solidFill>
+              <a:latin typeface="Menlo-Regular" charset="0"/>
+            </a:endParaRPr>
           </a:p>
           <a:p>
             <a:pPr>
-              <a:buFont typeface="Wingdings" charset="2"/>
+              <a:buFont typeface="Wingdings" panose="05000000000000000000" pitchFamily="2" charset="2"/>
               <a:buChar char="p"/>
             </a:pPr>
             <a:r>
@@ -16520,10 +16437,16 @@
               </a:rPr>
               <a:t>NSLock</a:t>
             </a:r>
+            <a:endParaRPr lang="en-US" altLang="zh-CN" sz="1600">
+              <a:solidFill>
+                <a:srgbClr val="5C2699"/>
+              </a:solidFill>
+              <a:latin typeface="Menlo-Regular" charset="0"/>
+            </a:endParaRPr>
           </a:p>
           <a:p>
             <a:pPr>
-              <a:buFont typeface="Wingdings" charset="2"/>
+              <a:buFont typeface="Wingdings" panose="05000000000000000000" pitchFamily="2" charset="2"/>
               <a:buChar char="p"/>
             </a:pPr>
             <a:r>
@@ -16535,10 +16458,16 @@
               </a:rPr>
               <a:t>NSCondition</a:t>
             </a:r>
+            <a:endParaRPr lang="en-US" altLang="zh-CN" sz="1600">
+              <a:solidFill>
+                <a:srgbClr val="5C2699"/>
+              </a:solidFill>
+              <a:latin typeface="Menlo-Regular" charset="0"/>
+            </a:endParaRPr>
           </a:p>
           <a:p>
             <a:pPr>
-              <a:buFont typeface="Wingdings" charset="2"/>
+              <a:buFont typeface="Wingdings" panose="05000000000000000000" pitchFamily="2" charset="2"/>
               <a:buChar char="p"/>
             </a:pPr>
             <a:r>
@@ -16550,10 +16479,16 @@
               </a:rPr>
               <a:t>pthread_mutex(recursive)</a:t>
             </a:r>
+            <a:endParaRPr lang="en-US" altLang="zh-CN" sz="1600">
+              <a:solidFill>
+                <a:srgbClr val="5C2699"/>
+              </a:solidFill>
+              <a:latin typeface="Menlo-Regular" charset="0"/>
+            </a:endParaRPr>
           </a:p>
           <a:p>
             <a:pPr>
-              <a:buFont typeface="Wingdings" charset="2"/>
+              <a:buFont typeface="Wingdings" panose="05000000000000000000" pitchFamily="2" charset="2"/>
               <a:buChar char="p"/>
             </a:pPr>
             <a:r>
@@ -16565,10 +16500,16 @@
               </a:rPr>
               <a:t>NSRecursiveLock</a:t>
             </a:r>
+            <a:endParaRPr lang="en-US" altLang="zh-CN" sz="1600">
+              <a:solidFill>
+                <a:srgbClr val="5C2699"/>
+              </a:solidFill>
+              <a:latin typeface="Menlo-Regular" charset="0"/>
+            </a:endParaRPr>
           </a:p>
           <a:p>
             <a:pPr>
-              <a:buFont typeface="Wingdings" charset="2"/>
+              <a:buFont typeface="Wingdings" panose="05000000000000000000" pitchFamily="2" charset="2"/>
               <a:buChar char="p"/>
             </a:pPr>
             <a:r>
@@ -16580,10 +16521,16 @@
               </a:rPr>
               <a:t>NSConditionLock</a:t>
             </a:r>
+            <a:endParaRPr lang="en-US" altLang="zh-CN" sz="1600">
+              <a:solidFill>
+                <a:srgbClr val="5C2699"/>
+              </a:solidFill>
+              <a:latin typeface="Menlo-Regular" charset="0"/>
+            </a:endParaRPr>
           </a:p>
           <a:p>
             <a:pPr>
-              <a:buFont typeface="Wingdings" charset="2"/>
+              <a:buFont typeface="Wingdings" panose="05000000000000000000" pitchFamily="2" charset="2"/>
               <a:buChar char="p"/>
             </a:pPr>
             <a:r>
@@ -16595,6 +16542,12 @@
               </a:rPr>
               <a:t>@synchronized</a:t>
             </a:r>
+            <a:endParaRPr lang="en-US" altLang="zh-CN" sz="1600">
+              <a:solidFill>
+                <a:srgbClr val="AA0D91"/>
+              </a:solidFill>
+              <a:latin typeface="Menlo-Regular" charset="0"/>
+            </a:endParaRPr>
           </a:p>
           <a:p>
             <a:endParaRPr lang="en-US" altLang="zh-CN" sz="1600"/>
@@ -16602,11 +16555,6 @@
         </p:txBody>
       </p:sp>
     </p:spTree>
-    <p:extLst>
-      <p:ext uri="{BB962C8B-B14F-4D97-AF65-F5344CB8AC3E}">
-        <p14:creationId xmlns:p14="http://schemas.microsoft.com/office/powerpoint/2010/main" val="517985938"/>
-      </p:ext>
-    </p:extLst>
   </p:cSld>
   <p:clrMapOvr>
     <a:masterClrMapping/>
@@ -17270,6 +17218,7 @@
               <a:rPr lang="zh-CN" altLang="en-US" dirty="0"/>
               <a:t>自旋锁、互斥锁比较</a:t>
             </a:r>
+            <a:endParaRPr lang="zh-CN" altLang="en-US" dirty="0"/>
           </a:p>
         </p:txBody>
       </p:sp>
@@ -17303,7 +17252,7 @@
           </a:p>
           <a:p>
             <a:pPr>
-              <a:buFont typeface="Wingdings" charset="2"/>
+              <a:buFont typeface="Wingdings" panose="05000000000000000000" pitchFamily="2" charset="2"/>
               <a:buChar char="p"/>
             </a:pPr>
             <a:r>
@@ -17314,7 +17263,7 @@
           </a:p>
           <a:p>
             <a:pPr>
-              <a:buFont typeface="Wingdings" charset="2"/>
+              <a:buFont typeface="Wingdings" panose="05000000000000000000" pitchFamily="2" charset="2"/>
               <a:buChar char="p"/>
             </a:pPr>
             <a:r>
@@ -17325,7 +17274,7 @@
           </a:p>
           <a:p>
             <a:pPr>
-              <a:buFont typeface="Wingdings" charset="2"/>
+              <a:buFont typeface="Wingdings" panose="05000000000000000000" pitchFamily="2" charset="2"/>
               <a:buChar char="p"/>
             </a:pPr>
             <a:r>
@@ -17340,7 +17289,7 @@
           </a:p>
           <a:p>
             <a:pPr>
-              <a:buFont typeface="Wingdings" charset="2"/>
+              <a:buFont typeface="Wingdings" panose="05000000000000000000" pitchFamily="2" charset="2"/>
               <a:buChar char="p"/>
             </a:pPr>
             <a:r>
@@ -17351,14 +17300,14 @@
           </a:p>
           <a:p>
             <a:pPr>
-              <a:buFont typeface="Wingdings" charset="2"/>
+              <a:buFont typeface="Wingdings" panose="05000000000000000000" pitchFamily="2" charset="2"/>
               <a:buChar char="p"/>
             </a:pPr>
             <a:endParaRPr lang="en-US" altLang="zh-CN" sz="1600"/>
           </a:p>
           <a:p>
             <a:pPr>
-              <a:buFont typeface="Wingdings" charset="2"/>
+              <a:buFont typeface="Wingdings" panose="05000000000000000000" pitchFamily="2" charset="2"/>
               <a:buChar char="n"/>
             </a:pPr>
             <a:r>
@@ -17369,7 +17318,7 @@
           </a:p>
           <a:p>
             <a:pPr>
-              <a:buFont typeface="Wingdings" charset="2"/>
+              <a:buFont typeface="Wingdings" panose="05000000000000000000" pitchFamily="2" charset="2"/>
               <a:buChar char="p"/>
             </a:pPr>
             <a:r>
@@ -17380,7 +17329,7 @@
           </a:p>
           <a:p>
             <a:pPr>
-              <a:buFont typeface="Wingdings" charset="2"/>
+              <a:buFont typeface="Wingdings" panose="05000000000000000000" pitchFamily="2" charset="2"/>
               <a:buChar char="p"/>
             </a:pPr>
             <a:r>
@@ -17391,7 +17340,7 @@
           </a:p>
           <a:p>
             <a:pPr>
-              <a:buFont typeface="Wingdings" charset="2"/>
+              <a:buFont typeface="Wingdings" panose="05000000000000000000" pitchFamily="2" charset="2"/>
               <a:buChar char="p"/>
             </a:pPr>
             <a:r>
@@ -17410,7 +17359,7 @@
           </a:p>
           <a:p>
             <a:pPr>
-              <a:buFont typeface="Wingdings" charset="2"/>
+              <a:buFont typeface="Wingdings" panose="05000000000000000000" pitchFamily="2" charset="2"/>
               <a:buChar char="p"/>
             </a:pPr>
             <a:r>
@@ -17421,7 +17370,7 @@
           </a:p>
           <a:p>
             <a:pPr>
-              <a:buFont typeface="Wingdings" charset="2"/>
+              <a:buFont typeface="Wingdings" panose="05000000000000000000" pitchFamily="2" charset="2"/>
               <a:buChar char="p"/>
             </a:pPr>
             <a:r>
@@ -17433,11 +17382,6 @@
         </p:txBody>
       </p:sp>
     </p:spTree>
-    <p:extLst>
-      <p:ext uri="{BB962C8B-B14F-4D97-AF65-F5344CB8AC3E}">
-        <p14:creationId xmlns:p14="http://schemas.microsoft.com/office/powerpoint/2010/main" val="1960630367"/>
-      </p:ext>
-    </p:extLst>
   </p:cSld>
   <p:clrMapOvr>
     <a:masterClrMapping/>
@@ -18059,9 +18003,7 @@
       <p:sp>
         <p:nvSpPr>
           <p:cNvPr id="6" name="内容占位符 2"/>
-          <p:cNvSpPr txBox="1">
-            <a:spLocks/>
-          </p:cNvSpPr>
+          <p:cNvSpPr txBox="1"/>
           <p:nvPr/>
         </p:nvSpPr>
         <p:spPr>
@@ -18190,7 +18132,7 @@
               <a:spcBef>
                 <a:spcPts val="500"/>
               </a:spcBef>
-              <a:buFont typeface="Arial" panose="020B0604020202020204" pitchFamily="34" charset="0"/>
+              <a:buFont typeface="Arial" panose="020B0604020202090204" pitchFamily="34" charset="0"/>
               <a:buChar char="•"/>
               <a:defRPr sz="1800" kern="1200">
                 <a:solidFill>
@@ -18208,7 +18150,7 @@
               <a:spcBef>
                 <a:spcPts val="500"/>
               </a:spcBef>
-              <a:buFont typeface="Arial" panose="020B0604020202020204" pitchFamily="34" charset="0"/>
+              <a:buFont typeface="Arial" panose="020B0604020202090204" pitchFamily="34" charset="0"/>
               <a:buChar char="•"/>
               <a:defRPr sz="1800" kern="1200">
                 <a:solidFill>
@@ -18226,7 +18168,7 @@
               <a:spcBef>
                 <a:spcPts val="500"/>
               </a:spcBef>
-              <a:buFont typeface="Arial" panose="020B0604020202020204" pitchFamily="34" charset="0"/>
+              <a:buFont typeface="Arial" panose="020B0604020202090204" pitchFamily="34" charset="0"/>
               <a:buChar char="•"/>
               <a:defRPr sz="1800" kern="1200">
                 <a:solidFill>
@@ -18244,7 +18186,7 @@
               <a:spcBef>
                 <a:spcPts val="500"/>
               </a:spcBef>
-              <a:buFont typeface="Arial" panose="020B0604020202020204" pitchFamily="34" charset="0"/>
+              <a:buFont typeface="Arial" panose="020B0604020202090204" pitchFamily="34" charset="0"/>
               <a:buChar char="•"/>
               <a:defRPr sz="1800" kern="1200">
                 <a:solidFill>
@@ -18321,6 +18263,7 @@
               <a:rPr lang="en-US" altLang="zh-CN" sz="1600"/>
               <a:t>objc-accessors.mm</a:t>
             </a:r>
+            <a:endParaRPr lang="en-US" altLang="zh-CN" sz="1600"/>
           </a:p>
           <a:p>
             <a:r>
@@ -18332,11 +18275,6 @@
         </p:txBody>
       </p:sp>
     </p:spTree>
-    <p:extLst>
-      <p:ext uri="{BB962C8B-B14F-4D97-AF65-F5344CB8AC3E}">
-        <p14:creationId xmlns:p14="http://schemas.microsoft.com/office/powerpoint/2010/main" val="1881735583"/>
-      </p:ext>
-    </p:extLst>
   </p:cSld>
   <p:clrMapOvr>
     <a:masterClrMapping/>
@@ -18563,15 +18501,14 @@
               <a:rPr lang="zh-CN" altLang="en-US" dirty="0"/>
               <a:t>中的读写安全方案</a:t>
             </a:r>
+            <a:endParaRPr lang="zh-CN" altLang="en-US" dirty="0"/>
           </a:p>
         </p:txBody>
       </p:sp>
       <p:sp>
         <p:nvSpPr>
           <p:cNvPr id="6" name="内容占位符 2"/>
-          <p:cNvSpPr txBox="1">
-            <a:spLocks/>
-          </p:cNvSpPr>
+          <p:cNvSpPr txBox="1"/>
           <p:nvPr/>
         </p:nvSpPr>
         <p:spPr>
@@ -18700,7 +18637,7 @@
               <a:spcBef>
                 <a:spcPts val="500"/>
               </a:spcBef>
-              <a:buFont typeface="Arial" panose="020B0604020202020204" pitchFamily="34" charset="0"/>
+              <a:buFont typeface="Arial" panose="020B0604020202090204" pitchFamily="34" charset="0"/>
               <a:buChar char="•"/>
               <a:defRPr sz="1800" kern="1200">
                 <a:solidFill>
@@ -18718,7 +18655,7 @@
               <a:spcBef>
                 <a:spcPts val="500"/>
               </a:spcBef>
-              <a:buFont typeface="Arial" panose="020B0604020202020204" pitchFamily="34" charset="0"/>
+              <a:buFont typeface="Arial" panose="020B0604020202090204" pitchFamily="34" charset="0"/>
               <a:buChar char="•"/>
               <a:defRPr sz="1800" kern="1200">
                 <a:solidFill>
@@ -18736,7 +18673,7 @@
               <a:spcBef>
                 <a:spcPts val="500"/>
               </a:spcBef>
-              <a:buFont typeface="Arial" panose="020B0604020202020204" pitchFamily="34" charset="0"/>
+              <a:buFont typeface="Arial" panose="020B0604020202090204" pitchFamily="34" charset="0"/>
               <a:buChar char="•"/>
               <a:defRPr sz="1800" kern="1200">
                 <a:solidFill>
@@ -18754,7 +18691,7 @@
               <a:spcBef>
                 <a:spcPts val="500"/>
               </a:spcBef>
-              <a:buFont typeface="Arial" panose="020B0604020202020204" pitchFamily="34" charset="0"/>
+              <a:buFont typeface="Arial" panose="020B0604020202090204" pitchFamily="34" charset="0"/>
               <a:buChar char="•"/>
               <a:defRPr sz="1800" kern="1200">
                 <a:solidFill>
@@ -18775,7 +18712,7 @@
           </a:p>
           <a:p>
             <a:pPr>
-              <a:buFont typeface="Wingdings" charset="2"/>
+              <a:buFont typeface="Wingdings" panose="05000000000000000000" pitchFamily="2" charset="2"/>
               <a:buChar char="p"/>
             </a:pPr>
             <a:r>
@@ -18794,7 +18731,7 @@
           </a:p>
           <a:p>
             <a:pPr>
-              <a:buFont typeface="Wingdings" charset="2"/>
+              <a:buFont typeface="Wingdings" panose="05000000000000000000" pitchFamily="2" charset="2"/>
               <a:buChar char="p"/>
             </a:pPr>
             <a:r>
@@ -18805,7 +18742,7 @@
           </a:p>
           <a:p>
             <a:pPr>
-              <a:buFont typeface="Wingdings" charset="2"/>
+              <a:buFont typeface="Wingdings" panose="05000000000000000000" pitchFamily="2" charset="2"/>
               <a:buChar char="p"/>
             </a:pPr>
             <a:r>
@@ -18816,14 +18753,14 @@
           </a:p>
           <a:p>
             <a:pPr>
-              <a:buFont typeface="Wingdings" charset="2"/>
+              <a:buFont typeface="Wingdings" panose="05000000000000000000" pitchFamily="2" charset="2"/>
               <a:buChar char="p"/>
             </a:pPr>
             <a:endParaRPr lang="en-US" altLang="zh-CN" sz="1600"/>
           </a:p>
           <a:p>
             <a:pPr>
-              <a:buFont typeface="Wingdings" charset="2"/>
+              <a:buFont typeface="Wingdings" panose="05000000000000000000" pitchFamily="2" charset="2"/>
               <a:buChar char="n"/>
             </a:pPr>
             <a:r>
@@ -18847,7 +18784,7 @@
           </a:p>
           <a:p>
             <a:pPr>
-              <a:buFont typeface="Wingdings" charset="2"/>
+              <a:buFont typeface="Wingdings" panose="05000000000000000000" pitchFamily="2" charset="2"/>
               <a:buChar char="p"/>
             </a:pPr>
             <a:r>
@@ -18877,7 +18814,7 @@
           </a:p>
           <a:p>
             <a:pPr>
-              <a:buFont typeface="Wingdings" charset="2"/>
+              <a:buFont typeface="Wingdings" panose="05000000000000000000" pitchFamily="2" charset="2"/>
               <a:buChar char="p"/>
             </a:pPr>
             <a:r>
@@ -18908,11 +18845,6 @@
         </p:txBody>
       </p:sp>
     </p:spTree>
-    <p:extLst>
-      <p:ext uri="{BB962C8B-B14F-4D97-AF65-F5344CB8AC3E}">
-        <p14:creationId xmlns:p14="http://schemas.microsoft.com/office/powerpoint/2010/main" val="128829480"/>
-      </p:ext>
-    </p:extLst>
   </p:cSld>
   <p:clrMapOvr>
     <a:masterClrMapping/>
@@ -19344,7 +19276,7 @@
           <p:nvPr/>
         </p:nvPicPr>
         <p:blipFill>
-          <a:blip r:embed="rId2"/>
+          <a:blip r:embed="rId1"/>
           <a:stretch>
             <a:fillRect/>
           </a:stretch>
@@ -19367,9 +19299,7 @@
       <p:sp>
         <p:nvSpPr>
           <p:cNvPr id="5" name="内容占位符 2"/>
-          <p:cNvSpPr txBox="1">
-            <a:spLocks/>
-          </p:cNvSpPr>
+          <p:cNvSpPr txBox="1"/>
           <p:nvPr/>
         </p:nvSpPr>
         <p:spPr>
@@ -19498,7 +19428,7 @@
               <a:spcBef>
                 <a:spcPts val="500"/>
               </a:spcBef>
-              <a:buFont typeface="Arial" panose="020B0604020202020204" pitchFamily="34" charset="0"/>
+              <a:buFont typeface="Arial" panose="020B0604020202090204" pitchFamily="34" charset="0"/>
               <a:buChar char="•"/>
               <a:defRPr sz="1800" kern="1200">
                 <a:solidFill>
@@ -19516,7 +19446,7 @@
               <a:spcBef>
                 <a:spcPts val="500"/>
               </a:spcBef>
-              <a:buFont typeface="Arial" panose="020B0604020202020204" pitchFamily="34" charset="0"/>
+              <a:buFont typeface="Arial" panose="020B0604020202090204" pitchFamily="34" charset="0"/>
               <a:buChar char="•"/>
               <a:defRPr sz="1800" kern="1200">
                 <a:solidFill>
@@ -19534,7 +19464,7 @@
               <a:spcBef>
                 <a:spcPts val="500"/>
               </a:spcBef>
-              <a:buFont typeface="Arial" panose="020B0604020202020204" pitchFamily="34" charset="0"/>
+              <a:buFont typeface="Arial" panose="020B0604020202090204" pitchFamily="34" charset="0"/>
               <a:buChar char="•"/>
               <a:defRPr sz="1800" kern="1200">
                 <a:solidFill>
@@ -19552,7 +19482,7 @@
               <a:spcBef>
                 <a:spcPts val="500"/>
               </a:spcBef>
-              <a:buFont typeface="Arial" panose="020B0604020202020204" pitchFamily="34" charset="0"/>
+              <a:buFont typeface="Arial" panose="020B0604020202090204" pitchFamily="34" charset="0"/>
               <a:buChar char="•"/>
               <a:defRPr sz="1800" kern="1200">
                 <a:solidFill>
@@ -19579,11 +19509,6 @@
         </p:txBody>
       </p:sp>
     </p:spTree>
-    <p:extLst>
-      <p:ext uri="{BB962C8B-B14F-4D97-AF65-F5344CB8AC3E}">
-        <p14:creationId xmlns:p14="http://schemas.microsoft.com/office/powerpoint/2010/main" val="2095061089"/>
-      </p:ext>
-    </p:extLst>
   </p:cSld>
   <p:clrMapOvr>
     <a:masterClrMapping/>
@@ -19760,9 +19685,7 @@
       <p:sp>
         <p:nvSpPr>
           <p:cNvPr id="5" name="内容占位符 2"/>
-          <p:cNvSpPr txBox="1">
-            <a:spLocks/>
-          </p:cNvSpPr>
+          <p:cNvSpPr txBox="1"/>
           <p:nvPr/>
         </p:nvSpPr>
         <p:spPr>
@@ -19891,7 +19814,7 @@
               <a:spcBef>
                 <a:spcPts val="500"/>
               </a:spcBef>
-              <a:buFont typeface="Arial" panose="020B0604020202020204" pitchFamily="34" charset="0"/>
+              <a:buFont typeface="Arial" panose="020B0604020202090204" pitchFamily="34" charset="0"/>
               <a:buChar char="•"/>
               <a:defRPr sz="1800" kern="1200">
                 <a:solidFill>
@@ -19909,7 +19832,7 @@
               <a:spcBef>
                 <a:spcPts val="500"/>
               </a:spcBef>
-              <a:buFont typeface="Arial" panose="020B0604020202020204" pitchFamily="34" charset="0"/>
+              <a:buFont typeface="Arial" panose="020B0604020202090204" pitchFamily="34" charset="0"/>
               <a:buChar char="•"/>
               <a:defRPr sz="1800" kern="1200">
                 <a:solidFill>
@@ -19927,7 +19850,7 @@
               <a:spcBef>
                 <a:spcPts val="500"/>
               </a:spcBef>
-              <a:buFont typeface="Arial" panose="020B0604020202020204" pitchFamily="34" charset="0"/>
+              <a:buFont typeface="Arial" panose="020B0604020202090204" pitchFamily="34" charset="0"/>
               <a:buChar char="•"/>
               <a:defRPr sz="1800" kern="1200">
                 <a:solidFill>
@@ -19945,7 +19868,7 @@
               <a:spcBef>
                 <a:spcPts val="500"/>
               </a:spcBef>
-              <a:buFont typeface="Arial" panose="020B0604020202020204" pitchFamily="34" charset="0"/>
+              <a:buFont typeface="Arial" panose="020B0604020202090204" pitchFamily="34" charset="0"/>
               <a:buChar char="•"/>
               <a:defRPr sz="1800" kern="1200">
                 <a:solidFill>
@@ -20003,7 +19926,7 @@
           <p:nvPr/>
         </p:nvPicPr>
         <p:blipFill>
-          <a:blip r:embed="rId2"/>
+          <a:blip r:embed="rId1"/>
           <a:stretch>
             <a:fillRect/>
           </a:stretch>
@@ -20024,11 +19947,6 @@
         </p:spPr>
       </p:pic>
     </p:spTree>
-    <p:extLst>
-      <p:ext uri="{BB962C8B-B14F-4D97-AF65-F5344CB8AC3E}">
-        <p14:creationId xmlns:p14="http://schemas.microsoft.com/office/powerpoint/2010/main" val="201804754"/>
-      </p:ext>
-    </p:extLst>
   </p:cSld>
   <p:clrMapOvr>
     <a:masterClrMapping/>
@@ -20252,6 +20170,7 @@
               <a:rPr kumimoji="1" lang="zh-CN" altLang="en-US"/>
               <a:t>读</a:t>
             </a:r>
+            <a:endParaRPr kumimoji="1" lang="zh-CN" altLang="en-US"/>
           </a:p>
         </p:txBody>
       </p:sp>
@@ -20281,6 +20200,7 @@
               <a:rPr kumimoji="1" lang="zh-CN" altLang="en-US"/>
               <a:t>读</a:t>
             </a:r>
+            <a:endParaRPr kumimoji="1" lang="zh-CN" altLang="en-US"/>
           </a:p>
         </p:txBody>
       </p:sp>
@@ -20310,6 +20230,7 @@
               <a:rPr kumimoji="1" lang="zh-CN" altLang="en-US"/>
               <a:t>读</a:t>
             </a:r>
+            <a:endParaRPr kumimoji="1" lang="zh-CN" altLang="en-US"/>
           </a:p>
         </p:txBody>
       </p:sp>
@@ -20339,6 +20260,7 @@
               <a:rPr kumimoji="1" lang="zh-CN" altLang="en-US"/>
               <a:t>写</a:t>
             </a:r>
+            <a:endParaRPr kumimoji="1" lang="zh-CN" altLang="en-US"/>
           </a:p>
         </p:txBody>
       </p:sp>
@@ -20368,6 +20290,7 @@
               <a:rPr kumimoji="1" lang="zh-CN" altLang="en-US"/>
               <a:t>读</a:t>
             </a:r>
+            <a:endParaRPr kumimoji="1" lang="zh-CN" altLang="en-US"/>
           </a:p>
         </p:txBody>
       </p:sp>
@@ -20397,6 +20320,7 @@
               <a:rPr kumimoji="1" lang="zh-CN" altLang="en-US"/>
               <a:t>读</a:t>
             </a:r>
+            <a:endParaRPr kumimoji="1" lang="zh-CN" altLang="en-US"/>
           </a:p>
         </p:txBody>
       </p:sp>
@@ -20426,6 +20350,7 @@
               <a:rPr kumimoji="1" lang="zh-CN" altLang="en-US"/>
               <a:t>读</a:t>
             </a:r>
+            <a:endParaRPr kumimoji="1" lang="zh-CN" altLang="en-US"/>
           </a:p>
         </p:txBody>
       </p:sp>
@@ -20455,6 +20380,7 @@
               <a:rPr kumimoji="1" lang="zh-CN" altLang="en-US"/>
               <a:t>读</a:t>
             </a:r>
+            <a:endParaRPr kumimoji="1" lang="zh-CN" altLang="en-US"/>
           </a:p>
         </p:txBody>
       </p:sp>
@@ -20484,6 +20410,7 @@
               <a:rPr kumimoji="1" lang="zh-CN" altLang="en-US"/>
               <a:t>读</a:t>
             </a:r>
+            <a:endParaRPr kumimoji="1" lang="zh-CN" altLang="en-US"/>
           </a:p>
         </p:txBody>
       </p:sp>
@@ -20636,15 +20563,11 @@
               <a:rPr kumimoji="1" lang="zh-CN" altLang="en-US"/>
               <a:t>写</a:t>
             </a:r>
+            <a:endParaRPr kumimoji="1" lang="zh-CN" altLang="en-US"/>
           </a:p>
         </p:txBody>
       </p:sp>
     </p:spTree>
-    <p:extLst>
-      <p:ext uri="{BB962C8B-B14F-4D97-AF65-F5344CB8AC3E}">
-        <p14:creationId xmlns:p14="http://schemas.microsoft.com/office/powerpoint/2010/main" val="844888308"/>
-      </p:ext>
-    </p:extLst>
   </p:cSld>
   <p:clrMapOvr>
     <a:masterClrMapping/>
@@ -20671,13 +20594,7 @@
       </p:grpSpPr>
       <p:sp>
         <p:nvSpPr>
-          <p:cNvPr id="4" name="标题 3">
-            <a:extLst>
-              <a:ext uri="{FF2B5EF4-FFF2-40B4-BE49-F238E27FC236}">
-                <a16:creationId xmlns:a16="http://schemas.microsoft.com/office/drawing/2014/main" xmlns="" id="{5DCC7AE5-7EF9-4964-8408-F84B72D5D253}"/>
-              </a:ext>
-            </a:extLst>
-          </p:cNvPr>
+          <p:cNvPr id="4" name="标题 3"/>
           <p:cNvSpPr>
             <a:spLocks noGrp="1"/>
           </p:cNvSpPr>
@@ -20694,6 +20611,7 @@
               <a:rPr lang="zh-CN" altLang="en-US"/>
               <a:t>面试题</a:t>
             </a:r>
+            <a:endParaRPr lang="zh-CN" altLang="en-US"/>
           </a:p>
         </p:txBody>
       </p:sp>
@@ -20723,7 +20641,7 @@
               <a:lnSpc>
                 <a:spcPts val="2200"/>
               </a:lnSpc>
-              <a:buFont typeface="Wingdings" charset="2"/>
+              <a:buFont typeface="Wingdings" panose="05000000000000000000" pitchFamily="2" charset="2"/>
               <a:buChar char="n"/>
             </a:pPr>
             <a:r>
@@ -20739,6 +20657,16 @@
               </a:rPr>
               <a:t>请问下面代码的打印结果是什么？</a:t>
             </a:r>
+            <a:endParaRPr lang="zh-CN" altLang="en-US" sz="1600">
+              <a:solidFill>
+                <a:schemeClr val="tx1">
+                  <a:lumMod val="65000"/>
+                  <a:lumOff val="35000"/>
+                </a:schemeClr>
+              </a:solidFill>
+              <a:latin typeface="微软雅黑" panose="020B0503020204020204" pitchFamily="34" charset="-122"/>
+              <a:ea typeface="微软雅黑" panose="020B0503020204020204" pitchFamily="34" charset="-122"/>
+            </a:endParaRPr>
           </a:p>
         </p:txBody>
       </p:sp>
@@ -20751,7 +20679,7 @@
           <p:nvPr/>
         </p:nvPicPr>
         <p:blipFill>
-          <a:blip r:embed="rId2"/>
+          <a:blip r:embed="rId1"/>
           <a:stretch>
             <a:fillRect/>
           </a:stretch>
@@ -20772,11 +20700,6 @@
         </p:spPr>
       </p:pic>
     </p:spTree>
-    <p:extLst>
-      <p:ext uri="{BB962C8B-B14F-4D97-AF65-F5344CB8AC3E}">
-        <p14:creationId xmlns:p14="http://schemas.microsoft.com/office/powerpoint/2010/main" val="311554660"/>
-      </p:ext>
-    </p:extLst>
   </p:cSld>
   <p:clrMapOvr>
     <a:masterClrMapping/>
@@ -20939,13 +20862,7 @@
       </p:grpSpPr>
       <p:sp>
         <p:nvSpPr>
-          <p:cNvPr id="4" name="标题 3">
-            <a:extLst>
-              <a:ext uri="{FF2B5EF4-FFF2-40B4-BE49-F238E27FC236}">
-                <a16:creationId xmlns:a16="http://schemas.microsoft.com/office/drawing/2014/main" xmlns="" id="{5DCC7AE5-7EF9-4964-8408-F84B72D5D253}"/>
-              </a:ext>
-            </a:extLst>
-          </p:cNvPr>
+          <p:cNvPr id="4" name="标题 3"/>
           <p:cNvSpPr>
             <a:spLocks noGrp="1"/>
           </p:cNvSpPr>
@@ -20966,6 +20883,7 @@
               <a:rPr lang="zh-CN" altLang="en-US"/>
               <a:t>中的常见多线程方案</a:t>
             </a:r>
+            <a:endParaRPr lang="zh-CN" altLang="en-US"/>
           </a:p>
         </p:txBody>
       </p:sp>
@@ -20977,11 +20895,6 @@
           </p:cNvGraphicFramePr>
           <p:nvPr>
             <p:ph idx="1"/>
-            <p:extLst>
-              <p:ext uri="{D42A27DB-BD31-4B8C-83A1-F6EECF244321}">
-                <p14:modId xmlns:p14="http://schemas.microsoft.com/office/powerpoint/2010/main" val="648166051"/>
-              </p:ext>
-            </p:extLst>
           </p:nvPr>
         </p:nvGraphicFramePr>
         <p:xfrm>
@@ -21012,6 +20925,7 @@
                         <a:rPr lang="zh-CN" altLang="en-US" sz="1600"/>
                         <a:t>技术方案</a:t>
                       </a:r>
+                      <a:endParaRPr lang="zh-CN" altLang="en-US" sz="1600"/>
                     </a:p>
                   </a:txBody>
                   <a:tcPr>
@@ -21063,6 +20977,7 @@
                         <a:rPr lang="zh-CN" altLang="en-US" sz="1600"/>
                         <a:t>简介</a:t>
                       </a:r>
+                      <a:endParaRPr lang="zh-CN" altLang="en-US" sz="1600"/>
                     </a:p>
                   </a:txBody>
                   <a:tcPr>
@@ -21114,6 +21029,7 @@
                         <a:rPr lang="zh-CN" altLang="en-US" sz="1600"/>
                         <a:t>语言</a:t>
                       </a:r>
+                      <a:endParaRPr lang="zh-CN" altLang="en-US" sz="1600"/>
                     </a:p>
                   </a:txBody>
                   <a:tcPr>
@@ -21165,6 +21081,7 @@
                         <a:rPr lang="zh-CN" altLang="en-US" sz="1600"/>
                         <a:t>线程生命周期</a:t>
                       </a:r>
+                      <a:endParaRPr lang="zh-CN" altLang="en-US" sz="1600"/>
                     </a:p>
                   </a:txBody>
                   <a:tcPr>
@@ -21216,6 +21133,7 @@
                         <a:rPr lang="zh-CN" altLang="en-US" sz="1600"/>
                         <a:t>使用频率</a:t>
                       </a:r>
+                      <a:endParaRPr lang="zh-CN" altLang="en-US" sz="1600"/>
                     </a:p>
                   </a:txBody>
                   <a:tcPr>
@@ -21278,7 +21196,6 @@
                         <a:buSzTx/>
                         <a:buFontTx/>
                         <a:buNone/>
-                        <a:tabLst/>
                         <a:defRPr/>
                       </a:pPr>
                       <a:endParaRPr lang="en-US" altLang="zh-CN" sz="1600"/>
@@ -21340,9 +21257,8 @@
                         </a:spcAft>
                         <a:buClrTx/>
                         <a:buSzTx/>
-                        <a:buFont typeface="Wingdings" charset="2"/>
+                        <a:buFont typeface="Wingdings" panose="05000000000000000000" pitchFamily="2" charset="2"/>
                         <a:buNone/>
-                        <a:tabLst/>
                         <a:defRPr/>
                       </a:pPr>
                       <a:endParaRPr lang="en-US" altLang="zh-CN" sz="1600"/>
@@ -21587,7 +21503,7 @@
                     <a:lstStyle/>
                     <a:p>
                       <a:pPr marL="0" indent="0" algn="l">
-                        <a:buFont typeface="Wingdings" charset="2"/>
+                        <a:buFont typeface="Wingdings" panose="05000000000000000000" pitchFamily="2" charset="2"/>
                         <a:buNone/>
                       </a:pPr>
                       <a:endParaRPr lang="zh-CN" altLang="en-US" sz="1600"/>
@@ -21699,7 +21615,6 @@
                         <a:buSzTx/>
                         <a:buFontTx/>
                         <a:buNone/>
-                        <a:tabLst/>
                         <a:defRPr/>
                       </a:pPr>
                       <a:endParaRPr lang="zh-CN" altLang="en-US" sz="1600"/>
@@ -21848,7 +21763,7 @@
                     <a:lstStyle/>
                     <a:p>
                       <a:pPr marL="0" indent="0" algn="l">
-                        <a:buFont typeface="Wingdings" charset="2"/>
+                        <a:buFont typeface="Wingdings" panose="05000000000000000000" pitchFamily="2" charset="2"/>
                         <a:buNone/>
                       </a:pPr>
                       <a:endParaRPr lang="zh-CN" altLang="en-US" sz="1600"/>
@@ -22058,7 +21973,6 @@
                         <a:buSzTx/>
                         <a:buFontTx/>
                         <a:buNone/>
-                        <a:tabLst/>
                         <a:defRPr/>
                       </a:pPr>
                       <a:endParaRPr lang="en-US" altLang="zh-CN" sz="1600"/>
@@ -22109,7 +22023,7 @@
                     <a:lstStyle/>
                     <a:p>
                       <a:pPr marL="0" indent="0" algn="l">
-                        <a:buFont typeface="Wingdings" charset="2"/>
+                        <a:buFont typeface="Wingdings" panose="05000000000000000000" pitchFamily="2" charset="2"/>
                         <a:buNone/>
                       </a:pPr>
                       <a:endParaRPr lang="en-US" altLang="zh-CN" sz="1600"/>
@@ -22173,7 +22087,6 @@
                         <a:buSzTx/>
                         <a:buFontTx/>
                         <a:buNone/>
-                        <a:tabLst/>
                         <a:defRPr/>
                       </a:pPr>
                       <a:endParaRPr lang="zh-CN" altLang="en-US" sz="1600"/>
@@ -22322,9 +22235,7 @@
       <p:sp>
         <p:nvSpPr>
           <p:cNvPr id="6" name="内容占位符 2"/>
-          <p:cNvSpPr txBox="1">
-            <a:spLocks/>
-          </p:cNvSpPr>
+          <p:cNvSpPr txBox="1"/>
           <p:nvPr/>
         </p:nvSpPr>
         <p:spPr>
@@ -22349,7 +22260,7 @@
                 <a:schemeClr val="accent1"/>
               </a:buClr>
               <a:buSzPct val="75000"/>
-              <a:buFont typeface="Wingdings" pitchFamily="2" charset="2"/>
+              <a:buFont typeface="Wingdings" panose="05000000000000000000" pitchFamily="2" charset="2"/>
               <a:buChar char="n"/>
               <a:defRPr sz="2000" kern="1200">
                 <a:solidFill>
@@ -22374,7 +22285,7 @@
                 </a:schemeClr>
               </a:buClr>
               <a:buSzPct val="75000"/>
-              <a:buFont typeface="Wingdings" pitchFamily="2" charset="2"/>
+              <a:buFont typeface="Wingdings" panose="05000000000000000000" pitchFamily="2" charset="2"/>
               <a:buChar char="n"/>
               <a:defRPr sz="1800" kern="1200">
                 <a:solidFill>
@@ -22396,7 +22307,7 @@
                 <a:schemeClr val="accent1"/>
               </a:buClr>
               <a:buSzPct val="75000"/>
-              <a:buFont typeface="Wingdings" pitchFamily="2" charset="2"/>
+              <a:buFont typeface="Wingdings" panose="05000000000000000000" pitchFamily="2" charset="2"/>
               <a:buChar char="n"/>
               <a:defRPr sz="1800" kern="1200">
                 <a:solidFill>
@@ -22421,7 +22332,7 @@
                 </a:schemeClr>
               </a:buClr>
               <a:buSzPct val="75000"/>
-              <a:buFont typeface="Wingdings" pitchFamily="2" charset="2"/>
+              <a:buFont typeface="Wingdings" panose="05000000000000000000" pitchFamily="2" charset="2"/>
               <a:buChar char="n"/>
               <a:defRPr sz="1800" kern="1200">
                 <a:solidFill>
@@ -22443,7 +22354,7 @@
                 <a:schemeClr val="accent1"/>
               </a:buClr>
               <a:buSzPct val="75000"/>
-              <a:buFont typeface="Wingdings" pitchFamily="2" charset="2"/>
+              <a:buFont typeface="Wingdings" panose="05000000000000000000" pitchFamily="2" charset="2"/>
               <a:buChar char="n"/>
               <a:defRPr sz="1800" kern="1200">
                 <a:solidFill>
@@ -22468,7 +22379,7 @@
                 </a:schemeClr>
               </a:buClr>
               <a:buSzPct val="75000"/>
-              <a:buFont typeface="Wingdings" pitchFamily="2" charset="2"/>
+              <a:buFont typeface="Wingdings" panose="05000000000000000000" pitchFamily="2" charset="2"/>
               <a:buChar char=""/>
               <a:defRPr lang="en-US" sz="1800" kern="1200" dirty="0" smtClean="0">
                 <a:solidFill>
@@ -22490,7 +22401,7 @@
                 <a:schemeClr val="accent1"/>
               </a:buClr>
               <a:buSzPct val="75000"/>
-              <a:buFont typeface="Wingdings" pitchFamily="2" charset="2"/>
+              <a:buFont typeface="Wingdings" panose="05000000000000000000" pitchFamily="2" charset="2"/>
               <a:buChar char=""/>
               <a:defRPr lang="en-US" sz="1800" kern="1200" baseline="0" dirty="0" smtClean="0">
                 <a:solidFill>
@@ -22504,7 +22415,7 @@
                 <a:cs typeface="Eurostile"/>
               </a:defRPr>
             </a:lvl7pPr>
-            <a:lvl8pPr marL="1830388" indent="-228600" algn="l" defTabSz="914400" rtl="0" eaLnBrk="1" latinLnBrk="0" hangingPunct="1">
+            <a:lvl8pPr marL="1830705" indent="-228600" algn="l" defTabSz="914400" rtl="0" eaLnBrk="1" latinLnBrk="0" hangingPunct="1">
               <a:spcBef>
                 <a:spcPct val="20000"/>
               </a:spcBef>
@@ -22515,7 +22426,7 @@
                 </a:schemeClr>
               </a:buClr>
               <a:buSzPct val="75000"/>
-              <a:buFont typeface="Wingdings" pitchFamily="2" charset="2"/>
+              <a:buFont typeface="Wingdings" panose="05000000000000000000" pitchFamily="2" charset="2"/>
               <a:buChar char=""/>
               <a:defRPr lang="en-US" sz="1800" kern="1200" baseline="0" dirty="0" smtClean="0">
                 <a:solidFill>
@@ -22537,7 +22448,7 @@
                 <a:schemeClr val="accent1"/>
               </a:buClr>
               <a:buSzPct val="75000"/>
-              <a:buFont typeface="Wingdings" pitchFamily="2" charset="2"/>
+              <a:buFont typeface="Wingdings" panose="05000000000000000000" pitchFamily="2" charset="2"/>
               <a:buChar char=""/>
               <a:defRPr lang="en-US" sz="1800" kern="1200" baseline="0" dirty="0">
                 <a:solidFill>
@@ -22564,15 +22475,18 @@
               </a:rPr>
               <a:t>pthread</a:t>
             </a:r>
+            <a:endParaRPr lang="en-US" altLang="zh-CN" sz="1800">
+              <a:latin typeface="Microsoft YaHei" charset="-122"/>
+              <a:ea typeface="Microsoft YaHei" charset="-122"/>
+              <a:cs typeface="Microsoft YaHei" charset="-122"/>
+            </a:endParaRPr>
           </a:p>
         </p:txBody>
       </p:sp>
       <p:sp>
         <p:nvSpPr>
           <p:cNvPr id="7" name="内容占位符 2"/>
-          <p:cNvSpPr txBox="1">
-            <a:spLocks/>
-          </p:cNvSpPr>
+          <p:cNvSpPr txBox="1"/>
           <p:nvPr/>
         </p:nvSpPr>
         <p:spPr>
@@ -22597,7 +22511,7 @@
                 <a:schemeClr val="accent1"/>
               </a:buClr>
               <a:buSzPct val="75000"/>
-              <a:buFont typeface="Wingdings" pitchFamily="2" charset="2"/>
+              <a:buFont typeface="Wingdings" panose="05000000000000000000" pitchFamily="2" charset="2"/>
               <a:buChar char="n"/>
               <a:defRPr sz="2000" kern="1200">
                 <a:solidFill>
@@ -22622,7 +22536,7 @@
                 </a:schemeClr>
               </a:buClr>
               <a:buSzPct val="75000"/>
-              <a:buFont typeface="Wingdings" pitchFamily="2" charset="2"/>
+              <a:buFont typeface="Wingdings" panose="05000000000000000000" pitchFamily="2" charset="2"/>
               <a:buChar char="n"/>
               <a:defRPr sz="1800" kern="1200">
                 <a:solidFill>
@@ -22644,7 +22558,7 @@
                 <a:schemeClr val="accent1"/>
               </a:buClr>
               <a:buSzPct val="75000"/>
-              <a:buFont typeface="Wingdings" pitchFamily="2" charset="2"/>
+              <a:buFont typeface="Wingdings" panose="05000000000000000000" pitchFamily="2" charset="2"/>
               <a:buChar char="n"/>
               <a:defRPr sz="1800" kern="1200">
                 <a:solidFill>
@@ -22669,7 +22583,7 @@
                 </a:schemeClr>
               </a:buClr>
               <a:buSzPct val="75000"/>
-              <a:buFont typeface="Wingdings" pitchFamily="2" charset="2"/>
+              <a:buFont typeface="Wingdings" panose="05000000000000000000" pitchFamily="2" charset="2"/>
               <a:buChar char="n"/>
               <a:defRPr sz="1800" kern="1200">
                 <a:solidFill>
@@ -22691,7 +22605,7 @@
                 <a:schemeClr val="accent1"/>
               </a:buClr>
               <a:buSzPct val="75000"/>
-              <a:buFont typeface="Wingdings" pitchFamily="2" charset="2"/>
+              <a:buFont typeface="Wingdings" panose="05000000000000000000" pitchFamily="2" charset="2"/>
               <a:buChar char="n"/>
               <a:defRPr sz="1800" kern="1200">
                 <a:solidFill>
@@ -22716,7 +22630,7 @@
                 </a:schemeClr>
               </a:buClr>
               <a:buSzPct val="75000"/>
-              <a:buFont typeface="Wingdings" pitchFamily="2" charset="2"/>
+              <a:buFont typeface="Wingdings" panose="05000000000000000000" pitchFamily="2" charset="2"/>
               <a:buChar char=""/>
               <a:defRPr lang="en-US" sz="1800" kern="1200" dirty="0" smtClean="0">
                 <a:solidFill>
@@ -22738,7 +22652,7 @@
                 <a:schemeClr val="accent1"/>
               </a:buClr>
               <a:buSzPct val="75000"/>
-              <a:buFont typeface="Wingdings" pitchFamily="2" charset="2"/>
+              <a:buFont typeface="Wingdings" panose="05000000000000000000" pitchFamily="2" charset="2"/>
               <a:buChar char=""/>
               <a:defRPr lang="en-US" sz="1800" kern="1200" baseline="0" dirty="0" smtClean="0">
                 <a:solidFill>
@@ -22752,7 +22666,7 @@
                 <a:cs typeface="Eurostile"/>
               </a:defRPr>
             </a:lvl7pPr>
-            <a:lvl8pPr marL="1830388" indent="-228600" algn="l" defTabSz="914400" rtl="0" eaLnBrk="1" latinLnBrk="0" hangingPunct="1">
+            <a:lvl8pPr marL="1830705" indent="-228600" algn="l" defTabSz="914400" rtl="0" eaLnBrk="1" latinLnBrk="0" hangingPunct="1">
               <a:spcBef>
                 <a:spcPct val="20000"/>
               </a:spcBef>
@@ -22763,7 +22677,7 @@
                 </a:schemeClr>
               </a:buClr>
               <a:buSzPct val="75000"/>
-              <a:buFont typeface="Wingdings" pitchFamily="2" charset="2"/>
+              <a:buFont typeface="Wingdings" panose="05000000000000000000" pitchFamily="2" charset="2"/>
               <a:buChar char=""/>
               <a:defRPr lang="en-US" sz="1800" kern="1200" baseline="0" dirty="0" smtClean="0">
                 <a:solidFill>
@@ -22785,7 +22699,7 @@
                 <a:schemeClr val="accent1"/>
               </a:buClr>
               <a:buSzPct val="75000"/>
-              <a:buFont typeface="Wingdings" pitchFamily="2" charset="2"/>
+              <a:buFont typeface="Wingdings" panose="05000000000000000000" pitchFamily="2" charset="2"/>
               <a:buChar char=""/>
               <a:defRPr lang="en-US" sz="1800" kern="1200" baseline="0" dirty="0">
                 <a:solidFill>
@@ -22812,15 +22726,18 @@
               </a:rPr>
               <a:t>NSThread</a:t>
             </a:r>
+            <a:endParaRPr lang="en-US" altLang="zh-CN" sz="1800">
+              <a:latin typeface="Microsoft YaHei" charset="-122"/>
+              <a:ea typeface="Microsoft YaHei" charset="-122"/>
+              <a:cs typeface="Microsoft YaHei" charset="-122"/>
+            </a:endParaRPr>
           </a:p>
         </p:txBody>
       </p:sp>
       <p:sp>
         <p:nvSpPr>
           <p:cNvPr id="8" name="内容占位符 2"/>
-          <p:cNvSpPr txBox="1">
-            <a:spLocks/>
-          </p:cNvSpPr>
+          <p:cNvSpPr txBox="1"/>
           <p:nvPr/>
         </p:nvSpPr>
         <p:spPr>
@@ -22845,7 +22762,7 @@
                 <a:schemeClr val="accent1"/>
               </a:buClr>
               <a:buSzPct val="75000"/>
-              <a:buFont typeface="Wingdings" pitchFamily="2" charset="2"/>
+              <a:buFont typeface="Wingdings" panose="05000000000000000000" pitchFamily="2" charset="2"/>
               <a:buChar char="n"/>
               <a:defRPr sz="2000" kern="1200">
                 <a:solidFill>
@@ -22870,7 +22787,7 @@
                 </a:schemeClr>
               </a:buClr>
               <a:buSzPct val="75000"/>
-              <a:buFont typeface="Wingdings" pitchFamily="2" charset="2"/>
+              <a:buFont typeface="Wingdings" panose="05000000000000000000" pitchFamily="2" charset="2"/>
               <a:buChar char="n"/>
               <a:defRPr sz="1800" kern="1200">
                 <a:solidFill>
@@ -22892,7 +22809,7 @@
                 <a:schemeClr val="accent1"/>
               </a:buClr>
               <a:buSzPct val="75000"/>
-              <a:buFont typeface="Wingdings" pitchFamily="2" charset="2"/>
+              <a:buFont typeface="Wingdings" panose="05000000000000000000" pitchFamily="2" charset="2"/>
               <a:buChar char="n"/>
               <a:defRPr sz="1800" kern="1200">
                 <a:solidFill>
@@ -22917,7 +22834,7 @@
                 </a:schemeClr>
               </a:buClr>
               <a:buSzPct val="75000"/>
-              <a:buFont typeface="Wingdings" pitchFamily="2" charset="2"/>
+              <a:buFont typeface="Wingdings" panose="05000000000000000000" pitchFamily="2" charset="2"/>
               <a:buChar char="n"/>
               <a:defRPr sz="1800" kern="1200">
                 <a:solidFill>
@@ -22939,7 +22856,7 @@
                 <a:schemeClr val="accent1"/>
               </a:buClr>
               <a:buSzPct val="75000"/>
-              <a:buFont typeface="Wingdings" pitchFamily="2" charset="2"/>
+              <a:buFont typeface="Wingdings" panose="05000000000000000000" pitchFamily="2" charset="2"/>
               <a:buChar char="n"/>
               <a:defRPr sz="1800" kern="1200">
                 <a:solidFill>
@@ -22964,7 +22881,7 @@
                 </a:schemeClr>
               </a:buClr>
               <a:buSzPct val="75000"/>
-              <a:buFont typeface="Wingdings" pitchFamily="2" charset="2"/>
+              <a:buFont typeface="Wingdings" panose="05000000000000000000" pitchFamily="2" charset="2"/>
               <a:buChar char=""/>
               <a:defRPr lang="en-US" sz="1800" kern="1200" dirty="0" smtClean="0">
                 <a:solidFill>
@@ -22986,7 +22903,7 @@
                 <a:schemeClr val="accent1"/>
               </a:buClr>
               <a:buSzPct val="75000"/>
-              <a:buFont typeface="Wingdings" pitchFamily="2" charset="2"/>
+              <a:buFont typeface="Wingdings" panose="05000000000000000000" pitchFamily="2" charset="2"/>
               <a:buChar char=""/>
               <a:defRPr lang="en-US" sz="1800" kern="1200" baseline="0" dirty="0" smtClean="0">
                 <a:solidFill>
@@ -23000,7 +22917,7 @@
                 <a:cs typeface="Eurostile"/>
               </a:defRPr>
             </a:lvl7pPr>
-            <a:lvl8pPr marL="1830388" indent="-228600" algn="l" defTabSz="914400" rtl="0" eaLnBrk="1" latinLnBrk="0" hangingPunct="1">
+            <a:lvl8pPr marL="1830705" indent="-228600" algn="l" defTabSz="914400" rtl="0" eaLnBrk="1" latinLnBrk="0" hangingPunct="1">
               <a:spcBef>
                 <a:spcPct val="20000"/>
               </a:spcBef>
@@ -23011,7 +22928,7 @@
                 </a:schemeClr>
               </a:buClr>
               <a:buSzPct val="75000"/>
-              <a:buFont typeface="Wingdings" pitchFamily="2" charset="2"/>
+              <a:buFont typeface="Wingdings" panose="05000000000000000000" pitchFamily="2" charset="2"/>
               <a:buChar char=""/>
               <a:defRPr lang="en-US" sz="1800" kern="1200" baseline="0" dirty="0" smtClean="0">
                 <a:solidFill>
@@ -23033,7 +22950,7 @@
                 <a:schemeClr val="accent1"/>
               </a:buClr>
               <a:buSzPct val="75000"/>
-              <a:buFont typeface="Wingdings" pitchFamily="2" charset="2"/>
+              <a:buFont typeface="Wingdings" panose="05000000000000000000" pitchFamily="2" charset="2"/>
               <a:buChar char=""/>
               <a:defRPr lang="en-US" sz="1800" kern="1200" baseline="0" dirty="0">
                 <a:solidFill>
@@ -23060,15 +22977,18 @@
               </a:rPr>
               <a:t>GCD</a:t>
             </a:r>
+            <a:endParaRPr lang="en-US" altLang="zh-CN" sz="1800">
+              <a:latin typeface="Microsoft YaHei" charset="-122"/>
+              <a:ea typeface="Microsoft YaHei" charset="-122"/>
+              <a:cs typeface="Microsoft YaHei" charset="-122"/>
+            </a:endParaRPr>
           </a:p>
         </p:txBody>
       </p:sp>
       <p:sp>
         <p:nvSpPr>
           <p:cNvPr id="9" name="内容占位符 2"/>
-          <p:cNvSpPr txBox="1">
-            <a:spLocks/>
-          </p:cNvSpPr>
+          <p:cNvSpPr txBox="1"/>
           <p:nvPr/>
         </p:nvSpPr>
         <p:spPr>
@@ -23093,7 +23013,7 @@
                 <a:schemeClr val="accent1"/>
               </a:buClr>
               <a:buSzPct val="75000"/>
-              <a:buFont typeface="Wingdings" pitchFamily="2" charset="2"/>
+              <a:buFont typeface="Wingdings" panose="05000000000000000000" pitchFamily="2" charset="2"/>
               <a:buChar char="n"/>
               <a:defRPr sz="2000" kern="1200">
                 <a:solidFill>
@@ -23118,7 +23038,7 @@
                 </a:schemeClr>
               </a:buClr>
               <a:buSzPct val="75000"/>
-              <a:buFont typeface="Wingdings" pitchFamily="2" charset="2"/>
+              <a:buFont typeface="Wingdings" panose="05000000000000000000" pitchFamily="2" charset="2"/>
               <a:buChar char="n"/>
               <a:defRPr sz="1800" kern="1200">
                 <a:solidFill>
@@ -23140,7 +23060,7 @@
                 <a:schemeClr val="accent1"/>
               </a:buClr>
               <a:buSzPct val="75000"/>
-              <a:buFont typeface="Wingdings" pitchFamily="2" charset="2"/>
+              <a:buFont typeface="Wingdings" panose="05000000000000000000" pitchFamily="2" charset="2"/>
               <a:buChar char="n"/>
               <a:defRPr sz="1800" kern="1200">
                 <a:solidFill>
@@ -23165,7 +23085,7 @@
                 </a:schemeClr>
               </a:buClr>
               <a:buSzPct val="75000"/>
-              <a:buFont typeface="Wingdings" pitchFamily="2" charset="2"/>
+              <a:buFont typeface="Wingdings" panose="05000000000000000000" pitchFamily="2" charset="2"/>
               <a:buChar char="n"/>
               <a:defRPr sz="1800" kern="1200">
                 <a:solidFill>
@@ -23187,7 +23107,7 @@
                 <a:schemeClr val="accent1"/>
               </a:buClr>
               <a:buSzPct val="75000"/>
-              <a:buFont typeface="Wingdings" pitchFamily="2" charset="2"/>
+              <a:buFont typeface="Wingdings" panose="05000000000000000000" pitchFamily="2" charset="2"/>
               <a:buChar char="n"/>
               <a:defRPr sz="1800" kern="1200">
                 <a:solidFill>
@@ -23212,7 +23132,7 @@
                 </a:schemeClr>
               </a:buClr>
               <a:buSzPct val="75000"/>
-              <a:buFont typeface="Wingdings" pitchFamily="2" charset="2"/>
+              <a:buFont typeface="Wingdings" panose="05000000000000000000" pitchFamily="2" charset="2"/>
               <a:buChar char=""/>
               <a:defRPr lang="en-US" sz="1800" kern="1200" dirty="0" smtClean="0">
                 <a:solidFill>
@@ -23234,7 +23154,7 @@
                 <a:schemeClr val="accent1"/>
               </a:buClr>
               <a:buSzPct val="75000"/>
-              <a:buFont typeface="Wingdings" pitchFamily="2" charset="2"/>
+              <a:buFont typeface="Wingdings" panose="05000000000000000000" pitchFamily="2" charset="2"/>
               <a:buChar char=""/>
               <a:defRPr lang="en-US" sz="1800" kern="1200" baseline="0" dirty="0" smtClean="0">
                 <a:solidFill>
@@ -23248,7 +23168,7 @@
                 <a:cs typeface="Eurostile"/>
               </a:defRPr>
             </a:lvl7pPr>
-            <a:lvl8pPr marL="1830388" indent="-228600" algn="l" defTabSz="914400" rtl="0" eaLnBrk="1" latinLnBrk="0" hangingPunct="1">
+            <a:lvl8pPr marL="1830705" indent="-228600" algn="l" defTabSz="914400" rtl="0" eaLnBrk="1" latinLnBrk="0" hangingPunct="1">
               <a:spcBef>
                 <a:spcPct val="20000"/>
               </a:spcBef>
@@ -23259,7 +23179,7 @@
                 </a:schemeClr>
               </a:buClr>
               <a:buSzPct val="75000"/>
-              <a:buFont typeface="Wingdings" pitchFamily="2" charset="2"/>
+              <a:buFont typeface="Wingdings" panose="05000000000000000000" pitchFamily="2" charset="2"/>
               <a:buChar char=""/>
               <a:defRPr lang="en-US" sz="1800" kern="1200" baseline="0" dirty="0" smtClean="0">
                 <a:solidFill>
@@ -23281,7 +23201,7 @@
                 <a:schemeClr val="accent1"/>
               </a:buClr>
               <a:buSzPct val="75000"/>
-              <a:buFont typeface="Wingdings" pitchFamily="2" charset="2"/>
+              <a:buFont typeface="Wingdings" panose="05000000000000000000" pitchFamily="2" charset="2"/>
               <a:buChar char=""/>
               <a:defRPr lang="en-US" sz="1800" kern="1200" baseline="0" dirty="0">
                 <a:solidFill>
@@ -23308,15 +23228,18 @@
               </a:rPr>
               <a:t>NSOperation</a:t>
             </a:r>
+            <a:endParaRPr lang="en-US" altLang="zh-CN" sz="1800">
+              <a:latin typeface="Microsoft YaHei" charset="-122"/>
+              <a:ea typeface="Microsoft YaHei" charset="-122"/>
+              <a:cs typeface="Microsoft YaHei" charset="-122"/>
+            </a:endParaRPr>
           </a:p>
         </p:txBody>
       </p:sp>
       <p:sp>
         <p:nvSpPr>
           <p:cNvPr id="10" name="内容占位符 2"/>
-          <p:cNvSpPr txBox="1">
-            <a:spLocks/>
-          </p:cNvSpPr>
+          <p:cNvSpPr txBox="1"/>
           <p:nvPr/>
         </p:nvSpPr>
         <p:spPr>
@@ -23341,7 +23264,7 @@
                 <a:schemeClr val="accent1"/>
               </a:buClr>
               <a:buSzPct val="75000"/>
-              <a:buFont typeface="Wingdings" pitchFamily="2" charset="2"/>
+              <a:buFont typeface="Wingdings" panose="05000000000000000000" pitchFamily="2" charset="2"/>
               <a:buChar char="n"/>
               <a:defRPr sz="2000" kern="1200">
                 <a:solidFill>
@@ -23366,7 +23289,7 @@
                 </a:schemeClr>
               </a:buClr>
               <a:buSzPct val="75000"/>
-              <a:buFont typeface="Wingdings" pitchFamily="2" charset="2"/>
+              <a:buFont typeface="Wingdings" panose="05000000000000000000" pitchFamily="2" charset="2"/>
               <a:buChar char="n"/>
               <a:defRPr sz="1800" kern="1200">
                 <a:solidFill>
@@ -23388,7 +23311,7 @@
                 <a:schemeClr val="accent1"/>
               </a:buClr>
               <a:buSzPct val="75000"/>
-              <a:buFont typeface="Wingdings" pitchFamily="2" charset="2"/>
+              <a:buFont typeface="Wingdings" panose="05000000000000000000" pitchFamily="2" charset="2"/>
               <a:buChar char="n"/>
               <a:defRPr sz="1800" kern="1200">
                 <a:solidFill>
@@ -23413,7 +23336,7 @@
                 </a:schemeClr>
               </a:buClr>
               <a:buSzPct val="75000"/>
-              <a:buFont typeface="Wingdings" pitchFamily="2" charset="2"/>
+              <a:buFont typeface="Wingdings" panose="05000000000000000000" pitchFamily="2" charset="2"/>
               <a:buChar char="n"/>
               <a:defRPr sz="1800" kern="1200">
                 <a:solidFill>
@@ -23435,7 +23358,7 @@
                 <a:schemeClr val="accent1"/>
               </a:buClr>
               <a:buSzPct val="75000"/>
-              <a:buFont typeface="Wingdings" pitchFamily="2" charset="2"/>
+              <a:buFont typeface="Wingdings" panose="05000000000000000000" pitchFamily="2" charset="2"/>
               <a:buChar char="n"/>
               <a:defRPr sz="1800" kern="1200">
                 <a:solidFill>
@@ -23460,7 +23383,7 @@
                 </a:schemeClr>
               </a:buClr>
               <a:buSzPct val="75000"/>
-              <a:buFont typeface="Wingdings" pitchFamily="2" charset="2"/>
+              <a:buFont typeface="Wingdings" panose="05000000000000000000" pitchFamily="2" charset="2"/>
               <a:buChar char=""/>
               <a:defRPr lang="en-US" sz="1800" kern="1200" dirty="0" smtClean="0">
                 <a:solidFill>
@@ -23482,7 +23405,7 @@
                 <a:schemeClr val="accent1"/>
               </a:buClr>
               <a:buSzPct val="75000"/>
-              <a:buFont typeface="Wingdings" pitchFamily="2" charset="2"/>
+              <a:buFont typeface="Wingdings" panose="05000000000000000000" pitchFamily="2" charset="2"/>
               <a:buChar char=""/>
               <a:defRPr lang="en-US" sz="1800" kern="1200" baseline="0" dirty="0" smtClean="0">
                 <a:solidFill>
@@ -23496,7 +23419,7 @@
                 <a:cs typeface="Eurostile"/>
               </a:defRPr>
             </a:lvl7pPr>
-            <a:lvl8pPr marL="1830388" indent="-228600" algn="l" defTabSz="914400" rtl="0" eaLnBrk="1" latinLnBrk="0" hangingPunct="1">
+            <a:lvl8pPr marL="1830705" indent="-228600" algn="l" defTabSz="914400" rtl="0" eaLnBrk="1" latinLnBrk="0" hangingPunct="1">
               <a:spcBef>
                 <a:spcPct val="20000"/>
               </a:spcBef>
@@ -23507,7 +23430,7 @@
                 </a:schemeClr>
               </a:buClr>
               <a:buSzPct val="75000"/>
-              <a:buFont typeface="Wingdings" pitchFamily="2" charset="2"/>
+              <a:buFont typeface="Wingdings" panose="05000000000000000000" pitchFamily="2" charset="2"/>
               <a:buChar char=""/>
               <a:defRPr lang="en-US" sz="1800" kern="1200" baseline="0" dirty="0" smtClean="0">
                 <a:solidFill>
@@ -23529,7 +23452,7 @@
                 <a:schemeClr val="accent1"/>
               </a:buClr>
               <a:buSzPct val="75000"/>
-              <a:buFont typeface="Wingdings" pitchFamily="2" charset="2"/>
+              <a:buFont typeface="Wingdings" panose="05000000000000000000" pitchFamily="2" charset="2"/>
               <a:buChar char=""/>
               <a:defRPr lang="en-US" sz="1800" kern="1200" baseline="0" dirty="0">
                 <a:solidFill>
@@ -23552,7 +23475,7 @@
                   <a:lumOff val="35000"/>
                 </a:schemeClr>
               </a:buClr>
-              <a:buFont typeface="Wingdings" charset="2"/>
+              <a:buFont typeface="Wingdings" panose="05000000000000000000" pitchFamily="2" charset="2"/>
               <a:buChar char="n"/>
             </a:pPr>
             <a:r>
@@ -23577,7 +23500,7 @@
                   <a:lumOff val="35000"/>
                 </a:schemeClr>
               </a:buClr>
-              <a:buFont typeface="Wingdings" charset="2"/>
+              <a:buFont typeface="Wingdings" panose="05000000000000000000" pitchFamily="2" charset="2"/>
               <a:buChar char="n"/>
             </a:pPr>
             <a:r>
@@ -23588,15 +23511,18 @@
               </a:rPr>
               <a:t>简单易用，可直接操作线程对象</a:t>
             </a:r>
+            <a:endParaRPr lang="zh-CN" altLang="en-US" sz="1600">
+              <a:latin typeface="Microsoft YaHei" charset="-122"/>
+              <a:ea typeface="Microsoft YaHei" charset="-122"/>
+              <a:cs typeface="Microsoft YaHei" charset="-122"/>
+            </a:endParaRPr>
           </a:p>
         </p:txBody>
       </p:sp>
       <p:sp>
         <p:nvSpPr>
           <p:cNvPr id="11" name="内容占位符 2"/>
-          <p:cNvSpPr txBox="1">
-            <a:spLocks/>
-          </p:cNvSpPr>
+          <p:cNvSpPr txBox="1"/>
           <p:nvPr/>
         </p:nvSpPr>
         <p:spPr>
@@ -23621,7 +23547,7 @@
                 <a:schemeClr val="accent1"/>
               </a:buClr>
               <a:buSzPct val="75000"/>
-              <a:buFont typeface="Wingdings" pitchFamily="2" charset="2"/>
+              <a:buFont typeface="Wingdings" panose="05000000000000000000" pitchFamily="2" charset="2"/>
               <a:buChar char="n"/>
               <a:defRPr sz="2000" kern="1200">
                 <a:solidFill>
@@ -23646,7 +23572,7 @@
                 </a:schemeClr>
               </a:buClr>
               <a:buSzPct val="75000"/>
-              <a:buFont typeface="Wingdings" pitchFamily="2" charset="2"/>
+              <a:buFont typeface="Wingdings" panose="05000000000000000000" pitchFamily="2" charset="2"/>
               <a:buChar char="n"/>
               <a:defRPr sz="1800" kern="1200">
                 <a:solidFill>
@@ -23668,7 +23594,7 @@
                 <a:schemeClr val="accent1"/>
               </a:buClr>
               <a:buSzPct val="75000"/>
-              <a:buFont typeface="Wingdings" pitchFamily="2" charset="2"/>
+              <a:buFont typeface="Wingdings" panose="05000000000000000000" pitchFamily="2" charset="2"/>
               <a:buChar char="n"/>
               <a:defRPr sz="1800" kern="1200">
                 <a:solidFill>
@@ -23693,7 +23619,7 @@
                 </a:schemeClr>
               </a:buClr>
               <a:buSzPct val="75000"/>
-              <a:buFont typeface="Wingdings" pitchFamily="2" charset="2"/>
+              <a:buFont typeface="Wingdings" panose="05000000000000000000" pitchFamily="2" charset="2"/>
               <a:buChar char="n"/>
               <a:defRPr sz="1800" kern="1200">
                 <a:solidFill>
@@ -23715,7 +23641,7 @@
                 <a:schemeClr val="accent1"/>
               </a:buClr>
               <a:buSzPct val="75000"/>
-              <a:buFont typeface="Wingdings" pitchFamily="2" charset="2"/>
+              <a:buFont typeface="Wingdings" panose="05000000000000000000" pitchFamily="2" charset="2"/>
               <a:buChar char="n"/>
               <a:defRPr sz="1800" kern="1200">
                 <a:solidFill>
@@ -23740,7 +23666,7 @@
                 </a:schemeClr>
               </a:buClr>
               <a:buSzPct val="75000"/>
-              <a:buFont typeface="Wingdings" pitchFamily="2" charset="2"/>
+              <a:buFont typeface="Wingdings" panose="05000000000000000000" pitchFamily="2" charset="2"/>
               <a:buChar char=""/>
               <a:defRPr lang="en-US" sz="1800" kern="1200" dirty="0" smtClean="0">
                 <a:solidFill>
@@ -23762,7 +23688,7 @@
                 <a:schemeClr val="accent1"/>
               </a:buClr>
               <a:buSzPct val="75000"/>
-              <a:buFont typeface="Wingdings" pitchFamily="2" charset="2"/>
+              <a:buFont typeface="Wingdings" panose="05000000000000000000" pitchFamily="2" charset="2"/>
               <a:buChar char=""/>
               <a:defRPr lang="en-US" sz="1800" kern="1200" baseline="0" dirty="0" smtClean="0">
                 <a:solidFill>
@@ -23776,7 +23702,7 @@
                 <a:cs typeface="Eurostile"/>
               </a:defRPr>
             </a:lvl7pPr>
-            <a:lvl8pPr marL="1830388" indent="-228600" algn="l" defTabSz="914400" rtl="0" eaLnBrk="1" latinLnBrk="0" hangingPunct="1">
+            <a:lvl8pPr marL="1830705" indent="-228600" algn="l" defTabSz="914400" rtl="0" eaLnBrk="1" latinLnBrk="0" hangingPunct="1">
               <a:spcBef>
                 <a:spcPct val="20000"/>
               </a:spcBef>
@@ -23787,7 +23713,7 @@
                 </a:schemeClr>
               </a:buClr>
               <a:buSzPct val="75000"/>
-              <a:buFont typeface="Wingdings" pitchFamily="2" charset="2"/>
+              <a:buFont typeface="Wingdings" panose="05000000000000000000" pitchFamily="2" charset="2"/>
               <a:buChar char=""/>
               <a:defRPr lang="en-US" sz="1800" kern="1200" baseline="0" dirty="0" smtClean="0">
                 <a:solidFill>
@@ -23809,7 +23735,7 @@
                 <a:schemeClr val="accent1"/>
               </a:buClr>
               <a:buSzPct val="75000"/>
-              <a:buFont typeface="Wingdings" pitchFamily="2" charset="2"/>
+              <a:buFont typeface="Wingdings" panose="05000000000000000000" pitchFamily="2" charset="2"/>
               <a:buChar char=""/>
               <a:defRPr lang="en-US" sz="1800" kern="1200" baseline="0" dirty="0">
                 <a:solidFill>
@@ -23832,7 +23758,7 @@
                   <a:lumOff val="35000"/>
                 </a:schemeClr>
               </a:buClr>
-              <a:buFont typeface="Wingdings" charset="2"/>
+              <a:buFont typeface="Wingdings" panose="05000000000000000000" pitchFamily="2" charset="2"/>
               <a:buChar char="n"/>
             </a:pPr>
             <a:r>
@@ -23851,6 +23777,11 @@
               </a:rPr>
               <a:t>API</a:t>
             </a:r>
+            <a:endParaRPr lang="en-US" altLang="zh-CN" sz="1600">
+              <a:latin typeface="Microsoft YaHei" charset="-122"/>
+              <a:ea typeface="Microsoft YaHei" charset="-122"/>
+              <a:cs typeface="Microsoft YaHei" charset="-122"/>
+            </a:endParaRPr>
           </a:p>
           <a:p>
             <a:pPr marL="285750" indent="-285750">
@@ -23860,7 +23791,7 @@
                   <a:lumOff val="35000"/>
                 </a:schemeClr>
               </a:buClr>
-              <a:buFont typeface="Wingdings" charset="2"/>
+              <a:buFont typeface="Wingdings" panose="05000000000000000000" pitchFamily="2" charset="2"/>
               <a:buChar char="n"/>
             </a:pPr>
             <a:r>
@@ -23887,6 +23818,11 @@
               </a:rPr>
               <a:t>等系统</a:t>
             </a:r>
+            <a:endParaRPr lang="zh-CN" altLang="en-US" sz="1600">
+              <a:latin typeface="Microsoft YaHei" charset="-122"/>
+              <a:ea typeface="Microsoft YaHei" charset="-122"/>
+              <a:cs typeface="Microsoft YaHei" charset="-122"/>
+            </a:endParaRPr>
           </a:p>
           <a:p>
             <a:pPr marL="285750" indent="-285750">
@@ -23896,7 +23832,7 @@
                   <a:lumOff val="35000"/>
                 </a:schemeClr>
               </a:buClr>
-              <a:buFont typeface="Wingdings" charset="2"/>
+              <a:buFont typeface="Wingdings" panose="05000000000000000000" pitchFamily="2" charset="2"/>
               <a:buChar char="n"/>
             </a:pPr>
             <a:r>
@@ -23923,6 +23859,11 @@
               </a:rPr>
               <a:t>可移植</a:t>
             </a:r>
+            <a:endParaRPr lang="zh-CN" altLang="en-US" sz="1600">
+              <a:latin typeface="Microsoft YaHei" charset="-122"/>
+              <a:ea typeface="Microsoft YaHei" charset="-122"/>
+              <a:cs typeface="Microsoft YaHei" charset="-122"/>
+            </a:endParaRPr>
           </a:p>
           <a:p>
             <a:pPr marL="285750" indent="-285750">
@@ -23932,7 +23873,7 @@
                   <a:lumOff val="35000"/>
                 </a:schemeClr>
               </a:buClr>
-              <a:buFont typeface="Wingdings" charset="2"/>
+              <a:buFont typeface="Wingdings" panose="05000000000000000000" pitchFamily="2" charset="2"/>
               <a:buChar char="n"/>
             </a:pPr>
             <a:r>
@@ -23943,15 +23884,18 @@
               </a:rPr>
               <a:t>使用难度大</a:t>
             </a:r>
+            <a:endParaRPr lang="zh-CN" altLang="en-US" sz="1600">
+              <a:latin typeface="Microsoft YaHei" charset="-122"/>
+              <a:ea typeface="Microsoft YaHei" charset="-122"/>
+              <a:cs typeface="Microsoft YaHei" charset="-122"/>
+            </a:endParaRPr>
           </a:p>
         </p:txBody>
       </p:sp>
       <p:sp>
         <p:nvSpPr>
           <p:cNvPr id="12" name="内容占位符 2"/>
-          <p:cNvSpPr txBox="1">
-            <a:spLocks/>
-          </p:cNvSpPr>
+          <p:cNvSpPr txBox="1"/>
           <p:nvPr/>
         </p:nvSpPr>
         <p:spPr>
@@ -23976,7 +23920,7 @@
                 <a:schemeClr val="accent1"/>
               </a:buClr>
               <a:buSzPct val="75000"/>
-              <a:buFont typeface="Wingdings" pitchFamily="2" charset="2"/>
+              <a:buFont typeface="Wingdings" panose="05000000000000000000" pitchFamily="2" charset="2"/>
               <a:buChar char="n"/>
               <a:defRPr sz="2000" kern="1200">
                 <a:solidFill>
@@ -24001,7 +23945,7 @@
                 </a:schemeClr>
               </a:buClr>
               <a:buSzPct val="75000"/>
-              <a:buFont typeface="Wingdings" pitchFamily="2" charset="2"/>
+              <a:buFont typeface="Wingdings" panose="05000000000000000000" pitchFamily="2" charset="2"/>
               <a:buChar char="n"/>
               <a:defRPr sz="1800" kern="1200">
                 <a:solidFill>
@@ -24023,7 +23967,7 @@
                 <a:schemeClr val="accent1"/>
               </a:buClr>
               <a:buSzPct val="75000"/>
-              <a:buFont typeface="Wingdings" pitchFamily="2" charset="2"/>
+              <a:buFont typeface="Wingdings" panose="05000000000000000000" pitchFamily="2" charset="2"/>
               <a:buChar char="n"/>
               <a:defRPr sz="1800" kern="1200">
                 <a:solidFill>
@@ -24048,7 +23992,7 @@
                 </a:schemeClr>
               </a:buClr>
               <a:buSzPct val="75000"/>
-              <a:buFont typeface="Wingdings" pitchFamily="2" charset="2"/>
+              <a:buFont typeface="Wingdings" panose="05000000000000000000" pitchFamily="2" charset="2"/>
               <a:buChar char="n"/>
               <a:defRPr sz="1800" kern="1200">
                 <a:solidFill>
@@ -24070,7 +24014,7 @@
                 <a:schemeClr val="accent1"/>
               </a:buClr>
               <a:buSzPct val="75000"/>
-              <a:buFont typeface="Wingdings" pitchFamily="2" charset="2"/>
+              <a:buFont typeface="Wingdings" panose="05000000000000000000" pitchFamily="2" charset="2"/>
               <a:buChar char="n"/>
               <a:defRPr sz="1800" kern="1200">
                 <a:solidFill>
@@ -24095,7 +24039,7 @@
                 </a:schemeClr>
               </a:buClr>
               <a:buSzPct val="75000"/>
-              <a:buFont typeface="Wingdings" pitchFamily="2" charset="2"/>
+              <a:buFont typeface="Wingdings" panose="05000000000000000000" pitchFamily="2" charset="2"/>
               <a:buChar char=""/>
               <a:defRPr lang="en-US" sz="1800" kern="1200" dirty="0" smtClean="0">
                 <a:solidFill>
@@ -24117,7 +24061,7 @@
                 <a:schemeClr val="accent1"/>
               </a:buClr>
               <a:buSzPct val="75000"/>
-              <a:buFont typeface="Wingdings" pitchFamily="2" charset="2"/>
+              <a:buFont typeface="Wingdings" panose="05000000000000000000" pitchFamily="2" charset="2"/>
               <a:buChar char=""/>
               <a:defRPr lang="en-US" sz="1800" kern="1200" baseline="0" dirty="0" smtClean="0">
                 <a:solidFill>
@@ -24131,7 +24075,7 @@
                 <a:cs typeface="Eurostile"/>
               </a:defRPr>
             </a:lvl7pPr>
-            <a:lvl8pPr marL="1830388" indent="-228600" algn="l" defTabSz="914400" rtl="0" eaLnBrk="1" latinLnBrk="0" hangingPunct="1">
+            <a:lvl8pPr marL="1830705" indent="-228600" algn="l" defTabSz="914400" rtl="0" eaLnBrk="1" latinLnBrk="0" hangingPunct="1">
               <a:spcBef>
                 <a:spcPct val="20000"/>
               </a:spcBef>
@@ -24142,7 +24086,7 @@
                 </a:schemeClr>
               </a:buClr>
               <a:buSzPct val="75000"/>
-              <a:buFont typeface="Wingdings" pitchFamily="2" charset="2"/>
+              <a:buFont typeface="Wingdings" panose="05000000000000000000" pitchFamily="2" charset="2"/>
               <a:buChar char=""/>
               <a:defRPr lang="en-US" sz="1800" kern="1200" baseline="0" dirty="0" smtClean="0">
                 <a:solidFill>
@@ -24164,7 +24108,7 @@
                 <a:schemeClr val="accent1"/>
               </a:buClr>
               <a:buSzPct val="75000"/>
-              <a:buFont typeface="Wingdings" pitchFamily="2" charset="2"/>
+              <a:buFont typeface="Wingdings" panose="05000000000000000000" pitchFamily="2" charset="2"/>
               <a:buChar char=""/>
               <a:defRPr lang="en-US" sz="1800" kern="1200" baseline="0" dirty="0">
                 <a:solidFill>
@@ -24187,7 +24131,7 @@
                   <a:lumOff val="35000"/>
                 </a:schemeClr>
               </a:buClr>
-              <a:buFont typeface="Wingdings" charset="2"/>
+              <a:buFont typeface="Wingdings" panose="05000000000000000000" pitchFamily="2" charset="2"/>
               <a:buChar char="n"/>
             </a:pPr>
             <a:r>
@@ -24228,7 +24172,7 @@
                   <a:lumOff val="35000"/>
                 </a:schemeClr>
               </a:buClr>
-              <a:buFont typeface="Wingdings" charset="2"/>
+              <a:buFont typeface="Wingdings" panose="05000000000000000000" pitchFamily="2" charset="2"/>
               <a:buChar char="n"/>
             </a:pPr>
             <a:r>
@@ -24239,15 +24183,18 @@
               </a:rPr>
               <a:t>充分利用设备的多核</a:t>
             </a:r>
+            <a:endParaRPr lang="zh-CN" altLang="en-US" sz="1600">
+              <a:latin typeface="Microsoft YaHei" charset="-122"/>
+              <a:ea typeface="Microsoft YaHei" charset="-122"/>
+              <a:cs typeface="Microsoft YaHei" charset="-122"/>
+            </a:endParaRPr>
           </a:p>
         </p:txBody>
       </p:sp>
       <p:sp>
         <p:nvSpPr>
           <p:cNvPr id="13" name="内容占位符 2"/>
-          <p:cNvSpPr txBox="1">
-            <a:spLocks/>
-          </p:cNvSpPr>
+          <p:cNvSpPr txBox="1"/>
           <p:nvPr/>
         </p:nvSpPr>
         <p:spPr>
@@ -24272,7 +24219,7 @@
                 <a:schemeClr val="accent1"/>
               </a:buClr>
               <a:buSzPct val="75000"/>
-              <a:buFont typeface="Wingdings" pitchFamily="2" charset="2"/>
+              <a:buFont typeface="Wingdings" panose="05000000000000000000" pitchFamily="2" charset="2"/>
               <a:buChar char="n"/>
               <a:defRPr sz="2000" kern="1200">
                 <a:solidFill>
@@ -24297,7 +24244,7 @@
                 </a:schemeClr>
               </a:buClr>
               <a:buSzPct val="75000"/>
-              <a:buFont typeface="Wingdings" pitchFamily="2" charset="2"/>
+              <a:buFont typeface="Wingdings" panose="05000000000000000000" pitchFamily="2" charset="2"/>
               <a:buChar char="n"/>
               <a:defRPr sz="1800" kern="1200">
                 <a:solidFill>
@@ -24319,7 +24266,7 @@
                 <a:schemeClr val="accent1"/>
               </a:buClr>
               <a:buSzPct val="75000"/>
-              <a:buFont typeface="Wingdings" pitchFamily="2" charset="2"/>
+              <a:buFont typeface="Wingdings" panose="05000000000000000000" pitchFamily="2" charset="2"/>
               <a:buChar char="n"/>
               <a:defRPr sz="1800" kern="1200">
                 <a:solidFill>
@@ -24344,7 +24291,7 @@
                 </a:schemeClr>
               </a:buClr>
               <a:buSzPct val="75000"/>
-              <a:buFont typeface="Wingdings" pitchFamily="2" charset="2"/>
+              <a:buFont typeface="Wingdings" panose="05000000000000000000" pitchFamily="2" charset="2"/>
               <a:buChar char="n"/>
               <a:defRPr sz="1800" kern="1200">
                 <a:solidFill>
@@ -24366,7 +24313,7 @@
                 <a:schemeClr val="accent1"/>
               </a:buClr>
               <a:buSzPct val="75000"/>
-              <a:buFont typeface="Wingdings" pitchFamily="2" charset="2"/>
+              <a:buFont typeface="Wingdings" panose="05000000000000000000" pitchFamily="2" charset="2"/>
               <a:buChar char="n"/>
               <a:defRPr sz="1800" kern="1200">
                 <a:solidFill>
@@ -24391,7 +24338,7 @@
                 </a:schemeClr>
               </a:buClr>
               <a:buSzPct val="75000"/>
-              <a:buFont typeface="Wingdings" pitchFamily="2" charset="2"/>
+              <a:buFont typeface="Wingdings" panose="05000000000000000000" pitchFamily="2" charset="2"/>
               <a:buChar char=""/>
               <a:defRPr lang="en-US" sz="1800" kern="1200" dirty="0" smtClean="0">
                 <a:solidFill>
@@ -24413,7 +24360,7 @@
                 <a:schemeClr val="accent1"/>
               </a:buClr>
               <a:buSzPct val="75000"/>
-              <a:buFont typeface="Wingdings" pitchFamily="2" charset="2"/>
+              <a:buFont typeface="Wingdings" panose="05000000000000000000" pitchFamily="2" charset="2"/>
               <a:buChar char=""/>
               <a:defRPr lang="en-US" sz="1800" kern="1200" baseline="0" dirty="0" smtClean="0">
                 <a:solidFill>
@@ -24427,7 +24374,7 @@
                 <a:cs typeface="Eurostile"/>
               </a:defRPr>
             </a:lvl7pPr>
-            <a:lvl8pPr marL="1830388" indent="-228600" algn="l" defTabSz="914400" rtl="0" eaLnBrk="1" latinLnBrk="0" hangingPunct="1">
+            <a:lvl8pPr marL="1830705" indent="-228600" algn="l" defTabSz="914400" rtl="0" eaLnBrk="1" latinLnBrk="0" hangingPunct="1">
               <a:spcBef>
                 <a:spcPct val="20000"/>
               </a:spcBef>
@@ -24438,7 +24385,7 @@
                 </a:schemeClr>
               </a:buClr>
               <a:buSzPct val="75000"/>
-              <a:buFont typeface="Wingdings" pitchFamily="2" charset="2"/>
+              <a:buFont typeface="Wingdings" panose="05000000000000000000" pitchFamily="2" charset="2"/>
               <a:buChar char=""/>
               <a:defRPr lang="en-US" sz="1800" kern="1200" baseline="0" dirty="0" smtClean="0">
                 <a:solidFill>
@@ -24460,7 +24407,7 @@
                 <a:schemeClr val="accent1"/>
               </a:buClr>
               <a:buSzPct val="75000"/>
-              <a:buFont typeface="Wingdings" pitchFamily="2" charset="2"/>
+              <a:buFont typeface="Wingdings" panose="05000000000000000000" pitchFamily="2" charset="2"/>
               <a:buChar char=""/>
               <a:defRPr lang="en-US" sz="1800" kern="1200" baseline="0" dirty="0">
                 <a:solidFill>
@@ -24483,7 +24430,7 @@
                   <a:lumOff val="35000"/>
                 </a:schemeClr>
               </a:buClr>
-              <a:buFont typeface="Wingdings" charset="2"/>
+              <a:buFont typeface="Wingdings" panose="05000000000000000000" pitchFamily="2" charset="2"/>
               <a:buChar char="n"/>
             </a:pPr>
             <a:r>
@@ -24526,6 +24473,11 @@
               </a:rPr>
               <a:t>）</a:t>
             </a:r>
+            <a:endParaRPr lang="zh-CN" altLang="en-US" sz="1600">
+              <a:latin typeface="Microsoft YaHei" charset="-122"/>
+              <a:ea typeface="Microsoft YaHei" charset="-122"/>
+              <a:cs typeface="Microsoft YaHei" charset="-122"/>
+            </a:endParaRPr>
           </a:p>
           <a:p>
             <a:pPr marL="285750" indent="-285750">
@@ -24535,7 +24487,7 @@
                   <a:lumOff val="35000"/>
                 </a:schemeClr>
               </a:buClr>
-              <a:buFont typeface="Wingdings" charset="2"/>
+              <a:buFont typeface="Wingdings" panose="05000000000000000000" pitchFamily="2" charset="2"/>
               <a:buChar char="n"/>
             </a:pPr>
             <a:r>
@@ -24562,6 +24514,11 @@
               </a:rPr>
               <a:t>多了一些更简单实用的功能</a:t>
             </a:r>
+            <a:endParaRPr lang="zh-CN" altLang="en-US" sz="1600">
+              <a:latin typeface="Microsoft YaHei" charset="-122"/>
+              <a:ea typeface="Microsoft YaHei" charset="-122"/>
+              <a:cs typeface="Microsoft YaHei" charset="-122"/>
+            </a:endParaRPr>
           </a:p>
           <a:p>
             <a:pPr marL="285750" indent="-285750">
@@ -24571,7 +24528,7 @@
                   <a:lumOff val="35000"/>
                 </a:schemeClr>
               </a:buClr>
-              <a:buFont typeface="Wingdings" charset="2"/>
+              <a:buFont typeface="Wingdings" panose="05000000000000000000" pitchFamily="2" charset="2"/>
               <a:buChar char="n"/>
             </a:pPr>
             <a:r>
@@ -24582,15 +24539,18 @@
               </a:rPr>
               <a:t>使用更加面向对象</a:t>
             </a:r>
+            <a:endParaRPr lang="zh-CN" altLang="en-US" sz="1600">
+              <a:latin typeface="Microsoft YaHei" charset="-122"/>
+              <a:ea typeface="Microsoft YaHei" charset="-122"/>
+              <a:cs typeface="Microsoft YaHei" charset="-122"/>
+            </a:endParaRPr>
           </a:p>
         </p:txBody>
       </p:sp>
       <p:sp>
         <p:nvSpPr>
           <p:cNvPr id="14" name="内容占位符 2"/>
-          <p:cNvSpPr txBox="1">
-            <a:spLocks/>
-          </p:cNvSpPr>
+          <p:cNvSpPr txBox="1"/>
           <p:nvPr/>
         </p:nvSpPr>
         <p:spPr>
@@ -24615,7 +24575,7 @@
                 <a:schemeClr val="accent1"/>
               </a:buClr>
               <a:buSzPct val="75000"/>
-              <a:buFont typeface="Wingdings" pitchFamily="2" charset="2"/>
+              <a:buFont typeface="Wingdings" panose="05000000000000000000" pitchFamily="2" charset="2"/>
               <a:buChar char="n"/>
               <a:defRPr sz="2000" kern="1200">
                 <a:solidFill>
@@ -24640,7 +24600,7 @@
                 </a:schemeClr>
               </a:buClr>
               <a:buSzPct val="75000"/>
-              <a:buFont typeface="Wingdings" pitchFamily="2" charset="2"/>
+              <a:buFont typeface="Wingdings" panose="05000000000000000000" pitchFamily="2" charset="2"/>
               <a:buChar char="n"/>
               <a:defRPr sz="1800" kern="1200">
                 <a:solidFill>
@@ -24662,7 +24622,7 @@
                 <a:schemeClr val="accent1"/>
               </a:buClr>
               <a:buSzPct val="75000"/>
-              <a:buFont typeface="Wingdings" pitchFamily="2" charset="2"/>
+              <a:buFont typeface="Wingdings" panose="05000000000000000000" pitchFamily="2" charset="2"/>
               <a:buChar char="n"/>
               <a:defRPr sz="1800" kern="1200">
                 <a:solidFill>
@@ -24687,7 +24647,7 @@
                 </a:schemeClr>
               </a:buClr>
               <a:buSzPct val="75000"/>
-              <a:buFont typeface="Wingdings" pitchFamily="2" charset="2"/>
+              <a:buFont typeface="Wingdings" panose="05000000000000000000" pitchFamily="2" charset="2"/>
               <a:buChar char="n"/>
               <a:defRPr sz="1800" kern="1200">
                 <a:solidFill>
@@ -24709,7 +24669,7 @@
                 <a:schemeClr val="accent1"/>
               </a:buClr>
               <a:buSzPct val="75000"/>
-              <a:buFont typeface="Wingdings" pitchFamily="2" charset="2"/>
+              <a:buFont typeface="Wingdings" panose="05000000000000000000" pitchFamily="2" charset="2"/>
               <a:buChar char="n"/>
               <a:defRPr sz="1800" kern="1200">
                 <a:solidFill>
@@ -24734,7 +24694,7 @@
                 </a:schemeClr>
               </a:buClr>
               <a:buSzPct val="75000"/>
-              <a:buFont typeface="Wingdings" pitchFamily="2" charset="2"/>
+              <a:buFont typeface="Wingdings" panose="05000000000000000000" pitchFamily="2" charset="2"/>
               <a:buChar char=""/>
               <a:defRPr lang="en-US" sz="1800" kern="1200" dirty="0" smtClean="0">
                 <a:solidFill>
@@ -24756,7 +24716,7 @@
                 <a:schemeClr val="accent1"/>
               </a:buClr>
               <a:buSzPct val="75000"/>
-              <a:buFont typeface="Wingdings" pitchFamily="2" charset="2"/>
+              <a:buFont typeface="Wingdings" panose="05000000000000000000" pitchFamily="2" charset="2"/>
               <a:buChar char=""/>
               <a:defRPr lang="en-US" sz="1800" kern="1200" baseline="0" dirty="0" smtClean="0">
                 <a:solidFill>
@@ -24770,7 +24730,7 @@
                 <a:cs typeface="Eurostile"/>
               </a:defRPr>
             </a:lvl7pPr>
-            <a:lvl8pPr marL="1830388" indent="-228600" algn="l" defTabSz="914400" rtl="0" eaLnBrk="1" latinLnBrk="0" hangingPunct="1">
+            <a:lvl8pPr marL="1830705" indent="-228600" algn="l" defTabSz="914400" rtl="0" eaLnBrk="1" latinLnBrk="0" hangingPunct="1">
               <a:spcBef>
                 <a:spcPct val="20000"/>
               </a:spcBef>
@@ -24781,7 +24741,7 @@
                 </a:schemeClr>
               </a:buClr>
               <a:buSzPct val="75000"/>
-              <a:buFont typeface="Wingdings" pitchFamily="2" charset="2"/>
+              <a:buFont typeface="Wingdings" panose="05000000000000000000" pitchFamily="2" charset="2"/>
               <a:buChar char=""/>
               <a:defRPr lang="en-US" sz="1800" kern="1200" baseline="0" dirty="0" smtClean="0">
                 <a:solidFill>
@@ -24803,7 +24763,7 @@
                 <a:schemeClr val="accent1"/>
               </a:buClr>
               <a:buSzPct val="75000"/>
-              <a:buFont typeface="Wingdings" pitchFamily="2" charset="2"/>
+              <a:buFont typeface="Wingdings" panose="05000000000000000000" pitchFamily="2" charset="2"/>
               <a:buChar char=""/>
               <a:defRPr lang="en-US" sz="1800" kern="1200" baseline="0" dirty="0">
                 <a:solidFill>
@@ -24830,15 +24790,18 @@
               </a:rPr>
               <a:t>C</a:t>
             </a:r>
+            <a:endParaRPr lang="en-US" altLang="zh-CN" sz="1800">
+              <a:latin typeface="Microsoft YaHei" charset="-122"/>
+              <a:ea typeface="Microsoft YaHei" charset="-122"/>
+              <a:cs typeface="Microsoft YaHei" charset="-122"/>
+            </a:endParaRPr>
           </a:p>
         </p:txBody>
       </p:sp>
       <p:sp>
         <p:nvSpPr>
           <p:cNvPr id="15" name="内容占位符 2"/>
-          <p:cNvSpPr txBox="1">
-            <a:spLocks/>
-          </p:cNvSpPr>
+          <p:cNvSpPr txBox="1"/>
           <p:nvPr/>
         </p:nvSpPr>
         <p:spPr>
@@ -24863,7 +24826,7 @@
                 <a:schemeClr val="accent1"/>
               </a:buClr>
               <a:buSzPct val="75000"/>
-              <a:buFont typeface="Wingdings" pitchFamily="2" charset="2"/>
+              <a:buFont typeface="Wingdings" panose="05000000000000000000" pitchFamily="2" charset="2"/>
               <a:buChar char="n"/>
               <a:defRPr sz="2000" kern="1200">
                 <a:solidFill>
@@ -24888,7 +24851,7 @@
                 </a:schemeClr>
               </a:buClr>
               <a:buSzPct val="75000"/>
-              <a:buFont typeface="Wingdings" pitchFamily="2" charset="2"/>
+              <a:buFont typeface="Wingdings" panose="05000000000000000000" pitchFamily="2" charset="2"/>
               <a:buChar char="n"/>
               <a:defRPr sz="1800" kern="1200">
                 <a:solidFill>
@@ -24910,7 +24873,7 @@
                 <a:schemeClr val="accent1"/>
               </a:buClr>
               <a:buSzPct val="75000"/>
-              <a:buFont typeface="Wingdings" pitchFamily="2" charset="2"/>
+              <a:buFont typeface="Wingdings" panose="05000000000000000000" pitchFamily="2" charset="2"/>
               <a:buChar char="n"/>
               <a:defRPr sz="1800" kern="1200">
                 <a:solidFill>
@@ -24935,7 +24898,7 @@
                 </a:schemeClr>
               </a:buClr>
               <a:buSzPct val="75000"/>
-              <a:buFont typeface="Wingdings" pitchFamily="2" charset="2"/>
+              <a:buFont typeface="Wingdings" panose="05000000000000000000" pitchFamily="2" charset="2"/>
               <a:buChar char="n"/>
               <a:defRPr sz="1800" kern="1200">
                 <a:solidFill>
@@ -24957,7 +24920,7 @@
                 <a:schemeClr val="accent1"/>
               </a:buClr>
               <a:buSzPct val="75000"/>
-              <a:buFont typeface="Wingdings" pitchFamily="2" charset="2"/>
+              <a:buFont typeface="Wingdings" panose="05000000000000000000" pitchFamily="2" charset="2"/>
               <a:buChar char="n"/>
               <a:defRPr sz="1800" kern="1200">
                 <a:solidFill>
@@ -24982,7 +24945,7 @@
                 </a:schemeClr>
               </a:buClr>
               <a:buSzPct val="75000"/>
-              <a:buFont typeface="Wingdings" pitchFamily="2" charset="2"/>
+              <a:buFont typeface="Wingdings" panose="05000000000000000000" pitchFamily="2" charset="2"/>
               <a:buChar char=""/>
               <a:defRPr lang="en-US" sz="1800" kern="1200" dirty="0" smtClean="0">
                 <a:solidFill>
@@ -25004,7 +24967,7 @@
                 <a:schemeClr val="accent1"/>
               </a:buClr>
               <a:buSzPct val="75000"/>
-              <a:buFont typeface="Wingdings" pitchFamily="2" charset="2"/>
+              <a:buFont typeface="Wingdings" panose="05000000000000000000" pitchFamily="2" charset="2"/>
               <a:buChar char=""/>
               <a:defRPr lang="en-US" sz="1800" kern="1200" baseline="0" dirty="0" smtClean="0">
                 <a:solidFill>
@@ -25018,7 +24981,7 @@
                 <a:cs typeface="Eurostile"/>
               </a:defRPr>
             </a:lvl7pPr>
-            <a:lvl8pPr marL="1830388" indent="-228600" algn="l" defTabSz="914400" rtl="0" eaLnBrk="1" latinLnBrk="0" hangingPunct="1">
+            <a:lvl8pPr marL="1830705" indent="-228600" algn="l" defTabSz="914400" rtl="0" eaLnBrk="1" latinLnBrk="0" hangingPunct="1">
               <a:spcBef>
                 <a:spcPct val="20000"/>
               </a:spcBef>
@@ -25029,7 +24992,7 @@
                 </a:schemeClr>
               </a:buClr>
               <a:buSzPct val="75000"/>
-              <a:buFont typeface="Wingdings" pitchFamily="2" charset="2"/>
+              <a:buFont typeface="Wingdings" panose="05000000000000000000" pitchFamily="2" charset="2"/>
               <a:buChar char=""/>
               <a:defRPr lang="en-US" sz="1800" kern="1200" baseline="0" dirty="0" smtClean="0">
                 <a:solidFill>
@@ -25051,7 +25014,7 @@
                 <a:schemeClr val="accent1"/>
               </a:buClr>
               <a:buSzPct val="75000"/>
-              <a:buFont typeface="Wingdings" pitchFamily="2" charset="2"/>
+              <a:buFont typeface="Wingdings" panose="05000000000000000000" pitchFamily="2" charset="2"/>
               <a:buChar char=""/>
               <a:defRPr lang="en-US" sz="1800" kern="1200" baseline="0" dirty="0">
                 <a:solidFill>
@@ -25078,15 +25041,18 @@
               </a:rPr>
               <a:t>C</a:t>
             </a:r>
+            <a:endParaRPr lang="en-US" altLang="zh-CN" sz="1800">
+              <a:latin typeface="Microsoft YaHei" charset="-122"/>
+              <a:ea typeface="Microsoft YaHei" charset="-122"/>
+              <a:cs typeface="Microsoft YaHei" charset="-122"/>
+            </a:endParaRPr>
           </a:p>
         </p:txBody>
       </p:sp>
       <p:sp>
         <p:nvSpPr>
           <p:cNvPr id="16" name="内容占位符 2"/>
-          <p:cNvSpPr txBox="1">
-            <a:spLocks/>
-          </p:cNvSpPr>
+          <p:cNvSpPr txBox="1"/>
           <p:nvPr/>
         </p:nvSpPr>
         <p:spPr>
@@ -25111,7 +25077,7 @@
                 <a:schemeClr val="accent1"/>
               </a:buClr>
               <a:buSzPct val="75000"/>
-              <a:buFont typeface="Wingdings" pitchFamily="2" charset="2"/>
+              <a:buFont typeface="Wingdings" panose="05000000000000000000" pitchFamily="2" charset="2"/>
               <a:buChar char="n"/>
               <a:defRPr sz="2000" kern="1200">
                 <a:solidFill>
@@ -25136,7 +25102,7 @@
                 </a:schemeClr>
               </a:buClr>
               <a:buSzPct val="75000"/>
-              <a:buFont typeface="Wingdings" pitchFamily="2" charset="2"/>
+              <a:buFont typeface="Wingdings" panose="05000000000000000000" pitchFamily="2" charset="2"/>
               <a:buChar char="n"/>
               <a:defRPr sz="1800" kern="1200">
                 <a:solidFill>
@@ -25158,7 +25124,7 @@
                 <a:schemeClr val="accent1"/>
               </a:buClr>
               <a:buSzPct val="75000"/>
-              <a:buFont typeface="Wingdings" pitchFamily="2" charset="2"/>
+              <a:buFont typeface="Wingdings" panose="05000000000000000000" pitchFamily="2" charset="2"/>
               <a:buChar char="n"/>
               <a:defRPr sz="1800" kern="1200">
                 <a:solidFill>
@@ -25183,7 +25149,7 @@
                 </a:schemeClr>
               </a:buClr>
               <a:buSzPct val="75000"/>
-              <a:buFont typeface="Wingdings" pitchFamily="2" charset="2"/>
+              <a:buFont typeface="Wingdings" panose="05000000000000000000" pitchFamily="2" charset="2"/>
               <a:buChar char="n"/>
               <a:defRPr sz="1800" kern="1200">
                 <a:solidFill>
@@ -25205,7 +25171,7 @@
                 <a:schemeClr val="accent1"/>
               </a:buClr>
               <a:buSzPct val="75000"/>
-              <a:buFont typeface="Wingdings" pitchFamily="2" charset="2"/>
+              <a:buFont typeface="Wingdings" panose="05000000000000000000" pitchFamily="2" charset="2"/>
               <a:buChar char="n"/>
               <a:defRPr sz="1800" kern="1200">
                 <a:solidFill>
@@ -25230,7 +25196,7 @@
                 </a:schemeClr>
               </a:buClr>
               <a:buSzPct val="75000"/>
-              <a:buFont typeface="Wingdings" pitchFamily="2" charset="2"/>
+              <a:buFont typeface="Wingdings" panose="05000000000000000000" pitchFamily="2" charset="2"/>
               <a:buChar char=""/>
               <a:defRPr lang="en-US" sz="1800" kern="1200" dirty="0" smtClean="0">
                 <a:solidFill>
@@ -25252,7 +25218,7 @@
                 <a:schemeClr val="accent1"/>
               </a:buClr>
               <a:buSzPct val="75000"/>
-              <a:buFont typeface="Wingdings" pitchFamily="2" charset="2"/>
+              <a:buFont typeface="Wingdings" panose="05000000000000000000" pitchFamily="2" charset="2"/>
               <a:buChar char=""/>
               <a:defRPr lang="en-US" sz="1800" kern="1200" baseline="0" dirty="0" smtClean="0">
                 <a:solidFill>
@@ -25266,7 +25232,7 @@
                 <a:cs typeface="Eurostile"/>
               </a:defRPr>
             </a:lvl7pPr>
-            <a:lvl8pPr marL="1830388" indent="-228600" algn="l" defTabSz="914400" rtl="0" eaLnBrk="1" latinLnBrk="0" hangingPunct="1">
+            <a:lvl8pPr marL="1830705" indent="-228600" algn="l" defTabSz="914400" rtl="0" eaLnBrk="1" latinLnBrk="0" hangingPunct="1">
               <a:spcBef>
                 <a:spcPct val="20000"/>
               </a:spcBef>
@@ -25277,7 +25243,7 @@
                 </a:schemeClr>
               </a:buClr>
               <a:buSzPct val="75000"/>
-              <a:buFont typeface="Wingdings" pitchFamily="2" charset="2"/>
+              <a:buFont typeface="Wingdings" panose="05000000000000000000" pitchFamily="2" charset="2"/>
               <a:buChar char=""/>
               <a:defRPr lang="en-US" sz="1800" kern="1200" baseline="0" dirty="0" smtClean="0">
                 <a:solidFill>
@@ -25299,7 +25265,7 @@
                 <a:schemeClr val="accent1"/>
               </a:buClr>
               <a:buSzPct val="75000"/>
-              <a:buFont typeface="Wingdings" pitchFamily="2" charset="2"/>
+              <a:buFont typeface="Wingdings" panose="05000000000000000000" pitchFamily="2" charset="2"/>
               <a:buChar char=""/>
               <a:defRPr lang="en-US" sz="1800" kern="1200" baseline="0" dirty="0">
                 <a:solidFill>
@@ -25326,15 +25292,18 @@
               </a:rPr>
               <a:t>OC</a:t>
             </a:r>
+            <a:endParaRPr lang="en-US" altLang="zh-CN" sz="1800">
+              <a:latin typeface="Microsoft YaHei" charset="-122"/>
+              <a:ea typeface="Microsoft YaHei" charset="-122"/>
+              <a:cs typeface="Microsoft YaHei" charset="-122"/>
+            </a:endParaRPr>
           </a:p>
         </p:txBody>
       </p:sp>
       <p:sp>
         <p:nvSpPr>
           <p:cNvPr id="17" name="内容占位符 2"/>
-          <p:cNvSpPr txBox="1">
-            <a:spLocks/>
-          </p:cNvSpPr>
+          <p:cNvSpPr txBox="1"/>
           <p:nvPr/>
         </p:nvSpPr>
         <p:spPr>
@@ -25359,7 +25328,7 @@
                 <a:schemeClr val="accent1"/>
               </a:buClr>
               <a:buSzPct val="75000"/>
-              <a:buFont typeface="Wingdings" pitchFamily="2" charset="2"/>
+              <a:buFont typeface="Wingdings" panose="05000000000000000000" pitchFamily="2" charset="2"/>
               <a:buChar char="n"/>
               <a:defRPr sz="2000" kern="1200">
                 <a:solidFill>
@@ -25384,7 +25353,7 @@
                 </a:schemeClr>
               </a:buClr>
               <a:buSzPct val="75000"/>
-              <a:buFont typeface="Wingdings" pitchFamily="2" charset="2"/>
+              <a:buFont typeface="Wingdings" panose="05000000000000000000" pitchFamily="2" charset="2"/>
               <a:buChar char="n"/>
               <a:defRPr sz="1800" kern="1200">
                 <a:solidFill>
@@ -25406,7 +25375,7 @@
                 <a:schemeClr val="accent1"/>
               </a:buClr>
               <a:buSzPct val="75000"/>
-              <a:buFont typeface="Wingdings" pitchFamily="2" charset="2"/>
+              <a:buFont typeface="Wingdings" panose="05000000000000000000" pitchFamily="2" charset="2"/>
               <a:buChar char="n"/>
               <a:defRPr sz="1800" kern="1200">
                 <a:solidFill>
@@ -25431,7 +25400,7 @@
                 </a:schemeClr>
               </a:buClr>
               <a:buSzPct val="75000"/>
-              <a:buFont typeface="Wingdings" pitchFamily="2" charset="2"/>
+              <a:buFont typeface="Wingdings" panose="05000000000000000000" pitchFamily="2" charset="2"/>
               <a:buChar char="n"/>
               <a:defRPr sz="1800" kern="1200">
                 <a:solidFill>
@@ -25453,7 +25422,7 @@
                 <a:schemeClr val="accent1"/>
               </a:buClr>
               <a:buSzPct val="75000"/>
-              <a:buFont typeface="Wingdings" pitchFamily="2" charset="2"/>
+              <a:buFont typeface="Wingdings" panose="05000000000000000000" pitchFamily="2" charset="2"/>
               <a:buChar char="n"/>
               <a:defRPr sz="1800" kern="1200">
                 <a:solidFill>
@@ -25478,7 +25447,7 @@
                 </a:schemeClr>
               </a:buClr>
               <a:buSzPct val="75000"/>
-              <a:buFont typeface="Wingdings" pitchFamily="2" charset="2"/>
+              <a:buFont typeface="Wingdings" panose="05000000000000000000" pitchFamily="2" charset="2"/>
               <a:buChar char=""/>
               <a:defRPr lang="en-US" sz="1800" kern="1200" dirty="0" smtClean="0">
                 <a:solidFill>
@@ -25500,7 +25469,7 @@
                 <a:schemeClr val="accent1"/>
               </a:buClr>
               <a:buSzPct val="75000"/>
-              <a:buFont typeface="Wingdings" pitchFamily="2" charset="2"/>
+              <a:buFont typeface="Wingdings" panose="05000000000000000000" pitchFamily="2" charset="2"/>
               <a:buChar char=""/>
               <a:defRPr lang="en-US" sz="1800" kern="1200" baseline="0" dirty="0" smtClean="0">
                 <a:solidFill>
@@ -25514,7 +25483,7 @@
                 <a:cs typeface="Eurostile"/>
               </a:defRPr>
             </a:lvl7pPr>
-            <a:lvl8pPr marL="1830388" indent="-228600" algn="l" defTabSz="914400" rtl="0" eaLnBrk="1" latinLnBrk="0" hangingPunct="1">
+            <a:lvl8pPr marL="1830705" indent="-228600" algn="l" defTabSz="914400" rtl="0" eaLnBrk="1" latinLnBrk="0" hangingPunct="1">
               <a:spcBef>
                 <a:spcPct val="20000"/>
               </a:spcBef>
@@ -25525,7 +25494,7 @@
                 </a:schemeClr>
               </a:buClr>
               <a:buSzPct val="75000"/>
-              <a:buFont typeface="Wingdings" pitchFamily="2" charset="2"/>
+              <a:buFont typeface="Wingdings" panose="05000000000000000000" pitchFamily="2" charset="2"/>
               <a:buChar char=""/>
               <a:defRPr lang="en-US" sz="1800" kern="1200" baseline="0" dirty="0" smtClean="0">
                 <a:solidFill>
@@ -25547,7 +25516,7 @@
                 <a:schemeClr val="accent1"/>
               </a:buClr>
               <a:buSzPct val="75000"/>
-              <a:buFont typeface="Wingdings" pitchFamily="2" charset="2"/>
+              <a:buFont typeface="Wingdings" panose="05000000000000000000" pitchFamily="2" charset="2"/>
               <a:buChar char=""/>
               <a:defRPr lang="en-US" sz="1800" kern="1200" baseline="0" dirty="0">
                 <a:solidFill>
@@ -25574,15 +25543,18 @@
               </a:rPr>
               <a:t>OC</a:t>
             </a:r>
+            <a:endParaRPr lang="en-US" altLang="zh-CN" sz="1800">
+              <a:latin typeface="Microsoft YaHei" charset="-122"/>
+              <a:ea typeface="Microsoft YaHei" charset="-122"/>
+              <a:cs typeface="Microsoft YaHei" charset="-122"/>
+            </a:endParaRPr>
           </a:p>
         </p:txBody>
       </p:sp>
       <p:sp>
         <p:nvSpPr>
           <p:cNvPr id="18" name="内容占位符 2"/>
-          <p:cNvSpPr txBox="1">
-            <a:spLocks/>
-          </p:cNvSpPr>
+          <p:cNvSpPr txBox="1"/>
           <p:nvPr/>
         </p:nvSpPr>
         <p:spPr>
@@ -25607,7 +25579,7 @@
                 <a:schemeClr val="accent1"/>
               </a:buClr>
               <a:buSzPct val="75000"/>
-              <a:buFont typeface="Wingdings" pitchFamily="2" charset="2"/>
+              <a:buFont typeface="Wingdings" panose="05000000000000000000" pitchFamily="2" charset="2"/>
               <a:buChar char="n"/>
               <a:defRPr sz="2000" kern="1200">
                 <a:solidFill>
@@ -25632,7 +25604,7 @@
                 </a:schemeClr>
               </a:buClr>
               <a:buSzPct val="75000"/>
-              <a:buFont typeface="Wingdings" pitchFamily="2" charset="2"/>
+              <a:buFont typeface="Wingdings" panose="05000000000000000000" pitchFamily="2" charset="2"/>
               <a:buChar char="n"/>
               <a:defRPr sz="1800" kern="1200">
                 <a:solidFill>
@@ -25654,7 +25626,7 @@
                 <a:schemeClr val="accent1"/>
               </a:buClr>
               <a:buSzPct val="75000"/>
-              <a:buFont typeface="Wingdings" pitchFamily="2" charset="2"/>
+              <a:buFont typeface="Wingdings" panose="05000000000000000000" pitchFamily="2" charset="2"/>
               <a:buChar char="n"/>
               <a:defRPr sz="1800" kern="1200">
                 <a:solidFill>
@@ -25679,7 +25651,7 @@
                 </a:schemeClr>
               </a:buClr>
               <a:buSzPct val="75000"/>
-              <a:buFont typeface="Wingdings" pitchFamily="2" charset="2"/>
+              <a:buFont typeface="Wingdings" panose="05000000000000000000" pitchFamily="2" charset="2"/>
               <a:buChar char="n"/>
               <a:defRPr sz="1800" kern="1200">
                 <a:solidFill>
@@ -25701,7 +25673,7 @@
                 <a:schemeClr val="accent1"/>
               </a:buClr>
               <a:buSzPct val="75000"/>
-              <a:buFont typeface="Wingdings" pitchFamily="2" charset="2"/>
+              <a:buFont typeface="Wingdings" panose="05000000000000000000" pitchFamily="2" charset="2"/>
               <a:buChar char="n"/>
               <a:defRPr sz="1800" kern="1200">
                 <a:solidFill>
@@ -25726,7 +25698,7 @@
                 </a:schemeClr>
               </a:buClr>
               <a:buSzPct val="75000"/>
-              <a:buFont typeface="Wingdings" pitchFamily="2" charset="2"/>
+              <a:buFont typeface="Wingdings" panose="05000000000000000000" pitchFamily="2" charset="2"/>
               <a:buChar char=""/>
               <a:defRPr lang="en-US" sz="1800" kern="1200" dirty="0" smtClean="0">
                 <a:solidFill>
@@ -25748,7 +25720,7 @@
                 <a:schemeClr val="accent1"/>
               </a:buClr>
               <a:buSzPct val="75000"/>
-              <a:buFont typeface="Wingdings" pitchFamily="2" charset="2"/>
+              <a:buFont typeface="Wingdings" panose="05000000000000000000" pitchFamily="2" charset="2"/>
               <a:buChar char=""/>
               <a:defRPr lang="en-US" sz="1800" kern="1200" baseline="0" dirty="0" smtClean="0">
                 <a:solidFill>
@@ -25762,7 +25734,7 @@
                 <a:cs typeface="Eurostile"/>
               </a:defRPr>
             </a:lvl7pPr>
-            <a:lvl8pPr marL="1830388" indent="-228600" algn="l" defTabSz="914400" rtl="0" eaLnBrk="1" latinLnBrk="0" hangingPunct="1">
+            <a:lvl8pPr marL="1830705" indent="-228600" algn="l" defTabSz="914400" rtl="0" eaLnBrk="1" latinLnBrk="0" hangingPunct="1">
               <a:spcBef>
                 <a:spcPct val="20000"/>
               </a:spcBef>
@@ -25773,7 +25745,7 @@
                 </a:schemeClr>
               </a:buClr>
               <a:buSzPct val="75000"/>
-              <a:buFont typeface="Wingdings" pitchFamily="2" charset="2"/>
+              <a:buFont typeface="Wingdings" panose="05000000000000000000" pitchFamily="2" charset="2"/>
               <a:buChar char=""/>
               <a:defRPr lang="en-US" sz="1800" kern="1200" baseline="0" dirty="0" smtClean="0">
                 <a:solidFill>
@@ -25795,7 +25767,7 @@
                 <a:schemeClr val="accent1"/>
               </a:buClr>
               <a:buSzPct val="75000"/>
-              <a:buFont typeface="Wingdings" pitchFamily="2" charset="2"/>
+              <a:buFont typeface="Wingdings" panose="05000000000000000000" pitchFamily="2" charset="2"/>
               <a:buChar char=""/>
               <a:defRPr lang="en-US" sz="1800" kern="1200" baseline="0" dirty="0">
                 <a:solidFill>
@@ -25833,9 +25805,7 @@
       <p:sp>
         <p:nvSpPr>
           <p:cNvPr id="19" name="内容占位符 2"/>
-          <p:cNvSpPr txBox="1">
-            <a:spLocks/>
-          </p:cNvSpPr>
+          <p:cNvSpPr txBox="1"/>
           <p:nvPr/>
         </p:nvSpPr>
         <p:spPr>
@@ -25860,7 +25830,7 @@
                 <a:schemeClr val="accent1"/>
               </a:buClr>
               <a:buSzPct val="75000"/>
-              <a:buFont typeface="Wingdings" pitchFamily="2" charset="2"/>
+              <a:buFont typeface="Wingdings" panose="05000000000000000000" pitchFamily="2" charset="2"/>
               <a:buChar char="n"/>
               <a:defRPr sz="2000" kern="1200">
                 <a:solidFill>
@@ -25885,7 +25855,7 @@
                 </a:schemeClr>
               </a:buClr>
               <a:buSzPct val="75000"/>
-              <a:buFont typeface="Wingdings" pitchFamily="2" charset="2"/>
+              <a:buFont typeface="Wingdings" panose="05000000000000000000" pitchFamily="2" charset="2"/>
               <a:buChar char="n"/>
               <a:defRPr sz="1800" kern="1200">
                 <a:solidFill>
@@ -25907,7 +25877,7 @@
                 <a:schemeClr val="accent1"/>
               </a:buClr>
               <a:buSzPct val="75000"/>
-              <a:buFont typeface="Wingdings" pitchFamily="2" charset="2"/>
+              <a:buFont typeface="Wingdings" panose="05000000000000000000" pitchFamily="2" charset="2"/>
               <a:buChar char="n"/>
               <a:defRPr sz="1800" kern="1200">
                 <a:solidFill>
@@ -25932,7 +25902,7 @@
                 </a:schemeClr>
               </a:buClr>
               <a:buSzPct val="75000"/>
-              <a:buFont typeface="Wingdings" pitchFamily="2" charset="2"/>
+              <a:buFont typeface="Wingdings" panose="05000000000000000000" pitchFamily="2" charset="2"/>
               <a:buChar char="n"/>
               <a:defRPr sz="1800" kern="1200">
                 <a:solidFill>
@@ -25954,7 +25924,7 @@
                 <a:schemeClr val="accent1"/>
               </a:buClr>
               <a:buSzPct val="75000"/>
-              <a:buFont typeface="Wingdings" pitchFamily="2" charset="2"/>
+              <a:buFont typeface="Wingdings" panose="05000000000000000000" pitchFamily="2" charset="2"/>
               <a:buChar char="n"/>
               <a:defRPr sz="1800" kern="1200">
                 <a:solidFill>
@@ -25979,7 +25949,7 @@
                 </a:schemeClr>
               </a:buClr>
               <a:buSzPct val="75000"/>
-              <a:buFont typeface="Wingdings" pitchFamily="2" charset="2"/>
+              <a:buFont typeface="Wingdings" panose="05000000000000000000" pitchFamily="2" charset="2"/>
               <a:buChar char=""/>
               <a:defRPr lang="en-US" sz="1800" kern="1200" dirty="0" smtClean="0">
                 <a:solidFill>
@@ -26001,7 +25971,7 @@
                 <a:schemeClr val="accent1"/>
               </a:buClr>
               <a:buSzPct val="75000"/>
-              <a:buFont typeface="Wingdings" pitchFamily="2" charset="2"/>
+              <a:buFont typeface="Wingdings" panose="05000000000000000000" pitchFamily="2" charset="2"/>
               <a:buChar char=""/>
               <a:defRPr lang="en-US" sz="1800" kern="1200" baseline="0" dirty="0" smtClean="0">
                 <a:solidFill>
@@ -26015,7 +25985,7 @@
                 <a:cs typeface="Eurostile"/>
               </a:defRPr>
             </a:lvl7pPr>
-            <a:lvl8pPr marL="1830388" indent="-228600" algn="l" defTabSz="914400" rtl="0" eaLnBrk="1" latinLnBrk="0" hangingPunct="1">
+            <a:lvl8pPr marL="1830705" indent="-228600" algn="l" defTabSz="914400" rtl="0" eaLnBrk="1" latinLnBrk="0" hangingPunct="1">
               <a:spcBef>
                 <a:spcPct val="20000"/>
               </a:spcBef>
@@ -26026,7 +25996,7 @@
                 </a:schemeClr>
               </a:buClr>
               <a:buSzPct val="75000"/>
-              <a:buFont typeface="Wingdings" pitchFamily="2" charset="2"/>
+              <a:buFont typeface="Wingdings" panose="05000000000000000000" pitchFamily="2" charset="2"/>
               <a:buChar char=""/>
               <a:defRPr lang="en-US" sz="1800" kern="1200" baseline="0" dirty="0" smtClean="0">
                 <a:solidFill>
@@ -26048,7 +26018,7 @@
                 <a:schemeClr val="accent1"/>
               </a:buClr>
               <a:buSzPct val="75000"/>
-              <a:buFont typeface="Wingdings" pitchFamily="2" charset="2"/>
+              <a:buFont typeface="Wingdings" panose="05000000000000000000" pitchFamily="2" charset="2"/>
               <a:buChar char=""/>
               <a:defRPr lang="en-US" sz="1800" kern="1200" baseline="0" dirty="0">
                 <a:solidFill>
@@ -26086,9 +26056,7 @@
       <p:sp>
         <p:nvSpPr>
           <p:cNvPr id="20" name="内容占位符 2"/>
-          <p:cNvSpPr txBox="1">
-            <a:spLocks/>
-          </p:cNvSpPr>
+          <p:cNvSpPr txBox="1"/>
           <p:nvPr/>
         </p:nvSpPr>
         <p:spPr>
@@ -26113,7 +26081,7 @@
                 <a:schemeClr val="accent1"/>
               </a:buClr>
               <a:buSzPct val="75000"/>
-              <a:buFont typeface="Wingdings" pitchFamily="2" charset="2"/>
+              <a:buFont typeface="Wingdings" panose="05000000000000000000" pitchFamily="2" charset="2"/>
               <a:buChar char="n"/>
               <a:defRPr sz="2000" kern="1200">
                 <a:solidFill>
@@ -26138,7 +26106,7 @@
                 </a:schemeClr>
               </a:buClr>
               <a:buSzPct val="75000"/>
-              <a:buFont typeface="Wingdings" pitchFamily="2" charset="2"/>
+              <a:buFont typeface="Wingdings" panose="05000000000000000000" pitchFamily="2" charset="2"/>
               <a:buChar char="n"/>
               <a:defRPr sz="1800" kern="1200">
                 <a:solidFill>
@@ -26160,7 +26128,7 @@
                 <a:schemeClr val="accent1"/>
               </a:buClr>
               <a:buSzPct val="75000"/>
-              <a:buFont typeface="Wingdings" pitchFamily="2" charset="2"/>
+              <a:buFont typeface="Wingdings" panose="05000000000000000000" pitchFamily="2" charset="2"/>
               <a:buChar char="n"/>
               <a:defRPr sz="1800" kern="1200">
                 <a:solidFill>
@@ -26185,7 +26153,7 @@
                 </a:schemeClr>
               </a:buClr>
               <a:buSzPct val="75000"/>
-              <a:buFont typeface="Wingdings" pitchFamily="2" charset="2"/>
+              <a:buFont typeface="Wingdings" panose="05000000000000000000" pitchFamily="2" charset="2"/>
               <a:buChar char="n"/>
               <a:defRPr sz="1800" kern="1200">
                 <a:solidFill>
@@ -26207,7 +26175,7 @@
                 <a:schemeClr val="accent1"/>
               </a:buClr>
               <a:buSzPct val="75000"/>
-              <a:buFont typeface="Wingdings" pitchFamily="2" charset="2"/>
+              <a:buFont typeface="Wingdings" panose="05000000000000000000" pitchFamily="2" charset="2"/>
               <a:buChar char="n"/>
               <a:defRPr sz="1800" kern="1200">
                 <a:solidFill>
@@ -26232,7 +26200,7 @@
                 </a:schemeClr>
               </a:buClr>
               <a:buSzPct val="75000"/>
-              <a:buFont typeface="Wingdings" pitchFamily="2" charset="2"/>
+              <a:buFont typeface="Wingdings" panose="05000000000000000000" pitchFamily="2" charset="2"/>
               <a:buChar char=""/>
               <a:defRPr lang="en-US" sz="1800" kern="1200" dirty="0" smtClean="0">
                 <a:solidFill>
@@ -26254,7 +26222,7 @@
                 <a:schemeClr val="accent1"/>
               </a:buClr>
               <a:buSzPct val="75000"/>
-              <a:buFont typeface="Wingdings" pitchFamily="2" charset="2"/>
+              <a:buFont typeface="Wingdings" panose="05000000000000000000" pitchFamily="2" charset="2"/>
               <a:buChar char=""/>
               <a:defRPr lang="en-US" sz="1800" kern="1200" baseline="0" dirty="0" smtClean="0">
                 <a:solidFill>
@@ -26268,7 +26236,7 @@
                 <a:cs typeface="Eurostile"/>
               </a:defRPr>
             </a:lvl7pPr>
-            <a:lvl8pPr marL="1830388" indent="-228600" algn="l" defTabSz="914400" rtl="0" eaLnBrk="1" latinLnBrk="0" hangingPunct="1">
+            <a:lvl8pPr marL="1830705" indent="-228600" algn="l" defTabSz="914400" rtl="0" eaLnBrk="1" latinLnBrk="0" hangingPunct="1">
               <a:spcBef>
                 <a:spcPct val="20000"/>
               </a:spcBef>
@@ -26279,7 +26247,7 @@
                 </a:schemeClr>
               </a:buClr>
               <a:buSzPct val="75000"/>
-              <a:buFont typeface="Wingdings" pitchFamily="2" charset="2"/>
+              <a:buFont typeface="Wingdings" panose="05000000000000000000" pitchFamily="2" charset="2"/>
               <a:buChar char=""/>
               <a:defRPr lang="en-US" sz="1800" kern="1200" baseline="0" dirty="0" smtClean="0">
                 <a:solidFill>
@@ -26301,7 +26269,7 @@
                 <a:schemeClr val="accent1"/>
               </a:buClr>
               <a:buSzPct val="75000"/>
-              <a:buFont typeface="Wingdings" pitchFamily="2" charset="2"/>
+              <a:buFont typeface="Wingdings" panose="05000000000000000000" pitchFamily="2" charset="2"/>
               <a:buChar char=""/>
               <a:defRPr lang="en-US" sz="1800" kern="1200" baseline="0" dirty="0">
                 <a:solidFill>
@@ -26339,9 +26307,7 @@
       <p:sp>
         <p:nvSpPr>
           <p:cNvPr id="21" name="内容占位符 2"/>
-          <p:cNvSpPr txBox="1">
-            <a:spLocks/>
-          </p:cNvSpPr>
+          <p:cNvSpPr txBox="1"/>
           <p:nvPr/>
         </p:nvSpPr>
         <p:spPr>
@@ -26366,7 +26332,7 @@
                 <a:schemeClr val="accent1"/>
               </a:buClr>
               <a:buSzPct val="75000"/>
-              <a:buFont typeface="Wingdings" pitchFamily="2" charset="2"/>
+              <a:buFont typeface="Wingdings" panose="05000000000000000000" pitchFamily="2" charset="2"/>
               <a:buChar char="n"/>
               <a:defRPr sz="2000" kern="1200">
                 <a:solidFill>
@@ -26391,7 +26357,7 @@
                 </a:schemeClr>
               </a:buClr>
               <a:buSzPct val="75000"/>
-              <a:buFont typeface="Wingdings" pitchFamily="2" charset="2"/>
+              <a:buFont typeface="Wingdings" panose="05000000000000000000" pitchFamily="2" charset="2"/>
               <a:buChar char="n"/>
               <a:defRPr sz="1800" kern="1200">
                 <a:solidFill>
@@ -26413,7 +26379,7 @@
                 <a:schemeClr val="accent1"/>
               </a:buClr>
               <a:buSzPct val="75000"/>
-              <a:buFont typeface="Wingdings" pitchFamily="2" charset="2"/>
+              <a:buFont typeface="Wingdings" panose="05000000000000000000" pitchFamily="2" charset="2"/>
               <a:buChar char="n"/>
               <a:defRPr sz="1800" kern="1200">
                 <a:solidFill>
@@ -26438,7 +26404,7 @@
                 </a:schemeClr>
               </a:buClr>
               <a:buSzPct val="75000"/>
-              <a:buFont typeface="Wingdings" pitchFamily="2" charset="2"/>
+              <a:buFont typeface="Wingdings" panose="05000000000000000000" pitchFamily="2" charset="2"/>
               <a:buChar char="n"/>
               <a:defRPr sz="1800" kern="1200">
                 <a:solidFill>
@@ -26460,7 +26426,7 @@
                 <a:schemeClr val="accent1"/>
               </a:buClr>
               <a:buSzPct val="75000"/>
-              <a:buFont typeface="Wingdings" pitchFamily="2" charset="2"/>
+              <a:buFont typeface="Wingdings" panose="05000000000000000000" pitchFamily="2" charset="2"/>
               <a:buChar char="n"/>
               <a:defRPr sz="1800" kern="1200">
                 <a:solidFill>
@@ -26485,7 +26451,7 @@
                 </a:schemeClr>
               </a:buClr>
               <a:buSzPct val="75000"/>
-              <a:buFont typeface="Wingdings" pitchFamily="2" charset="2"/>
+              <a:buFont typeface="Wingdings" panose="05000000000000000000" pitchFamily="2" charset="2"/>
               <a:buChar char=""/>
               <a:defRPr lang="en-US" sz="1800" kern="1200" dirty="0" smtClean="0">
                 <a:solidFill>
@@ -26507,7 +26473,7 @@
                 <a:schemeClr val="accent1"/>
               </a:buClr>
               <a:buSzPct val="75000"/>
-              <a:buFont typeface="Wingdings" pitchFamily="2" charset="2"/>
+              <a:buFont typeface="Wingdings" panose="05000000000000000000" pitchFamily="2" charset="2"/>
               <a:buChar char=""/>
               <a:defRPr lang="en-US" sz="1800" kern="1200" baseline="0" dirty="0" smtClean="0">
                 <a:solidFill>
@@ -26521,7 +26487,7 @@
                 <a:cs typeface="Eurostile"/>
               </a:defRPr>
             </a:lvl7pPr>
-            <a:lvl8pPr marL="1830388" indent="-228600" algn="l" defTabSz="914400" rtl="0" eaLnBrk="1" latinLnBrk="0" hangingPunct="1">
+            <a:lvl8pPr marL="1830705" indent="-228600" algn="l" defTabSz="914400" rtl="0" eaLnBrk="1" latinLnBrk="0" hangingPunct="1">
               <a:spcBef>
                 <a:spcPct val="20000"/>
               </a:spcBef>
@@ -26532,7 +26498,7 @@
                 </a:schemeClr>
               </a:buClr>
               <a:buSzPct val="75000"/>
-              <a:buFont typeface="Wingdings" pitchFamily="2" charset="2"/>
+              <a:buFont typeface="Wingdings" panose="05000000000000000000" pitchFamily="2" charset="2"/>
               <a:buChar char=""/>
               <a:defRPr lang="en-US" sz="1800" kern="1200" baseline="0" dirty="0" smtClean="0">
                 <a:solidFill>
@@ -26554,7 +26520,7 @@
                 <a:schemeClr val="accent1"/>
               </a:buClr>
               <a:buSzPct val="75000"/>
-              <a:buFont typeface="Wingdings" pitchFamily="2" charset="2"/>
+              <a:buFont typeface="Wingdings" panose="05000000000000000000" pitchFamily="2" charset="2"/>
               <a:buChar char=""/>
               <a:defRPr lang="en-US" sz="1800" kern="1200" baseline="0" dirty="0">
                 <a:solidFill>
@@ -26592,9 +26558,7 @@
       <p:sp>
         <p:nvSpPr>
           <p:cNvPr id="22" name="内容占位符 2"/>
-          <p:cNvSpPr txBox="1">
-            <a:spLocks/>
-          </p:cNvSpPr>
+          <p:cNvSpPr txBox="1"/>
           <p:nvPr/>
         </p:nvSpPr>
         <p:spPr>
@@ -26619,7 +26583,7 @@
                 <a:schemeClr val="accent1"/>
               </a:buClr>
               <a:buSzPct val="75000"/>
-              <a:buFont typeface="Wingdings" pitchFamily="2" charset="2"/>
+              <a:buFont typeface="Wingdings" panose="05000000000000000000" pitchFamily="2" charset="2"/>
               <a:buChar char="n"/>
               <a:defRPr sz="2000" kern="1200">
                 <a:solidFill>
@@ -26644,7 +26608,7 @@
                 </a:schemeClr>
               </a:buClr>
               <a:buSzPct val="75000"/>
-              <a:buFont typeface="Wingdings" pitchFamily="2" charset="2"/>
+              <a:buFont typeface="Wingdings" panose="05000000000000000000" pitchFamily="2" charset="2"/>
               <a:buChar char="n"/>
               <a:defRPr sz="1800" kern="1200">
                 <a:solidFill>
@@ -26666,7 +26630,7 @@
                 <a:schemeClr val="accent1"/>
               </a:buClr>
               <a:buSzPct val="75000"/>
-              <a:buFont typeface="Wingdings" pitchFamily="2" charset="2"/>
+              <a:buFont typeface="Wingdings" panose="05000000000000000000" pitchFamily="2" charset="2"/>
               <a:buChar char="n"/>
               <a:defRPr sz="1800" kern="1200">
                 <a:solidFill>
@@ -26691,7 +26655,7 @@
                 </a:schemeClr>
               </a:buClr>
               <a:buSzPct val="75000"/>
-              <a:buFont typeface="Wingdings" pitchFamily="2" charset="2"/>
+              <a:buFont typeface="Wingdings" panose="05000000000000000000" pitchFamily="2" charset="2"/>
               <a:buChar char="n"/>
               <a:defRPr sz="1800" kern="1200">
                 <a:solidFill>
@@ -26713,7 +26677,7 @@
                 <a:schemeClr val="accent1"/>
               </a:buClr>
               <a:buSzPct val="75000"/>
-              <a:buFont typeface="Wingdings" pitchFamily="2" charset="2"/>
+              <a:buFont typeface="Wingdings" panose="05000000000000000000" pitchFamily="2" charset="2"/>
               <a:buChar char="n"/>
               <a:defRPr sz="1800" kern="1200">
                 <a:solidFill>
@@ -26738,7 +26702,7 @@
                 </a:schemeClr>
               </a:buClr>
               <a:buSzPct val="75000"/>
-              <a:buFont typeface="Wingdings" pitchFamily="2" charset="2"/>
+              <a:buFont typeface="Wingdings" panose="05000000000000000000" pitchFamily="2" charset="2"/>
               <a:buChar char=""/>
               <a:defRPr lang="en-US" sz="1800" kern="1200" dirty="0" smtClean="0">
                 <a:solidFill>
@@ -26760,7 +26724,7 @@
                 <a:schemeClr val="accent1"/>
               </a:buClr>
               <a:buSzPct val="75000"/>
-              <a:buFont typeface="Wingdings" pitchFamily="2" charset="2"/>
+              <a:buFont typeface="Wingdings" panose="05000000000000000000" pitchFamily="2" charset="2"/>
               <a:buChar char=""/>
               <a:defRPr lang="en-US" sz="1800" kern="1200" baseline="0" dirty="0" smtClean="0">
                 <a:solidFill>
@@ -26774,7 +26738,7 @@
                 <a:cs typeface="Eurostile"/>
               </a:defRPr>
             </a:lvl7pPr>
-            <a:lvl8pPr marL="1830388" indent="-228600" algn="l" defTabSz="914400" rtl="0" eaLnBrk="1" latinLnBrk="0" hangingPunct="1">
+            <a:lvl8pPr marL="1830705" indent="-228600" algn="l" defTabSz="914400" rtl="0" eaLnBrk="1" latinLnBrk="0" hangingPunct="1">
               <a:spcBef>
                 <a:spcPct val="20000"/>
               </a:spcBef>
@@ -26785,7 +26749,7 @@
                 </a:schemeClr>
               </a:buClr>
               <a:buSzPct val="75000"/>
-              <a:buFont typeface="Wingdings" pitchFamily="2" charset="2"/>
+              <a:buFont typeface="Wingdings" panose="05000000000000000000" pitchFamily="2" charset="2"/>
               <a:buChar char=""/>
               <a:defRPr lang="en-US" sz="1800" kern="1200" baseline="0" dirty="0" smtClean="0">
                 <a:solidFill>
@@ -26807,7 +26771,7 @@
                 <a:schemeClr val="accent1"/>
               </a:buClr>
               <a:buSzPct val="75000"/>
-              <a:buFont typeface="Wingdings" pitchFamily="2" charset="2"/>
+              <a:buFont typeface="Wingdings" panose="05000000000000000000" pitchFamily="2" charset="2"/>
               <a:buChar char=""/>
               <a:defRPr lang="en-US" sz="1800" kern="1200" baseline="0" dirty="0">
                 <a:solidFill>
@@ -26845,9 +26809,7 @@
       <p:sp>
         <p:nvSpPr>
           <p:cNvPr id="23" name="内容占位符 2"/>
-          <p:cNvSpPr txBox="1">
-            <a:spLocks/>
-          </p:cNvSpPr>
+          <p:cNvSpPr txBox="1"/>
           <p:nvPr/>
         </p:nvSpPr>
         <p:spPr>
@@ -26872,7 +26834,7 @@
                 <a:schemeClr val="accent1"/>
               </a:buClr>
               <a:buSzPct val="75000"/>
-              <a:buFont typeface="Wingdings" pitchFamily="2" charset="2"/>
+              <a:buFont typeface="Wingdings" panose="05000000000000000000" pitchFamily="2" charset="2"/>
               <a:buChar char="n"/>
               <a:defRPr sz="2000" kern="1200">
                 <a:solidFill>
@@ -26897,7 +26859,7 @@
                 </a:schemeClr>
               </a:buClr>
               <a:buSzPct val="75000"/>
-              <a:buFont typeface="Wingdings" pitchFamily="2" charset="2"/>
+              <a:buFont typeface="Wingdings" panose="05000000000000000000" pitchFamily="2" charset="2"/>
               <a:buChar char="n"/>
               <a:defRPr sz="1800" kern="1200">
                 <a:solidFill>
@@ -26919,7 +26881,7 @@
                 <a:schemeClr val="accent1"/>
               </a:buClr>
               <a:buSzPct val="75000"/>
-              <a:buFont typeface="Wingdings" pitchFamily="2" charset="2"/>
+              <a:buFont typeface="Wingdings" panose="05000000000000000000" pitchFamily="2" charset="2"/>
               <a:buChar char="n"/>
               <a:defRPr sz="1800" kern="1200">
                 <a:solidFill>
@@ -26944,7 +26906,7 @@
                 </a:schemeClr>
               </a:buClr>
               <a:buSzPct val="75000"/>
-              <a:buFont typeface="Wingdings" pitchFamily="2" charset="2"/>
+              <a:buFont typeface="Wingdings" panose="05000000000000000000" pitchFamily="2" charset="2"/>
               <a:buChar char="n"/>
               <a:defRPr sz="1800" kern="1200">
                 <a:solidFill>
@@ -26966,7 +26928,7 @@
                 <a:schemeClr val="accent1"/>
               </a:buClr>
               <a:buSzPct val="75000"/>
-              <a:buFont typeface="Wingdings" pitchFamily="2" charset="2"/>
+              <a:buFont typeface="Wingdings" panose="05000000000000000000" pitchFamily="2" charset="2"/>
               <a:buChar char="n"/>
               <a:defRPr sz="1800" kern="1200">
                 <a:solidFill>
@@ -26991,7 +26953,7 @@
                 </a:schemeClr>
               </a:buClr>
               <a:buSzPct val="75000"/>
-              <a:buFont typeface="Wingdings" pitchFamily="2" charset="2"/>
+              <a:buFont typeface="Wingdings" panose="05000000000000000000" pitchFamily="2" charset="2"/>
               <a:buChar char=""/>
               <a:defRPr lang="en-US" sz="1800" kern="1200" dirty="0" smtClean="0">
                 <a:solidFill>
@@ -27013,7 +26975,7 @@
                 <a:schemeClr val="accent1"/>
               </a:buClr>
               <a:buSzPct val="75000"/>
-              <a:buFont typeface="Wingdings" pitchFamily="2" charset="2"/>
+              <a:buFont typeface="Wingdings" panose="05000000000000000000" pitchFamily="2" charset="2"/>
               <a:buChar char=""/>
               <a:defRPr lang="en-US" sz="1800" kern="1200" baseline="0" dirty="0" smtClean="0">
                 <a:solidFill>
@@ -27027,7 +26989,7 @@
                 <a:cs typeface="Eurostile"/>
               </a:defRPr>
             </a:lvl7pPr>
-            <a:lvl8pPr marL="1830388" indent="-228600" algn="l" defTabSz="914400" rtl="0" eaLnBrk="1" latinLnBrk="0" hangingPunct="1">
+            <a:lvl8pPr marL="1830705" indent="-228600" algn="l" defTabSz="914400" rtl="0" eaLnBrk="1" latinLnBrk="0" hangingPunct="1">
               <a:spcBef>
                 <a:spcPct val="20000"/>
               </a:spcBef>
@@ -27038,7 +27000,7 @@
                 </a:schemeClr>
               </a:buClr>
               <a:buSzPct val="75000"/>
-              <a:buFont typeface="Wingdings" pitchFamily="2" charset="2"/>
+              <a:buFont typeface="Wingdings" panose="05000000000000000000" pitchFamily="2" charset="2"/>
               <a:buChar char=""/>
               <a:defRPr lang="en-US" sz="1800" kern="1200" baseline="0" dirty="0" smtClean="0">
                 <a:solidFill>
@@ -27060,7 +27022,7 @@
                 <a:schemeClr val="accent1"/>
               </a:buClr>
               <a:buSzPct val="75000"/>
-              <a:buFont typeface="Wingdings" pitchFamily="2" charset="2"/>
+              <a:buFont typeface="Wingdings" panose="05000000000000000000" pitchFamily="2" charset="2"/>
               <a:buChar char=""/>
               <a:defRPr lang="en-US" sz="1800" kern="1200" baseline="0" dirty="0">
                 <a:solidFill>
@@ -27098,9 +27060,7 @@
       <p:sp>
         <p:nvSpPr>
           <p:cNvPr id="24" name="内容占位符 2"/>
-          <p:cNvSpPr txBox="1">
-            <a:spLocks/>
-          </p:cNvSpPr>
+          <p:cNvSpPr txBox="1"/>
           <p:nvPr/>
         </p:nvSpPr>
         <p:spPr>
@@ -27125,7 +27085,7 @@
                 <a:schemeClr val="accent1"/>
               </a:buClr>
               <a:buSzPct val="75000"/>
-              <a:buFont typeface="Wingdings" pitchFamily="2" charset="2"/>
+              <a:buFont typeface="Wingdings" panose="05000000000000000000" pitchFamily="2" charset="2"/>
               <a:buChar char="n"/>
               <a:defRPr sz="2000" kern="1200">
                 <a:solidFill>
@@ -27150,7 +27110,7 @@
                 </a:schemeClr>
               </a:buClr>
               <a:buSzPct val="75000"/>
-              <a:buFont typeface="Wingdings" pitchFamily="2" charset="2"/>
+              <a:buFont typeface="Wingdings" panose="05000000000000000000" pitchFamily="2" charset="2"/>
               <a:buChar char="n"/>
               <a:defRPr sz="1800" kern="1200">
                 <a:solidFill>
@@ -27172,7 +27132,7 @@
                 <a:schemeClr val="accent1"/>
               </a:buClr>
               <a:buSzPct val="75000"/>
-              <a:buFont typeface="Wingdings" pitchFamily="2" charset="2"/>
+              <a:buFont typeface="Wingdings" panose="05000000000000000000" pitchFamily="2" charset="2"/>
               <a:buChar char="n"/>
               <a:defRPr sz="1800" kern="1200">
                 <a:solidFill>
@@ -27197,7 +27157,7 @@
                 </a:schemeClr>
               </a:buClr>
               <a:buSzPct val="75000"/>
-              <a:buFont typeface="Wingdings" pitchFamily="2" charset="2"/>
+              <a:buFont typeface="Wingdings" panose="05000000000000000000" pitchFamily="2" charset="2"/>
               <a:buChar char="n"/>
               <a:defRPr sz="1800" kern="1200">
                 <a:solidFill>
@@ -27219,7 +27179,7 @@
                 <a:schemeClr val="accent1"/>
               </a:buClr>
               <a:buSzPct val="75000"/>
-              <a:buFont typeface="Wingdings" pitchFamily="2" charset="2"/>
+              <a:buFont typeface="Wingdings" panose="05000000000000000000" pitchFamily="2" charset="2"/>
               <a:buChar char="n"/>
               <a:defRPr sz="1800" kern="1200">
                 <a:solidFill>
@@ -27244,7 +27204,7 @@
                 </a:schemeClr>
               </a:buClr>
               <a:buSzPct val="75000"/>
-              <a:buFont typeface="Wingdings" pitchFamily="2" charset="2"/>
+              <a:buFont typeface="Wingdings" panose="05000000000000000000" pitchFamily="2" charset="2"/>
               <a:buChar char=""/>
               <a:defRPr lang="en-US" sz="1800" kern="1200" dirty="0" smtClean="0">
                 <a:solidFill>
@@ -27266,7 +27226,7 @@
                 <a:schemeClr val="accent1"/>
               </a:buClr>
               <a:buSzPct val="75000"/>
-              <a:buFont typeface="Wingdings" pitchFamily="2" charset="2"/>
+              <a:buFont typeface="Wingdings" panose="05000000000000000000" pitchFamily="2" charset="2"/>
               <a:buChar char=""/>
               <a:defRPr lang="en-US" sz="1800" kern="1200" baseline="0" dirty="0" smtClean="0">
                 <a:solidFill>
@@ -27280,7 +27240,7 @@
                 <a:cs typeface="Eurostile"/>
               </a:defRPr>
             </a:lvl7pPr>
-            <a:lvl8pPr marL="1830388" indent="-228600" algn="l" defTabSz="914400" rtl="0" eaLnBrk="1" latinLnBrk="0" hangingPunct="1">
+            <a:lvl8pPr marL="1830705" indent="-228600" algn="l" defTabSz="914400" rtl="0" eaLnBrk="1" latinLnBrk="0" hangingPunct="1">
               <a:spcBef>
                 <a:spcPct val="20000"/>
               </a:spcBef>
@@ -27291,7 +27251,7 @@
                 </a:schemeClr>
               </a:buClr>
               <a:buSzPct val="75000"/>
-              <a:buFont typeface="Wingdings" pitchFamily="2" charset="2"/>
+              <a:buFont typeface="Wingdings" panose="05000000000000000000" pitchFamily="2" charset="2"/>
               <a:buChar char=""/>
               <a:defRPr lang="en-US" sz="1800" kern="1200" baseline="0" dirty="0" smtClean="0">
                 <a:solidFill>
@@ -27313,7 +27273,7 @@
                 <a:schemeClr val="accent1"/>
               </a:buClr>
               <a:buSzPct val="75000"/>
-              <a:buFont typeface="Wingdings" pitchFamily="2" charset="2"/>
+              <a:buFont typeface="Wingdings" panose="05000000000000000000" pitchFamily="2" charset="2"/>
               <a:buChar char=""/>
               <a:defRPr lang="en-US" sz="1800" kern="1200" baseline="0" dirty="0">
                 <a:solidFill>
@@ -27357,9 +27317,7 @@
       <p:sp>
         <p:nvSpPr>
           <p:cNvPr id="25" name="内容占位符 2"/>
-          <p:cNvSpPr txBox="1">
-            <a:spLocks/>
-          </p:cNvSpPr>
+          <p:cNvSpPr txBox="1"/>
           <p:nvPr/>
         </p:nvSpPr>
         <p:spPr>
@@ -27384,7 +27342,7 @@
                 <a:schemeClr val="accent1"/>
               </a:buClr>
               <a:buSzPct val="75000"/>
-              <a:buFont typeface="Wingdings" pitchFamily="2" charset="2"/>
+              <a:buFont typeface="Wingdings" panose="05000000000000000000" pitchFamily="2" charset="2"/>
               <a:buChar char="n"/>
               <a:defRPr sz="2000" kern="1200">
                 <a:solidFill>
@@ -27409,7 +27367,7 @@
                 </a:schemeClr>
               </a:buClr>
               <a:buSzPct val="75000"/>
-              <a:buFont typeface="Wingdings" pitchFamily="2" charset="2"/>
+              <a:buFont typeface="Wingdings" panose="05000000000000000000" pitchFamily="2" charset="2"/>
               <a:buChar char="n"/>
               <a:defRPr sz="1800" kern="1200">
                 <a:solidFill>
@@ -27431,7 +27389,7 @@
                 <a:schemeClr val="accent1"/>
               </a:buClr>
               <a:buSzPct val="75000"/>
-              <a:buFont typeface="Wingdings" pitchFamily="2" charset="2"/>
+              <a:buFont typeface="Wingdings" panose="05000000000000000000" pitchFamily="2" charset="2"/>
               <a:buChar char="n"/>
               <a:defRPr sz="1800" kern="1200">
                 <a:solidFill>
@@ -27456,7 +27414,7 @@
                 </a:schemeClr>
               </a:buClr>
               <a:buSzPct val="75000"/>
-              <a:buFont typeface="Wingdings" pitchFamily="2" charset="2"/>
+              <a:buFont typeface="Wingdings" panose="05000000000000000000" pitchFamily="2" charset="2"/>
               <a:buChar char="n"/>
               <a:defRPr sz="1800" kern="1200">
                 <a:solidFill>
@@ -27478,7 +27436,7 @@
                 <a:schemeClr val="accent1"/>
               </a:buClr>
               <a:buSzPct val="75000"/>
-              <a:buFont typeface="Wingdings" pitchFamily="2" charset="2"/>
+              <a:buFont typeface="Wingdings" panose="05000000000000000000" pitchFamily="2" charset="2"/>
               <a:buChar char="n"/>
               <a:defRPr sz="1800" kern="1200">
                 <a:solidFill>
@@ -27503,7 +27461,7 @@
                 </a:schemeClr>
               </a:buClr>
               <a:buSzPct val="75000"/>
-              <a:buFont typeface="Wingdings" pitchFamily="2" charset="2"/>
+              <a:buFont typeface="Wingdings" panose="05000000000000000000" pitchFamily="2" charset="2"/>
               <a:buChar char=""/>
               <a:defRPr lang="en-US" sz="1800" kern="1200" dirty="0" smtClean="0">
                 <a:solidFill>
@@ -27525,7 +27483,7 @@
                 <a:schemeClr val="accent1"/>
               </a:buClr>
               <a:buSzPct val="75000"/>
-              <a:buFont typeface="Wingdings" pitchFamily="2" charset="2"/>
+              <a:buFont typeface="Wingdings" panose="05000000000000000000" pitchFamily="2" charset="2"/>
               <a:buChar char=""/>
               <a:defRPr lang="en-US" sz="1800" kern="1200" baseline="0" dirty="0" smtClean="0">
                 <a:solidFill>
@@ -27539,7 +27497,7 @@
                 <a:cs typeface="Eurostile"/>
               </a:defRPr>
             </a:lvl7pPr>
-            <a:lvl8pPr marL="1830388" indent="-228600" algn="l" defTabSz="914400" rtl="0" eaLnBrk="1" latinLnBrk="0" hangingPunct="1">
+            <a:lvl8pPr marL="1830705" indent="-228600" algn="l" defTabSz="914400" rtl="0" eaLnBrk="1" latinLnBrk="0" hangingPunct="1">
               <a:spcBef>
                 <a:spcPct val="20000"/>
               </a:spcBef>
@@ -27550,7 +27508,7 @@
                 </a:schemeClr>
               </a:buClr>
               <a:buSzPct val="75000"/>
-              <a:buFont typeface="Wingdings" pitchFamily="2" charset="2"/>
+              <a:buFont typeface="Wingdings" panose="05000000000000000000" pitchFamily="2" charset="2"/>
               <a:buChar char=""/>
               <a:defRPr lang="en-US" sz="1800" kern="1200" baseline="0" dirty="0" smtClean="0">
                 <a:solidFill>
@@ -27572,7 +27530,7 @@
                 <a:schemeClr val="accent1"/>
               </a:buClr>
               <a:buSzPct val="75000"/>
-              <a:buFont typeface="Wingdings" pitchFamily="2" charset="2"/>
+              <a:buFont typeface="Wingdings" panose="05000000000000000000" pitchFamily="2" charset="2"/>
               <a:buChar char=""/>
               <a:defRPr lang="en-US" sz="1800" kern="1200" baseline="0" dirty="0">
                 <a:solidFill>
@@ -27614,11 +27572,6 @@
         </p:txBody>
       </p:sp>
     </p:spTree>
-    <p:extLst>
-      <p:ext uri="{BB962C8B-B14F-4D97-AF65-F5344CB8AC3E}">
-        <p14:creationId xmlns:p14="http://schemas.microsoft.com/office/powerpoint/2010/main" val="397210227"/>
-      </p:ext>
-    </p:extLst>
   </p:cSld>
   <p:clrMapOvr>
     <a:masterClrMapping/>
@@ -29434,6 +29387,7 @@
               <a:rPr kumimoji="1" lang="zh-CN" altLang="en-US"/>
               <a:t>的常用函数</a:t>
             </a:r>
+            <a:endParaRPr kumimoji="1" lang="zh-CN" altLang="en-US"/>
           </a:p>
         </p:txBody>
       </p:sp>
@@ -29455,7 +29409,7 @@
           <a:lstStyle/>
           <a:p>
             <a:pPr>
-              <a:buFont typeface="Wingdings" charset="2"/>
+              <a:buFont typeface="Wingdings" panose="05000000000000000000" pitchFamily="2" charset="2"/>
               <a:buChar char="n"/>
             </a:pPr>
             <a:r>
@@ -29478,7 +29432,7 @@
           </a:p>
           <a:p>
             <a:pPr>
-              <a:buFont typeface="Wingdings" charset="2"/>
+              <a:buFont typeface="Wingdings" panose="05000000000000000000" pitchFamily="2" charset="2"/>
               <a:buChar char="p"/>
             </a:pPr>
             <a:r>
@@ -29565,25 +29519,6 @@
                 <a:latin typeface="Menlo-Regular"/>
               </a:rPr>
               <a:t> block);</a:t>
-            </a:r>
-          </a:p>
-          <a:p>
-            <a:pPr>
-              <a:buFont typeface="Wingdings" charset="2"/>
-              <a:buChar char="ü"/>
-            </a:pPr>
-            <a:r>
-              <a:rPr lang="en-US" altLang="zh-CN" sz="1600">
-                <a:solidFill>
-                  <a:srgbClr val="000000"/>
-                </a:solidFill>
-                <a:latin typeface="Menlo-Regular"/>
-              </a:rPr>
-              <a:t>queue</a:t>
-            </a:r>
-            <a:r>
-              <a:rPr lang="zh-CN" altLang="en-US" sz="1600"/>
-              <a:t>：队列</a:t>
             </a:r>
             <a:endParaRPr lang="en-US" altLang="zh-CN" sz="1600">
               <a:solidFill>
@@ -29594,7 +29529,32 @@
           </a:p>
           <a:p>
             <a:pPr>
-              <a:buFont typeface="Wingdings" charset="2"/>
+              <a:buFont typeface="Wingdings" panose="05000000000000000000" pitchFamily="2" charset="2"/>
+              <a:buChar char="ü"/>
+            </a:pPr>
+            <a:r>
+              <a:rPr lang="en-US" altLang="zh-CN" sz="1600">
+                <a:solidFill>
+                  <a:srgbClr val="000000"/>
+                </a:solidFill>
+                <a:latin typeface="Menlo-Regular"/>
+              </a:rPr>
+              <a:t>queue</a:t>
+            </a:r>
+            <a:r>
+              <a:rPr lang="zh-CN" altLang="en-US" sz="1600"/>
+              <a:t>：队列</a:t>
+            </a:r>
+            <a:endParaRPr lang="en-US" altLang="zh-CN" sz="1600">
+              <a:solidFill>
+                <a:srgbClr val="000000"/>
+              </a:solidFill>
+              <a:latin typeface="Menlo-Regular"/>
+            </a:endParaRPr>
+          </a:p>
+          <a:p>
+            <a:pPr>
+              <a:buFont typeface="Wingdings" panose="05000000000000000000" pitchFamily="2" charset="2"/>
               <a:buChar char="ü"/>
             </a:pPr>
             <a:r>
@@ -29620,7 +29580,7 @@
           </a:p>
           <a:p>
             <a:pPr>
-              <a:buFont typeface="Wingdings" charset="2"/>
+              <a:buFont typeface="Wingdings" panose="05000000000000000000" pitchFamily="2" charset="2"/>
               <a:buChar char="p"/>
             </a:pPr>
             <a:r>
@@ -29708,6 +29668,12 @@
               </a:rPr>
               <a:t> block);</a:t>
             </a:r>
+            <a:endParaRPr lang="en-US" altLang="zh-CN" sz="1600">
+              <a:solidFill>
+                <a:srgbClr val="000000"/>
+              </a:solidFill>
+              <a:latin typeface="Menlo-Regular"/>
+            </a:endParaRPr>
           </a:p>
           <a:p>
             <a:pPr marL="0" indent="0">
@@ -29722,7 +29688,7 @@
           </a:p>
           <a:p>
             <a:pPr>
-              <a:buFont typeface="Wingdings" charset="2"/>
+              <a:buFont typeface="Wingdings" panose="05000000000000000000" pitchFamily="2" charset="2"/>
               <a:buChar char="n"/>
             </a:pPr>
             <a:r>
@@ -29735,7 +29701,7 @@
             </a:r>
             <a:r>
               <a:rPr lang="en-US" altLang="zh-CN" sz="1600">
-                <a:hlinkClick r:id="rId2"/>
+                <a:hlinkClick r:id="rId1"/>
               </a:rPr>
               <a:t>https://github.com/apple/swift-corelibs-libdispatch</a:t>
             </a:r>
@@ -29744,11 +29710,6 @@
         </p:txBody>
       </p:sp>
     </p:spTree>
-    <p:extLst>
-      <p:ext uri="{BB962C8B-B14F-4D97-AF65-F5344CB8AC3E}">
-        <p14:creationId xmlns:p14="http://schemas.microsoft.com/office/powerpoint/2010/main" val="1439953537"/>
-      </p:ext>
-    </p:extLst>
   </p:cSld>
   <p:clrMapOvr>
     <a:masterClrMapping/>
@@ -30218,6 +30179,7 @@
               <a:rPr kumimoji="1" lang="zh-CN" altLang="en-US"/>
               <a:t>的队列</a:t>
             </a:r>
+            <a:endParaRPr kumimoji="1" lang="zh-CN" altLang="en-US"/>
           </a:p>
         </p:txBody>
       </p:sp>
@@ -30258,7 +30220,7 @@
           </a:p>
           <a:p>
             <a:pPr>
-              <a:buFont typeface="Wingdings" charset="2"/>
+              <a:buFont typeface="Wingdings" panose="05000000000000000000" pitchFamily="2" charset="2"/>
               <a:buChar char="p"/>
             </a:pPr>
             <a:r>
@@ -30285,7 +30247,7 @@
           </a:p>
           <a:p>
             <a:pPr>
-              <a:buFont typeface="Wingdings" charset="2"/>
+              <a:buFont typeface="Wingdings" panose="05000000000000000000" pitchFamily="2" charset="2"/>
               <a:buChar char="ü"/>
             </a:pPr>
             <a:r>
@@ -30328,7 +30290,7 @@
           </a:p>
           <a:p>
             <a:pPr>
-              <a:buFont typeface="Wingdings" charset="2"/>
+              <a:buFont typeface="Wingdings" panose="05000000000000000000" pitchFamily="2" charset="2"/>
               <a:buChar char="ü"/>
             </a:pPr>
             <a:r>
@@ -30387,7 +30349,7 @@
           </a:p>
           <a:p>
             <a:pPr>
-              <a:buFont typeface="Wingdings" charset="2"/>
+              <a:buFont typeface="Wingdings" panose="05000000000000000000" pitchFamily="2" charset="2"/>
               <a:buChar char="p"/>
             </a:pPr>
             <a:r>
@@ -30414,7 +30376,7 @@
           </a:p>
           <a:p>
             <a:pPr>
-              <a:buFont typeface="Wingdings" charset="2"/>
+              <a:buFont typeface="Wingdings" panose="05000000000000000000" pitchFamily="2" charset="2"/>
               <a:buChar char="ü"/>
             </a:pPr>
             <a:r>
@@ -30426,11 +30388,6 @@
         </p:txBody>
       </p:sp>
     </p:spTree>
-    <p:extLst>
-      <p:ext uri="{BB962C8B-B14F-4D97-AF65-F5344CB8AC3E}">
-        <p14:creationId xmlns:p14="http://schemas.microsoft.com/office/powerpoint/2010/main" val="871789214"/>
-      </p:ext>
-    </p:extLst>
   </p:cSld>
   <p:clrMapOvr>
     <a:masterClrMapping/>
@@ -30781,13 +30738,7 @@
       </p:grpSpPr>
       <p:sp>
         <p:nvSpPr>
-          <p:cNvPr id="4" name="标题 3">
-            <a:extLst>
-              <a:ext uri="{FF2B5EF4-FFF2-40B4-BE49-F238E27FC236}">
-                <a16:creationId xmlns:a16="http://schemas.microsoft.com/office/drawing/2014/main" xmlns="" id="{5DCC7AE5-7EF9-4964-8408-F84B72D5D253}"/>
-              </a:ext>
-            </a:extLst>
-          </p:cNvPr>
+          <p:cNvPr id="4" name="标题 3"/>
           <p:cNvSpPr>
             <a:spLocks noGrp="1"/>
           </p:cNvSpPr>
@@ -30841,7 +30792,7 @@
                 </a:schemeClr>
               </a:buClr>
               <a:buSzPct val="75000"/>
-              <a:buFont typeface="Wingdings" charset="2"/>
+              <a:buFont typeface="Wingdings" panose="05000000000000000000" pitchFamily="2" charset="2"/>
               <a:buChar char="n"/>
             </a:pPr>
             <a:r>
@@ -30993,7 +30944,7 @@
                 </a:schemeClr>
               </a:buClr>
               <a:buSzPct val="75000"/>
-              <a:buFont typeface="Wingdings" charset="2"/>
+              <a:buFont typeface="Wingdings" panose="05000000000000000000" pitchFamily="2" charset="2"/>
               <a:buChar char="p"/>
             </a:pPr>
             <a:r>
@@ -31070,7 +31021,7 @@
                 </a:schemeClr>
               </a:buClr>
               <a:buSzPct val="75000"/>
-              <a:buFont typeface="Wingdings" charset="2"/>
+              <a:buFont typeface="Wingdings" panose="05000000000000000000" pitchFamily="2" charset="2"/>
               <a:buChar char="ü"/>
             </a:pPr>
             <a:r>
@@ -31172,7 +31123,7 @@
                 </a:schemeClr>
               </a:buClr>
               <a:buSzPct val="75000"/>
-              <a:buFont typeface="Wingdings" charset="2"/>
+              <a:buFont typeface="Wingdings" panose="05000000000000000000" pitchFamily="2" charset="2"/>
               <a:buChar char="ü"/>
             </a:pPr>
             <a:r>
@@ -31274,7 +31225,7 @@
                 </a:schemeClr>
               </a:buClr>
               <a:buSzPct val="75000"/>
-              <a:buFont typeface="Wingdings" charset="2"/>
+              <a:buFont typeface="Wingdings" panose="05000000000000000000" pitchFamily="2" charset="2"/>
               <a:buChar char="ü"/>
             </a:pPr>
             <a:endParaRPr lang="en-US" altLang="zh-CN" sz="1600">
@@ -31301,7 +31252,7 @@
                 </a:schemeClr>
               </a:buClr>
               <a:buSzPct val="75000"/>
-              <a:buFont typeface="Wingdings" charset="2"/>
+              <a:buFont typeface="Wingdings" panose="05000000000000000000" pitchFamily="2" charset="2"/>
               <a:buChar char="p"/>
             </a:pPr>
             <a:r>
@@ -31378,7 +31329,7 @@
                 </a:schemeClr>
               </a:buClr>
               <a:buSzPct val="75000"/>
-              <a:buFont typeface="Wingdings" charset="2"/>
+              <a:buFont typeface="Wingdings" panose="05000000000000000000" pitchFamily="2" charset="2"/>
               <a:buChar char="ü"/>
             </a:pPr>
             <a:r>
@@ -31455,7 +31406,7 @@
                 </a:schemeClr>
               </a:buClr>
               <a:buSzPct val="75000"/>
-              <a:buFont typeface="Wingdings" charset="2"/>
+              <a:buFont typeface="Wingdings" panose="05000000000000000000" pitchFamily="2" charset="2"/>
               <a:buChar char="ü"/>
             </a:pPr>
             <a:r>
@@ -31523,11 +31474,6 @@
         </p:txBody>
       </p:sp>
     </p:spTree>
-    <p:extLst>
-      <p:ext uri="{BB962C8B-B14F-4D97-AF65-F5344CB8AC3E}">
-        <p14:creationId xmlns:p14="http://schemas.microsoft.com/office/powerpoint/2010/main" val="1784693223"/>
-      </p:ext>
-    </p:extLst>
   </p:cSld>
   <p:clrMapOvr>
     <a:masterClrMapping/>
@@ -32117,16 +32063,8 @@
       <p:graphicFrame>
         <p:nvGraphicFramePr>
           <p:cNvPr id="4" name="内容占位符 4"/>
-          <p:cNvGraphicFramePr>
-            <a:graphicFrameLocks/>
-          </p:cNvGraphicFramePr>
-          <p:nvPr>
-            <p:extLst>
-              <p:ext uri="{D42A27DB-BD31-4B8C-83A1-F6EECF244321}">
-                <p14:modId xmlns:p14="http://schemas.microsoft.com/office/powerpoint/2010/main" val="958090399"/>
-              </p:ext>
-            </p:extLst>
-          </p:nvPr>
+          <p:cNvGraphicFramePr/>
+          <p:nvPr/>
         </p:nvGraphicFramePr>
         <p:xfrm>
           <a:off x="1407151" y="1649090"/>
@@ -32393,7 +32331,7 @@
                     <a:lstStyle/>
                     <a:p>
                       <a:pPr marL="0" indent="0" algn="l">
-                        <a:buFont typeface="Wingdings" charset="2"/>
+                        <a:buFont typeface="Wingdings" panose="05000000000000000000" pitchFamily="2" charset="2"/>
                         <a:buNone/>
                       </a:pPr>
                       <a:endParaRPr lang="zh-CN" altLang="en-US"/>
@@ -32444,7 +32382,7 @@
                     <a:lstStyle/>
                     <a:p>
                       <a:pPr marL="0" indent="0" algn="l">
-                        <a:buFont typeface="Wingdings" charset="2"/>
+                        <a:buFont typeface="Wingdings" panose="05000000000000000000" pitchFamily="2" charset="2"/>
                         <a:buNone/>
                       </a:pPr>
                       <a:endParaRPr lang="zh-CN" altLang="en-US"/>
@@ -32495,7 +32433,7 @@
                     <a:lstStyle/>
                     <a:p>
                       <a:pPr marL="0" indent="0" algn="l">
-                        <a:buFont typeface="Wingdings" charset="2"/>
+                        <a:buFont typeface="Wingdings" panose="05000000000000000000" pitchFamily="2" charset="2"/>
                         <a:buNone/>
                       </a:pPr>
                       <a:endParaRPr lang="zh-CN" altLang="en-US"/>
@@ -32596,7 +32534,7 @@
                     <a:lstStyle/>
                     <a:p>
                       <a:pPr marL="0" indent="0" algn="l">
-                        <a:buFont typeface="Wingdings" charset="2"/>
+                        <a:buFont typeface="Wingdings" panose="05000000000000000000" pitchFamily="2" charset="2"/>
                         <a:buNone/>
                       </a:pPr>
                       <a:endParaRPr lang="zh-CN" altLang="en-US"/>
@@ -32647,7 +32585,7 @@
                     <a:lstStyle/>
                     <a:p>
                       <a:pPr marL="0" indent="0" algn="l">
-                        <a:buFont typeface="Wingdings" charset="2"/>
+                        <a:buFont typeface="Wingdings" panose="05000000000000000000" pitchFamily="2" charset="2"/>
                         <a:buNone/>
                       </a:pPr>
                       <a:endParaRPr lang="zh-CN" altLang="en-US"/>
@@ -32698,7 +32636,7 @@
                     <a:lstStyle/>
                     <a:p>
                       <a:pPr marL="0" indent="0" algn="l">
-                        <a:buFont typeface="Wingdings" charset="2"/>
+                        <a:buFont typeface="Wingdings" panose="05000000000000000000" pitchFamily="2" charset="2"/>
                         <a:buNone/>
                       </a:pPr>
                       <a:endParaRPr lang="zh-CN" altLang="en-US"/>
@@ -32751,9 +32689,7 @@
       <p:sp>
         <p:nvSpPr>
           <p:cNvPr id="5" name="内容占位符 2"/>
-          <p:cNvSpPr txBox="1">
-            <a:spLocks/>
-          </p:cNvSpPr>
+          <p:cNvSpPr txBox="1"/>
           <p:nvPr/>
         </p:nvSpPr>
         <p:spPr>
@@ -32778,7 +32714,7 @@
                 <a:schemeClr val="accent1"/>
               </a:buClr>
               <a:buSzPct val="75000"/>
-              <a:buFont typeface="Wingdings" pitchFamily="2" charset="2"/>
+              <a:buFont typeface="Wingdings" panose="05000000000000000000" pitchFamily="2" charset="2"/>
               <a:buChar char="n"/>
               <a:defRPr sz="2000" kern="1200">
                 <a:solidFill>
@@ -32803,7 +32739,7 @@
                 </a:schemeClr>
               </a:buClr>
               <a:buSzPct val="75000"/>
-              <a:buFont typeface="Wingdings" pitchFamily="2" charset="2"/>
+              <a:buFont typeface="Wingdings" panose="05000000000000000000" pitchFamily="2" charset="2"/>
               <a:buChar char="n"/>
               <a:defRPr sz="1800" kern="1200">
                 <a:solidFill>
@@ -32825,7 +32761,7 @@
                 <a:schemeClr val="accent1"/>
               </a:buClr>
               <a:buSzPct val="75000"/>
-              <a:buFont typeface="Wingdings" pitchFamily="2" charset="2"/>
+              <a:buFont typeface="Wingdings" panose="05000000000000000000" pitchFamily="2" charset="2"/>
               <a:buChar char="n"/>
               <a:defRPr sz="1800" kern="1200">
                 <a:solidFill>
@@ -32850,7 +32786,7 @@
                 </a:schemeClr>
               </a:buClr>
               <a:buSzPct val="75000"/>
-              <a:buFont typeface="Wingdings" pitchFamily="2" charset="2"/>
+              <a:buFont typeface="Wingdings" panose="05000000000000000000" pitchFamily="2" charset="2"/>
               <a:buChar char="n"/>
               <a:defRPr sz="1800" kern="1200">
                 <a:solidFill>
@@ -32872,7 +32808,7 @@
                 <a:schemeClr val="accent1"/>
               </a:buClr>
               <a:buSzPct val="75000"/>
-              <a:buFont typeface="Wingdings" pitchFamily="2" charset="2"/>
+              <a:buFont typeface="Wingdings" panose="05000000000000000000" pitchFamily="2" charset="2"/>
               <a:buChar char="n"/>
               <a:defRPr sz="1800" kern="1200">
                 <a:solidFill>
@@ -32897,7 +32833,7 @@
                 </a:schemeClr>
               </a:buClr>
               <a:buSzPct val="75000"/>
-              <a:buFont typeface="Wingdings" pitchFamily="2" charset="2"/>
+              <a:buFont typeface="Wingdings" panose="05000000000000000000" pitchFamily="2" charset="2"/>
               <a:buChar char=""/>
               <a:defRPr lang="en-US" sz="1800" kern="1200" dirty="0" smtClean="0">
                 <a:solidFill>
@@ -32919,7 +32855,7 @@
                 <a:schemeClr val="accent1"/>
               </a:buClr>
               <a:buSzPct val="75000"/>
-              <a:buFont typeface="Wingdings" pitchFamily="2" charset="2"/>
+              <a:buFont typeface="Wingdings" panose="05000000000000000000" pitchFamily="2" charset="2"/>
               <a:buChar char=""/>
               <a:defRPr lang="en-US" sz="1800" kern="1200" baseline="0" dirty="0" smtClean="0">
                 <a:solidFill>
@@ -32933,7 +32869,7 @@
                 <a:cs typeface="Eurostile"/>
               </a:defRPr>
             </a:lvl7pPr>
-            <a:lvl8pPr marL="1830388" indent="-228600" algn="l" defTabSz="914400" rtl="0" eaLnBrk="1" latinLnBrk="0" hangingPunct="1">
+            <a:lvl8pPr marL="1830705" indent="-228600" algn="l" defTabSz="914400" rtl="0" eaLnBrk="1" latinLnBrk="0" hangingPunct="1">
               <a:spcBef>
                 <a:spcPct val="20000"/>
               </a:spcBef>
@@ -32944,7 +32880,7 @@
                 </a:schemeClr>
               </a:buClr>
               <a:buSzPct val="75000"/>
-              <a:buFont typeface="Wingdings" pitchFamily="2" charset="2"/>
+              <a:buFont typeface="Wingdings" panose="05000000000000000000" pitchFamily="2" charset="2"/>
               <a:buChar char=""/>
               <a:defRPr lang="en-US" sz="1800" kern="1200" baseline="0" dirty="0" smtClean="0">
                 <a:solidFill>
@@ -32966,7 +32902,7 @@
                 <a:schemeClr val="accent1"/>
               </a:buClr>
               <a:buSzPct val="75000"/>
-              <a:buFont typeface="Wingdings" pitchFamily="2" charset="2"/>
+              <a:buFont typeface="Wingdings" panose="05000000000000000000" pitchFamily="2" charset="2"/>
               <a:buChar char=""/>
               <a:defRPr lang="en-US" sz="1800" kern="1200" baseline="0" dirty="0">
                 <a:solidFill>
@@ -32989,7 +32925,7 @@
                   <a:lumOff val="35000"/>
                 </a:schemeClr>
               </a:buClr>
-              <a:buFont typeface="Wingdings" charset="2"/>
+              <a:buFont typeface="Wingdings" panose="05000000000000000000" pitchFamily="2" charset="2"/>
               <a:buChar char="p"/>
             </a:pPr>
             <a:r>
@@ -33025,7 +32961,7 @@
                   <a:lumOff val="35000"/>
                 </a:schemeClr>
               </a:buClr>
-              <a:buFont typeface="Wingdings" charset="2"/>
+              <a:buFont typeface="Wingdings" panose="05000000000000000000" pitchFamily="2" charset="2"/>
               <a:buChar char="p"/>
             </a:pPr>
             <a:r>
@@ -33047,15 +32983,18 @@
               </a:rPr>
               <a:t>执行任务</a:t>
             </a:r>
+            <a:endParaRPr lang="zh-CN" altLang="en-US" sz="1800">
+              <a:latin typeface="Microsoft YaHei" charset="-122"/>
+              <a:ea typeface="Microsoft YaHei" charset="-122"/>
+              <a:cs typeface="Microsoft YaHei" charset="-122"/>
+            </a:endParaRPr>
           </a:p>
         </p:txBody>
       </p:sp>
       <p:sp>
         <p:nvSpPr>
           <p:cNvPr id="6" name="内容占位符 2"/>
-          <p:cNvSpPr txBox="1">
-            <a:spLocks/>
-          </p:cNvSpPr>
+          <p:cNvSpPr txBox="1"/>
           <p:nvPr/>
         </p:nvSpPr>
         <p:spPr>
@@ -33080,7 +33019,7 @@
                 <a:schemeClr val="accent1"/>
               </a:buClr>
               <a:buSzPct val="75000"/>
-              <a:buFont typeface="Wingdings" pitchFamily="2" charset="2"/>
+              <a:buFont typeface="Wingdings" panose="05000000000000000000" pitchFamily="2" charset="2"/>
               <a:buChar char="n"/>
               <a:defRPr sz="2000" kern="1200">
                 <a:solidFill>
@@ -33105,7 +33044,7 @@
                 </a:schemeClr>
               </a:buClr>
               <a:buSzPct val="75000"/>
-              <a:buFont typeface="Wingdings" pitchFamily="2" charset="2"/>
+              <a:buFont typeface="Wingdings" panose="05000000000000000000" pitchFamily="2" charset="2"/>
               <a:buChar char="n"/>
               <a:defRPr sz="1800" kern="1200">
                 <a:solidFill>
@@ -33127,7 +33066,7 @@
                 <a:schemeClr val="accent1"/>
               </a:buClr>
               <a:buSzPct val="75000"/>
-              <a:buFont typeface="Wingdings" pitchFamily="2" charset="2"/>
+              <a:buFont typeface="Wingdings" panose="05000000000000000000" pitchFamily="2" charset="2"/>
               <a:buChar char="n"/>
               <a:defRPr sz="1800" kern="1200">
                 <a:solidFill>
@@ -33152,7 +33091,7 @@
                 </a:schemeClr>
               </a:buClr>
               <a:buSzPct val="75000"/>
-              <a:buFont typeface="Wingdings" pitchFamily="2" charset="2"/>
+              <a:buFont typeface="Wingdings" panose="05000000000000000000" pitchFamily="2" charset="2"/>
               <a:buChar char="n"/>
               <a:defRPr sz="1800" kern="1200">
                 <a:solidFill>
@@ -33174,7 +33113,7 @@
                 <a:schemeClr val="accent1"/>
               </a:buClr>
               <a:buSzPct val="75000"/>
-              <a:buFont typeface="Wingdings" pitchFamily="2" charset="2"/>
+              <a:buFont typeface="Wingdings" panose="05000000000000000000" pitchFamily="2" charset="2"/>
               <a:buChar char="n"/>
               <a:defRPr sz="1800" kern="1200">
                 <a:solidFill>
@@ -33199,7 +33138,7 @@
                 </a:schemeClr>
               </a:buClr>
               <a:buSzPct val="75000"/>
-              <a:buFont typeface="Wingdings" pitchFamily="2" charset="2"/>
+              <a:buFont typeface="Wingdings" panose="05000000000000000000" pitchFamily="2" charset="2"/>
               <a:buChar char=""/>
               <a:defRPr lang="en-US" sz="1800" kern="1200" dirty="0" smtClean="0">
                 <a:solidFill>
@@ -33221,7 +33160,7 @@
                 <a:schemeClr val="accent1"/>
               </a:buClr>
               <a:buSzPct val="75000"/>
-              <a:buFont typeface="Wingdings" pitchFamily="2" charset="2"/>
+              <a:buFont typeface="Wingdings" panose="05000000000000000000" pitchFamily="2" charset="2"/>
               <a:buChar char=""/>
               <a:defRPr lang="en-US" sz="1800" kern="1200" baseline="0" dirty="0" smtClean="0">
                 <a:solidFill>
@@ -33235,7 +33174,7 @@
                 <a:cs typeface="Eurostile"/>
               </a:defRPr>
             </a:lvl7pPr>
-            <a:lvl8pPr marL="1830388" indent="-228600" algn="l" defTabSz="914400" rtl="0" eaLnBrk="1" latinLnBrk="0" hangingPunct="1">
+            <a:lvl8pPr marL="1830705" indent="-228600" algn="l" defTabSz="914400" rtl="0" eaLnBrk="1" latinLnBrk="0" hangingPunct="1">
               <a:spcBef>
                 <a:spcPct val="20000"/>
               </a:spcBef>
@@ -33246,7 +33185,7 @@
                 </a:schemeClr>
               </a:buClr>
               <a:buSzPct val="75000"/>
-              <a:buFont typeface="Wingdings" pitchFamily="2" charset="2"/>
+              <a:buFont typeface="Wingdings" panose="05000000000000000000" pitchFamily="2" charset="2"/>
               <a:buChar char=""/>
               <a:defRPr lang="en-US" sz="1800" kern="1200" baseline="0" dirty="0" smtClean="0">
                 <a:solidFill>
@@ -33268,7 +33207,7 @@
                 <a:schemeClr val="accent1"/>
               </a:buClr>
               <a:buSzPct val="75000"/>
-              <a:buFont typeface="Wingdings" pitchFamily="2" charset="2"/>
+              <a:buFont typeface="Wingdings" panose="05000000000000000000" pitchFamily="2" charset="2"/>
               <a:buChar char=""/>
               <a:defRPr lang="en-US" sz="1800" kern="1200" baseline="0" dirty="0">
                 <a:solidFill>
@@ -33291,7 +33230,7 @@
                   <a:lumOff val="35000"/>
                 </a:schemeClr>
               </a:buClr>
-              <a:buFont typeface="Wingdings" charset="2"/>
+              <a:buFont typeface="Wingdings" panose="05000000000000000000" pitchFamily="2" charset="2"/>
               <a:buChar char="p"/>
             </a:pPr>
             <a:r>
@@ -33327,7 +33266,7 @@
                   <a:lumOff val="35000"/>
                 </a:schemeClr>
               </a:buClr>
-              <a:buFont typeface="Wingdings" charset="2"/>
+              <a:buFont typeface="Wingdings" panose="05000000000000000000" pitchFamily="2" charset="2"/>
               <a:buChar char="p"/>
             </a:pPr>
             <a:r>
@@ -33349,15 +33288,18 @@
               </a:rPr>
               <a:t>执行任务</a:t>
             </a:r>
+            <a:endParaRPr lang="zh-CN" altLang="en-US" sz="1800">
+              <a:latin typeface="Microsoft YaHei" charset="-122"/>
+              <a:ea typeface="Microsoft YaHei" charset="-122"/>
+              <a:cs typeface="Microsoft YaHei" charset="-122"/>
+            </a:endParaRPr>
           </a:p>
         </p:txBody>
       </p:sp>
       <p:sp>
         <p:nvSpPr>
           <p:cNvPr id="7" name="内容占位符 2"/>
-          <p:cNvSpPr txBox="1">
-            <a:spLocks/>
-          </p:cNvSpPr>
+          <p:cNvSpPr txBox="1"/>
           <p:nvPr/>
         </p:nvSpPr>
         <p:spPr>
@@ -33382,7 +33324,7 @@
                 <a:schemeClr val="accent1"/>
               </a:buClr>
               <a:buSzPct val="75000"/>
-              <a:buFont typeface="Wingdings" pitchFamily="2" charset="2"/>
+              <a:buFont typeface="Wingdings" panose="05000000000000000000" pitchFamily="2" charset="2"/>
               <a:buChar char="n"/>
               <a:defRPr sz="2000" kern="1200">
                 <a:solidFill>
@@ -33407,7 +33349,7 @@
                 </a:schemeClr>
               </a:buClr>
               <a:buSzPct val="75000"/>
-              <a:buFont typeface="Wingdings" pitchFamily="2" charset="2"/>
+              <a:buFont typeface="Wingdings" panose="05000000000000000000" pitchFamily="2" charset="2"/>
               <a:buChar char="n"/>
               <a:defRPr sz="1800" kern="1200">
                 <a:solidFill>
@@ -33429,7 +33371,7 @@
                 <a:schemeClr val="accent1"/>
               </a:buClr>
               <a:buSzPct val="75000"/>
-              <a:buFont typeface="Wingdings" pitchFamily="2" charset="2"/>
+              <a:buFont typeface="Wingdings" panose="05000000000000000000" pitchFamily="2" charset="2"/>
               <a:buChar char="n"/>
               <a:defRPr sz="1800" kern="1200">
                 <a:solidFill>
@@ -33454,7 +33396,7 @@
                 </a:schemeClr>
               </a:buClr>
               <a:buSzPct val="75000"/>
-              <a:buFont typeface="Wingdings" pitchFamily="2" charset="2"/>
+              <a:buFont typeface="Wingdings" panose="05000000000000000000" pitchFamily="2" charset="2"/>
               <a:buChar char="n"/>
               <a:defRPr sz="1800" kern="1200">
                 <a:solidFill>
@@ -33476,7 +33418,7 @@
                 <a:schemeClr val="accent1"/>
               </a:buClr>
               <a:buSzPct val="75000"/>
-              <a:buFont typeface="Wingdings" pitchFamily="2" charset="2"/>
+              <a:buFont typeface="Wingdings" panose="05000000000000000000" pitchFamily="2" charset="2"/>
               <a:buChar char="n"/>
               <a:defRPr sz="1800" kern="1200">
                 <a:solidFill>
@@ -33501,7 +33443,7 @@
                 </a:schemeClr>
               </a:buClr>
               <a:buSzPct val="75000"/>
-              <a:buFont typeface="Wingdings" pitchFamily="2" charset="2"/>
+              <a:buFont typeface="Wingdings" panose="05000000000000000000" pitchFamily="2" charset="2"/>
               <a:buChar char=""/>
               <a:defRPr lang="en-US" sz="1800" kern="1200" dirty="0" smtClean="0">
                 <a:solidFill>
@@ -33523,7 +33465,7 @@
                 <a:schemeClr val="accent1"/>
               </a:buClr>
               <a:buSzPct val="75000"/>
-              <a:buFont typeface="Wingdings" pitchFamily="2" charset="2"/>
+              <a:buFont typeface="Wingdings" panose="05000000000000000000" pitchFamily="2" charset="2"/>
               <a:buChar char=""/>
               <a:defRPr lang="en-US" sz="1800" kern="1200" baseline="0" dirty="0" smtClean="0">
                 <a:solidFill>
@@ -33537,7 +33479,7 @@
                 <a:cs typeface="Eurostile"/>
               </a:defRPr>
             </a:lvl7pPr>
-            <a:lvl8pPr marL="1830388" indent="-228600" algn="l" defTabSz="914400" rtl="0" eaLnBrk="1" latinLnBrk="0" hangingPunct="1">
+            <a:lvl8pPr marL="1830705" indent="-228600" algn="l" defTabSz="914400" rtl="0" eaLnBrk="1" latinLnBrk="0" hangingPunct="1">
               <a:spcBef>
                 <a:spcPct val="20000"/>
               </a:spcBef>
@@ -33548,7 +33490,7 @@
                 </a:schemeClr>
               </a:buClr>
               <a:buSzPct val="75000"/>
-              <a:buFont typeface="Wingdings" pitchFamily="2" charset="2"/>
+              <a:buFont typeface="Wingdings" panose="05000000000000000000" pitchFamily="2" charset="2"/>
               <a:buChar char=""/>
               <a:defRPr lang="en-US" sz="1800" kern="1200" baseline="0" dirty="0" smtClean="0">
                 <a:solidFill>
@@ -33570,7 +33512,7 @@
                 <a:schemeClr val="accent1"/>
               </a:buClr>
               <a:buSzPct val="75000"/>
-              <a:buFont typeface="Wingdings" pitchFamily="2" charset="2"/>
+              <a:buFont typeface="Wingdings" panose="05000000000000000000" pitchFamily="2" charset="2"/>
               <a:buChar char=""/>
               <a:defRPr lang="en-US" sz="1800" kern="1200" baseline="0" dirty="0">
                 <a:solidFill>
@@ -33593,7 +33535,7 @@
                   <a:lumOff val="35000"/>
                 </a:schemeClr>
               </a:buClr>
-              <a:buFont typeface="Wingdings" charset="2"/>
+              <a:buFont typeface="Wingdings" panose="05000000000000000000" pitchFamily="2" charset="2"/>
               <a:buChar char="p"/>
             </a:pPr>
             <a:r>
@@ -33629,7 +33571,7 @@
                   <a:lumOff val="35000"/>
                 </a:schemeClr>
               </a:buClr>
-              <a:buFont typeface="Wingdings" charset="2"/>
+              <a:buFont typeface="Wingdings" panose="05000000000000000000" pitchFamily="2" charset="2"/>
               <a:buChar char="p"/>
             </a:pPr>
             <a:r>
@@ -33651,15 +33593,18 @@
               </a:rPr>
               <a:t>执行任务</a:t>
             </a:r>
+            <a:endParaRPr lang="zh-CN" altLang="en-US" sz="1800">
+              <a:latin typeface="Microsoft YaHei" charset="-122"/>
+              <a:ea typeface="Microsoft YaHei" charset="-122"/>
+              <a:cs typeface="Microsoft YaHei" charset="-122"/>
+            </a:endParaRPr>
           </a:p>
         </p:txBody>
       </p:sp>
       <p:sp>
         <p:nvSpPr>
           <p:cNvPr id="8" name="内容占位符 2"/>
-          <p:cNvSpPr txBox="1">
-            <a:spLocks/>
-          </p:cNvSpPr>
+          <p:cNvSpPr txBox="1"/>
           <p:nvPr/>
         </p:nvSpPr>
         <p:spPr>
@@ -33684,7 +33629,7 @@
                 <a:schemeClr val="accent1"/>
               </a:buClr>
               <a:buSzPct val="75000"/>
-              <a:buFont typeface="Wingdings" pitchFamily="2" charset="2"/>
+              <a:buFont typeface="Wingdings" panose="05000000000000000000" pitchFamily="2" charset="2"/>
               <a:buChar char="n"/>
               <a:defRPr sz="2000" kern="1200">
                 <a:solidFill>
@@ -33709,7 +33654,7 @@
                 </a:schemeClr>
               </a:buClr>
               <a:buSzPct val="75000"/>
-              <a:buFont typeface="Wingdings" pitchFamily="2" charset="2"/>
+              <a:buFont typeface="Wingdings" panose="05000000000000000000" pitchFamily="2" charset="2"/>
               <a:buChar char="n"/>
               <a:defRPr sz="1800" kern="1200">
                 <a:solidFill>
@@ -33731,7 +33676,7 @@
                 <a:schemeClr val="accent1"/>
               </a:buClr>
               <a:buSzPct val="75000"/>
-              <a:buFont typeface="Wingdings" pitchFamily="2" charset="2"/>
+              <a:buFont typeface="Wingdings" panose="05000000000000000000" pitchFamily="2" charset="2"/>
               <a:buChar char="n"/>
               <a:defRPr sz="1800" kern="1200">
                 <a:solidFill>
@@ -33756,7 +33701,7 @@
                 </a:schemeClr>
               </a:buClr>
               <a:buSzPct val="75000"/>
-              <a:buFont typeface="Wingdings" pitchFamily="2" charset="2"/>
+              <a:buFont typeface="Wingdings" panose="05000000000000000000" pitchFamily="2" charset="2"/>
               <a:buChar char="n"/>
               <a:defRPr sz="1800" kern="1200">
                 <a:solidFill>
@@ -33778,7 +33723,7 @@
                 <a:schemeClr val="accent1"/>
               </a:buClr>
               <a:buSzPct val="75000"/>
-              <a:buFont typeface="Wingdings" pitchFamily="2" charset="2"/>
+              <a:buFont typeface="Wingdings" panose="05000000000000000000" pitchFamily="2" charset="2"/>
               <a:buChar char="n"/>
               <a:defRPr sz="1800" kern="1200">
                 <a:solidFill>
@@ -33803,7 +33748,7 @@
                 </a:schemeClr>
               </a:buClr>
               <a:buSzPct val="75000"/>
-              <a:buFont typeface="Wingdings" pitchFamily="2" charset="2"/>
+              <a:buFont typeface="Wingdings" panose="05000000000000000000" pitchFamily="2" charset="2"/>
               <a:buChar char=""/>
               <a:defRPr lang="en-US" sz="1800" kern="1200" dirty="0" smtClean="0">
                 <a:solidFill>
@@ -33825,7 +33770,7 @@
                 <a:schemeClr val="accent1"/>
               </a:buClr>
               <a:buSzPct val="75000"/>
-              <a:buFont typeface="Wingdings" pitchFamily="2" charset="2"/>
+              <a:buFont typeface="Wingdings" panose="05000000000000000000" pitchFamily="2" charset="2"/>
               <a:buChar char=""/>
               <a:defRPr lang="en-US" sz="1800" kern="1200" baseline="0" dirty="0" smtClean="0">
                 <a:solidFill>
@@ -33839,7 +33784,7 @@
                 <a:cs typeface="Eurostile"/>
               </a:defRPr>
             </a:lvl7pPr>
-            <a:lvl8pPr marL="1830388" indent="-228600" algn="l" defTabSz="914400" rtl="0" eaLnBrk="1" latinLnBrk="0" hangingPunct="1">
+            <a:lvl8pPr marL="1830705" indent="-228600" algn="l" defTabSz="914400" rtl="0" eaLnBrk="1" latinLnBrk="0" hangingPunct="1">
               <a:spcBef>
                 <a:spcPct val="20000"/>
               </a:spcBef>
@@ -33850,7 +33795,7 @@
                 </a:schemeClr>
               </a:buClr>
               <a:buSzPct val="75000"/>
-              <a:buFont typeface="Wingdings" pitchFamily="2" charset="2"/>
+              <a:buFont typeface="Wingdings" panose="05000000000000000000" pitchFamily="2" charset="2"/>
               <a:buChar char=""/>
               <a:defRPr lang="en-US" sz="1800" kern="1200" baseline="0" dirty="0" smtClean="0">
                 <a:solidFill>
@@ -33872,7 +33817,7 @@
                 <a:schemeClr val="accent1"/>
               </a:buClr>
               <a:buSzPct val="75000"/>
-              <a:buFont typeface="Wingdings" pitchFamily="2" charset="2"/>
+              <a:buFont typeface="Wingdings" panose="05000000000000000000" pitchFamily="2" charset="2"/>
               <a:buChar char=""/>
               <a:defRPr lang="en-US" sz="1800" kern="1200" baseline="0" dirty="0">
                 <a:solidFill>
@@ -33895,7 +33840,7 @@
                   <a:lumOff val="35000"/>
                 </a:schemeClr>
               </a:buClr>
-              <a:buFont typeface="Wingdings" charset="2"/>
+              <a:buFont typeface="Wingdings" panose="05000000000000000000" pitchFamily="2" charset="2"/>
               <a:buChar char="p"/>
             </a:pPr>
             <a:r>
@@ -33931,7 +33876,7 @@
                   <a:lumOff val="35000"/>
                 </a:schemeClr>
               </a:buClr>
-              <a:buFont typeface="Wingdings" charset="2"/>
+              <a:buFont typeface="Wingdings" panose="05000000000000000000" pitchFamily="2" charset="2"/>
               <a:buChar char="p"/>
             </a:pPr>
             <a:r>
@@ -33953,15 +33898,18 @@
               </a:rPr>
               <a:t>执行任务</a:t>
             </a:r>
+            <a:endParaRPr lang="zh-CN" altLang="en-US" sz="1800">
+              <a:latin typeface="Microsoft YaHei" charset="-122"/>
+              <a:ea typeface="Microsoft YaHei" charset="-122"/>
+              <a:cs typeface="Microsoft YaHei" charset="-122"/>
+            </a:endParaRPr>
           </a:p>
         </p:txBody>
       </p:sp>
       <p:sp>
         <p:nvSpPr>
           <p:cNvPr id="9" name="内容占位符 2"/>
-          <p:cNvSpPr txBox="1">
-            <a:spLocks/>
-          </p:cNvSpPr>
+          <p:cNvSpPr txBox="1"/>
           <p:nvPr/>
         </p:nvSpPr>
         <p:spPr>
@@ -33986,7 +33934,7 @@
                 <a:schemeClr val="accent1"/>
               </a:buClr>
               <a:buSzPct val="75000"/>
-              <a:buFont typeface="Wingdings" pitchFamily="2" charset="2"/>
+              <a:buFont typeface="Wingdings" panose="05000000000000000000" pitchFamily="2" charset="2"/>
               <a:buChar char="n"/>
               <a:defRPr sz="2000" kern="1200">
                 <a:solidFill>
@@ -34011,7 +33959,7 @@
                 </a:schemeClr>
               </a:buClr>
               <a:buSzPct val="75000"/>
-              <a:buFont typeface="Wingdings" pitchFamily="2" charset="2"/>
+              <a:buFont typeface="Wingdings" panose="05000000000000000000" pitchFamily="2" charset="2"/>
               <a:buChar char="n"/>
               <a:defRPr sz="1800" kern="1200">
                 <a:solidFill>
@@ -34033,7 +33981,7 @@
                 <a:schemeClr val="accent1"/>
               </a:buClr>
               <a:buSzPct val="75000"/>
-              <a:buFont typeface="Wingdings" pitchFamily="2" charset="2"/>
+              <a:buFont typeface="Wingdings" panose="05000000000000000000" pitchFamily="2" charset="2"/>
               <a:buChar char="n"/>
               <a:defRPr sz="1800" kern="1200">
                 <a:solidFill>
@@ -34058,7 +34006,7 @@
                 </a:schemeClr>
               </a:buClr>
               <a:buSzPct val="75000"/>
-              <a:buFont typeface="Wingdings" pitchFamily="2" charset="2"/>
+              <a:buFont typeface="Wingdings" panose="05000000000000000000" pitchFamily="2" charset="2"/>
               <a:buChar char="n"/>
               <a:defRPr sz="1800" kern="1200">
                 <a:solidFill>
@@ -34080,7 +34028,7 @@
                 <a:schemeClr val="accent1"/>
               </a:buClr>
               <a:buSzPct val="75000"/>
-              <a:buFont typeface="Wingdings" pitchFamily="2" charset="2"/>
+              <a:buFont typeface="Wingdings" panose="05000000000000000000" pitchFamily="2" charset="2"/>
               <a:buChar char="n"/>
               <a:defRPr sz="1800" kern="1200">
                 <a:solidFill>
@@ -34105,7 +34053,7 @@
                 </a:schemeClr>
               </a:buClr>
               <a:buSzPct val="75000"/>
-              <a:buFont typeface="Wingdings" pitchFamily="2" charset="2"/>
+              <a:buFont typeface="Wingdings" panose="05000000000000000000" pitchFamily="2" charset="2"/>
               <a:buChar char=""/>
               <a:defRPr lang="en-US" sz="1800" kern="1200" dirty="0" smtClean="0">
                 <a:solidFill>
@@ -34127,7 +34075,7 @@
                 <a:schemeClr val="accent1"/>
               </a:buClr>
               <a:buSzPct val="75000"/>
-              <a:buFont typeface="Wingdings" pitchFamily="2" charset="2"/>
+              <a:buFont typeface="Wingdings" panose="05000000000000000000" pitchFamily="2" charset="2"/>
               <a:buChar char=""/>
               <a:defRPr lang="en-US" sz="1800" kern="1200" baseline="0" dirty="0" smtClean="0">
                 <a:solidFill>
@@ -34141,7 +34089,7 @@
                 <a:cs typeface="Eurostile"/>
               </a:defRPr>
             </a:lvl7pPr>
-            <a:lvl8pPr marL="1830388" indent="-228600" algn="l" defTabSz="914400" rtl="0" eaLnBrk="1" latinLnBrk="0" hangingPunct="1">
+            <a:lvl8pPr marL="1830705" indent="-228600" algn="l" defTabSz="914400" rtl="0" eaLnBrk="1" latinLnBrk="0" hangingPunct="1">
               <a:spcBef>
                 <a:spcPct val="20000"/>
               </a:spcBef>
@@ -34152,7 +34100,7 @@
                 </a:schemeClr>
               </a:buClr>
               <a:buSzPct val="75000"/>
-              <a:buFont typeface="Wingdings" pitchFamily="2" charset="2"/>
+              <a:buFont typeface="Wingdings" panose="05000000000000000000" pitchFamily="2" charset="2"/>
               <a:buChar char=""/>
               <a:defRPr lang="en-US" sz="1800" kern="1200" baseline="0" dirty="0" smtClean="0">
                 <a:solidFill>
@@ -34174,7 +34122,7 @@
                 <a:schemeClr val="accent1"/>
               </a:buClr>
               <a:buSzPct val="75000"/>
-              <a:buFont typeface="Wingdings" pitchFamily="2" charset="2"/>
+              <a:buFont typeface="Wingdings" panose="05000000000000000000" pitchFamily="2" charset="2"/>
               <a:buChar char=""/>
               <a:defRPr lang="en-US" sz="1800" kern="1200" baseline="0" dirty="0">
                 <a:solidFill>
@@ -34197,7 +34145,7 @@
                   <a:lumOff val="35000"/>
                 </a:schemeClr>
               </a:buClr>
-              <a:buFont typeface="Wingdings" charset="2"/>
+              <a:buFont typeface="Wingdings" panose="05000000000000000000" pitchFamily="2" charset="2"/>
               <a:buChar char="p"/>
             </a:pPr>
             <a:r>
@@ -34233,7 +34181,7 @@
                   <a:lumOff val="35000"/>
                 </a:schemeClr>
               </a:buClr>
-              <a:buFont typeface="Wingdings" charset="2"/>
+              <a:buFont typeface="Wingdings" panose="05000000000000000000" pitchFamily="2" charset="2"/>
               <a:buChar char="p"/>
             </a:pPr>
             <a:r>
@@ -34255,15 +34203,18 @@
               </a:rPr>
               <a:t>执行任务</a:t>
             </a:r>
+            <a:endParaRPr lang="zh-CN" altLang="en-US" sz="1800">
+              <a:latin typeface="Microsoft YaHei" charset="-122"/>
+              <a:ea typeface="Microsoft YaHei" charset="-122"/>
+              <a:cs typeface="Microsoft YaHei" charset="-122"/>
+            </a:endParaRPr>
           </a:p>
         </p:txBody>
       </p:sp>
       <p:sp>
         <p:nvSpPr>
           <p:cNvPr id="10" name="内容占位符 2"/>
-          <p:cNvSpPr txBox="1">
-            <a:spLocks/>
-          </p:cNvSpPr>
+          <p:cNvSpPr txBox="1"/>
           <p:nvPr/>
         </p:nvSpPr>
         <p:spPr>
@@ -34288,7 +34239,7 @@
                 <a:schemeClr val="accent1"/>
               </a:buClr>
               <a:buSzPct val="75000"/>
-              <a:buFont typeface="Wingdings" pitchFamily="2" charset="2"/>
+              <a:buFont typeface="Wingdings" panose="05000000000000000000" pitchFamily="2" charset="2"/>
               <a:buChar char="n"/>
               <a:defRPr sz="2000" kern="1200">
                 <a:solidFill>
@@ -34313,7 +34264,7 @@
                 </a:schemeClr>
               </a:buClr>
               <a:buSzPct val="75000"/>
-              <a:buFont typeface="Wingdings" pitchFamily="2" charset="2"/>
+              <a:buFont typeface="Wingdings" panose="05000000000000000000" pitchFamily="2" charset="2"/>
               <a:buChar char="n"/>
               <a:defRPr sz="1800" kern="1200">
                 <a:solidFill>
@@ -34335,7 +34286,7 @@
                 <a:schemeClr val="accent1"/>
               </a:buClr>
               <a:buSzPct val="75000"/>
-              <a:buFont typeface="Wingdings" pitchFamily="2" charset="2"/>
+              <a:buFont typeface="Wingdings" panose="05000000000000000000" pitchFamily="2" charset="2"/>
               <a:buChar char="n"/>
               <a:defRPr sz="1800" kern="1200">
                 <a:solidFill>
@@ -34360,7 +34311,7 @@
                 </a:schemeClr>
               </a:buClr>
               <a:buSzPct val="75000"/>
-              <a:buFont typeface="Wingdings" pitchFamily="2" charset="2"/>
+              <a:buFont typeface="Wingdings" panose="05000000000000000000" pitchFamily="2" charset="2"/>
               <a:buChar char="n"/>
               <a:defRPr sz="1800" kern="1200">
                 <a:solidFill>
@@ -34382,7 +34333,7 @@
                 <a:schemeClr val="accent1"/>
               </a:buClr>
               <a:buSzPct val="75000"/>
-              <a:buFont typeface="Wingdings" pitchFamily="2" charset="2"/>
+              <a:buFont typeface="Wingdings" panose="05000000000000000000" pitchFamily="2" charset="2"/>
               <a:buChar char="n"/>
               <a:defRPr sz="1800" kern="1200">
                 <a:solidFill>
@@ -34407,7 +34358,7 @@
                 </a:schemeClr>
               </a:buClr>
               <a:buSzPct val="75000"/>
-              <a:buFont typeface="Wingdings" pitchFamily="2" charset="2"/>
+              <a:buFont typeface="Wingdings" panose="05000000000000000000" pitchFamily="2" charset="2"/>
               <a:buChar char=""/>
               <a:defRPr lang="en-US" sz="1800" kern="1200" dirty="0" smtClean="0">
                 <a:solidFill>
@@ -34429,7 +34380,7 @@
                 <a:schemeClr val="accent1"/>
               </a:buClr>
               <a:buSzPct val="75000"/>
-              <a:buFont typeface="Wingdings" pitchFamily="2" charset="2"/>
+              <a:buFont typeface="Wingdings" panose="05000000000000000000" pitchFamily="2" charset="2"/>
               <a:buChar char=""/>
               <a:defRPr lang="en-US" sz="1800" kern="1200" baseline="0" dirty="0" smtClean="0">
                 <a:solidFill>
@@ -34443,7 +34394,7 @@
                 <a:cs typeface="Eurostile"/>
               </a:defRPr>
             </a:lvl7pPr>
-            <a:lvl8pPr marL="1830388" indent="-228600" algn="l" defTabSz="914400" rtl="0" eaLnBrk="1" latinLnBrk="0" hangingPunct="1">
+            <a:lvl8pPr marL="1830705" indent="-228600" algn="l" defTabSz="914400" rtl="0" eaLnBrk="1" latinLnBrk="0" hangingPunct="1">
               <a:spcBef>
                 <a:spcPct val="20000"/>
               </a:spcBef>
@@ -34454,7 +34405,7 @@
                 </a:schemeClr>
               </a:buClr>
               <a:buSzPct val="75000"/>
-              <a:buFont typeface="Wingdings" pitchFamily="2" charset="2"/>
+              <a:buFont typeface="Wingdings" panose="05000000000000000000" pitchFamily="2" charset="2"/>
               <a:buChar char=""/>
               <a:defRPr lang="en-US" sz="1800" kern="1200" baseline="0" dirty="0" smtClean="0">
                 <a:solidFill>
@@ -34476,7 +34427,7 @@
                 <a:schemeClr val="accent1"/>
               </a:buClr>
               <a:buSzPct val="75000"/>
-              <a:buFont typeface="Wingdings" pitchFamily="2" charset="2"/>
+              <a:buFont typeface="Wingdings" panose="05000000000000000000" pitchFamily="2" charset="2"/>
               <a:buChar char=""/>
               <a:defRPr lang="en-US" sz="1800" kern="1200" baseline="0" dirty="0">
                 <a:solidFill>
@@ -34499,7 +34450,7 @@
                   <a:lumOff val="35000"/>
                 </a:schemeClr>
               </a:buClr>
-              <a:buFont typeface="Wingdings" charset="2"/>
+              <a:buFont typeface="Wingdings" panose="05000000000000000000" pitchFamily="2" charset="2"/>
               <a:buChar char="p"/>
             </a:pPr>
             <a:r>
@@ -34535,7 +34486,7 @@
                   <a:lumOff val="35000"/>
                 </a:schemeClr>
               </a:buClr>
-              <a:buFont typeface="Wingdings" charset="2"/>
+              <a:buFont typeface="Wingdings" panose="05000000000000000000" pitchFamily="2" charset="2"/>
               <a:buChar char="p"/>
             </a:pPr>
             <a:r>
@@ -34557,15 +34508,18 @@
               </a:rPr>
               <a:t>执行任务</a:t>
             </a:r>
+            <a:endParaRPr lang="zh-CN" altLang="en-US" sz="1800">
+              <a:latin typeface="Microsoft YaHei" charset="-122"/>
+              <a:ea typeface="Microsoft YaHei" charset="-122"/>
+              <a:cs typeface="Microsoft YaHei" charset="-122"/>
+            </a:endParaRPr>
           </a:p>
         </p:txBody>
       </p:sp>
       <p:sp>
         <p:nvSpPr>
           <p:cNvPr id="11" name="内容占位符 2"/>
-          <p:cNvSpPr txBox="1">
-            <a:spLocks/>
-          </p:cNvSpPr>
+          <p:cNvSpPr txBox="1"/>
           <p:nvPr/>
         </p:nvSpPr>
         <p:spPr>
@@ -34590,7 +34544,7 @@
                 <a:schemeClr val="accent1"/>
               </a:buClr>
               <a:buSzPct val="75000"/>
-              <a:buFont typeface="Wingdings" pitchFamily="2" charset="2"/>
+              <a:buFont typeface="Wingdings" panose="05000000000000000000" pitchFamily="2" charset="2"/>
               <a:buChar char="n"/>
               <a:defRPr sz="2000" kern="1200">
                 <a:solidFill>
@@ -34615,7 +34569,7 @@
                 </a:schemeClr>
               </a:buClr>
               <a:buSzPct val="75000"/>
-              <a:buFont typeface="Wingdings" pitchFamily="2" charset="2"/>
+              <a:buFont typeface="Wingdings" panose="05000000000000000000" pitchFamily="2" charset="2"/>
               <a:buChar char="n"/>
               <a:defRPr sz="1800" kern="1200">
                 <a:solidFill>
@@ -34637,7 +34591,7 @@
                 <a:schemeClr val="accent1"/>
               </a:buClr>
               <a:buSzPct val="75000"/>
-              <a:buFont typeface="Wingdings" pitchFamily="2" charset="2"/>
+              <a:buFont typeface="Wingdings" panose="05000000000000000000" pitchFamily="2" charset="2"/>
               <a:buChar char="n"/>
               <a:defRPr sz="1800" kern="1200">
                 <a:solidFill>
@@ -34662,7 +34616,7 @@
                 </a:schemeClr>
               </a:buClr>
               <a:buSzPct val="75000"/>
-              <a:buFont typeface="Wingdings" pitchFamily="2" charset="2"/>
+              <a:buFont typeface="Wingdings" panose="05000000000000000000" pitchFamily="2" charset="2"/>
               <a:buChar char="n"/>
               <a:defRPr sz="1800" kern="1200">
                 <a:solidFill>
@@ -34684,7 +34638,7 @@
                 <a:schemeClr val="accent1"/>
               </a:buClr>
               <a:buSzPct val="75000"/>
-              <a:buFont typeface="Wingdings" pitchFamily="2" charset="2"/>
+              <a:buFont typeface="Wingdings" panose="05000000000000000000" pitchFamily="2" charset="2"/>
               <a:buChar char="n"/>
               <a:defRPr sz="1800" kern="1200">
                 <a:solidFill>
@@ -34709,7 +34663,7 @@
                 </a:schemeClr>
               </a:buClr>
               <a:buSzPct val="75000"/>
-              <a:buFont typeface="Wingdings" pitchFamily="2" charset="2"/>
+              <a:buFont typeface="Wingdings" panose="05000000000000000000" pitchFamily="2" charset="2"/>
               <a:buChar char=""/>
               <a:defRPr lang="en-US" sz="1800" kern="1200" dirty="0" smtClean="0">
                 <a:solidFill>
@@ -34731,7 +34685,7 @@
                 <a:schemeClr val="accent1"/>
               </a:buClr>
               <a:buSzPct val="75000"/>
-              <a:buFont typeface="Wingdings" pitchFamily="2" charset="2"/>
+              <a:buFont typeface="Wingdings" panose="05000000000000000000" pitchFamily="2" charset="2"/>
               <a:buChar char=""/>
               <a:defRPr lang="en-US" sz="1800" kern="1200" baseline="0" dirty="0" smtClean="0">
                 <a:solidFill>
@@ -34745,7 +34699,7 @@
                 <a:cs typeface="Eurostile"/>
               </a:defRPr>
             </a:lvl7pPr>
-            <a:lvl8pPr marL="1830388" indent="-228600" algn="l" defTabSz="914400" rtl="0" eaLnBrk="1" latinLnBrk="0" hangingPunct="1">
+            <a:lvl8pPr marL="1830705" indent="-228600" algn="l" defTabSz="914400" rtl="0" eaLnBrk="1" latinLnBrk="0" hangingPunct="1">
               <a:spcBef>
                 <a:spcPct val="20000"/>
               </a:spcBef>
@@ -34756,7 +34710,7 @@
                 </a:schemeClr>
               </a:buClr>
               <a:buSzPct val="75000"/>
-              <a:buFont typeface="Wingdings" pitchFamily="2" charset="2"/>
+              <a:buFont typeface="Wingdings" panose="05000000000000000000" pitchFamily="2" charset="2"/>
               <a:buChar char=""/>
               <a:defRPr lang="en-US" sz="1800" kern="1200" baseline="0" dirty="0" smtClean="0">
                 <a:solidFill>
@@ -34778,7 +34732,7 @@
                 <a:schemeClr val="accent1"/>
               </a:buClr>
               <a:buSzPct val="75000"/>
-              <a:buFont typeface="Wingdings" pitchFamily="2" charset="2"/>
+              <a:buFont typeface="Wingdings" panose="05000000000000000000" pitchFamily="2" charset="2"/>
               <a:buChar char=""/>
               <a:defRPr lang="en-US" sz="1800" kern="1200" baseline="0" dirty="0">
                 <a:solidFill>
@@ -34814,15 +34768,21 @@
               </a:rPr>
               <a:t>并发队列</a:t>
             </a:r>
+            <a:endParaRPr lang="zh-CN" altLang="en-US" sz="1800">
+              <a:solidFill>
+                <a:schemeClr val="bg1"/>
+              </a:solidFill>
+              <a:latin typeface="Microsoft YaHei" charset="-122"/>
+              <a:ea typeface="Microsoft YaHei" charset="-122"/>
+              <a:cs typeface="Microsoft YaHei" charset="-122"/>
+            </a:endParaRPr>
           </a:p>
         </p:txBody>
       </p:sp>
       <p:sp>
         <p:nvSpPr>
           <p:cNvPr id="12" name="内容占位符 2"/>
-          <p:cNvSpPr txBox="1">
-            <a:spLocks/>
-          </p:cNvSpPr>
+          <p:cNvSpPr txBox="1"/>
           <p:nvPr/>
         </p:nvSpPr>
         <p:spPr>
@@ -34847,7 +34807,7 @@
                 <a:schemeClr val="accent1"/>
               </a:buClr>
               <a:buSzPct val="75000"/>
-              <a:buFont typeface="Wingdings" pitchFamily="2" charset="2"/>
+              <a:buFont typeface="Wingdings" panose="05000000000000000000" pitchFamily="2" charset="2"/>
               <a:buChar char="n"/>
               <a:defRPr sz="2000" kern="1200">
                 <a:solidFill>
@@ -34872,7 +34832,7 @@
                 </a:schemeClr>
               </a:buClr>
               <a:buSzPct val="75000"/>
-              <a:buFont typeface="Wingdings" pitchFamily="2" charset="2"/>
+              <a:buFont typeface="Wingdings" panose="05000000000000000000" pitchFamily="2" charset="2"/>
               <a:buChar char="n"/>
               <a:defRPr sz="1800" kern="1200">
                 <a:solidFill>
@@ -34894,7 +34854,7 @@
                 <a:schemeClr val="accent1"/>
               </a:buClr>
               <a:buSzPct val="75000"/>
-              <a:buFont typeface="Wingdings" pitchFamily="2" charset="2"/>
+              <a:buFont typeface="Wingdings" panose="05000000000000000000" pitchFamily="2" charset="2"/>
               <a:buChar char="n"/>
               <a:defRPr sz="1800" kern="1200">
                 <a:solidFill>
@@ -34919,7 +34879,7 @@
                 </a:schemeClr>
               </a:buClr>
               <a:buSzPct val="75000"/>
-              <a:buFont typeface="Wingdings" pitchFamily="2" charset="2"/>
+              <a:buFont typeface="Wingdings" panose="05000000000000000000" pitchFamily="2" charset="2"/>
               <a:buChar char="n"/>
               <a:defRPr sz="1800" kern="1200">
                 <a:solidFill>
@@ -34941,7 +34901,7 @@
                 <a:schemeClr val="accent1"/>
               </a:buClr>
               <a:buSzPct val="75000"/>
-              <a:buFont typeface="Wingdings" pitchFamily="2" charset="2"/>
+              <a:buFont typeface="Wingdings" panose="05000000000000000000" pitchFamily="2" charset="2"/>
               <a:buChar char="n"/>
               <a:defRPr sz="1800" kern="1200">
                 <a:solidFill>
@@ -34966,7 +34926,7 @@
                 </a:schemeClr>
               </a:buClr>
               <a:buSzPct val="75000"/>
-              <a:buFont typeface="Wingdings" pitchFamily="2" charset="2"/>
+              <a:buFont typeface="Wingdings" panose="05000000000000000000" pitchFamily="2" charset="2"/>
               <a:buChar char=""/>
               <a:defRPr lang="en-US" sz="1800" kern="1200" dirty="0" smtClean="0">
                 <a:solidFill>
@@ -34988,7 +34948,7 @@
                 <a:schemeClr val="accent1"/>
               </a:buClr>
               <a:buSzPct val="75000"/>
-              <a:buFont typeface="Wingdings" pitchFamily="2" charset="2"/>
+              <a:buFont typeface="Wingdings" panose="05000000000000000000" pitchFamily="2" charset="2"/>
               <a:buChar char=""/>
               <a:defRPr lang="en-US" sz="1800" kern="1200" baseline="0" dirty="0" smtClean="0">
                 <a:solidFill>
@@ -35002,7 +34962,7 @@
                 <a:cs typeface="Eurostile"/>
               </a:defRPr>
             </a:lvl7pPr>
-            <a:lvl8pPr marL="1830388" indent="-228600" algn="l" defTabSz="914400" rtl="0" eaLnBrk="1" latinLnBrk="0" hangingPunct="1">
+            <a:lvl8pPr marL="1830705" indent="-228600" algn="l" defTabSz="914400" rtl="0" eaLnBrk="1" latinLnBrk="0" hangingPunct="1">
               <a:spcBef>
                 <a:spcPct val="20000"/>
               </a:spcBef>
@@ -35013,7 +34973,7 @@
                 </a:schemeClr>
               </a:buClr>
               <a:buSzPct val="75000"/>
-              <a:buFont typeface="Wingdings" pitchFamily="2" charset="2"/>
+              <a:buFont typeface="Wingdings" panose="05000000000000000000" pitchFamily="2" charset="2"/>
               <a:buChar char=""/>
               <a:defRPr lang="en-US" sz="1800" kern="1200" baseline="0" dirty="0" smtClean="0">
                 <a:solidFill>
@@ -35035,7 +34995,7 @@
                 <a:schemeClr val="accent1"/>
               </a:buClr>
               <a:buSzPct val="75000"/>
-              <a:buFont typeface="Wingdings" pitchFamily="2" charset="2"/>
+              <a:buFont typeface="Wingdings" panose="05000000000000000000" pitchFamily="2" charset="2"/>
               <a:buChar char=""/>
               <a:defRPr lang="en-US" sz="1800" kern="1200" baseline="0" dirty="0">
                 <a:solidFill>
@@ -35071,15 +35031,21 @@
               </a:rPr>
               <a:t>手动创建的串行队列</a:t>
             </a:r>
+            <a:endParaRPr lang="zh-CN" altLang="en-US" sz="1800">
+              <a:solidFill>
+                <a:srgbClr val="FFFFFF"/>
+              </a:solidFill>
+              <a:latin typeface="Microsoft YaHei" charset="-122"/>
+              <a:ea typeface="Microsoft YaHei" charset="-122"/>
+              <a:cs typeface="Microsoft YaHei" charset="-122"/>
+            </a:endParaRPr>
           </a:p>
         </p:txBody>
       </p:sp>
       <p:sp>
         <p:nvSpPr>
           <p:cNvPr id="13" name="内容占位符 2"/>
-          <p:cNvSpPr txBox="1">
-            <a:spLocks/>
-          </p:cNvSpPr>
+          <p:cNvSpPr txBox="1"/>
           <p:nvPr/>
         </p:nvSpPr>
         <p:spPr>
@@ -35104,7 +35070,7 @@
                 <a:schemeClr val="accent1"/>
               </a:buClr>
               <a:buSzPct val="75000"/>
-              <a:buFont typeface="Wingdings" pitchFamily="2" charset="2"/>
+              <a:buFont typeface="Wingdings" panose="05000000000000000000" pitchFamily="2" charset="2"/>
               <a:buChar char="n"/>
               <a:defRPr sz="2000" kern="1200">
                 <a:solidFill>
@@ -35129,7 +35095,7 @@
                 </a:schemeClr>
               </a:buClr>
               <a:buSzPct val="75000"/>
-              <a:buFont typeface="Wingdings" pitchFamily="2" charset="2"/>
+              <a:buFont typeface="Wingdings" panose="05000000000000000000" pitchFamily="2" charset="2"/>
               <a:buChar char="n"/>
               <a:defRPr sz="1800" kern="1200">
                 <a:solidFill>
@@ -35151,7 +35117,7 @@
                 <a:schemeClr val="accent1"/>
               </a:buClr>
               <a:buSzPct val="75000"/>
-              <a:buFont typeface="Wingdings" pitchFamily="2" charset="2"/>
+              <a:buFont typeface="Wingdings" panose="05000000000000000000" pitchFamily="2" charset="2"/>
               <a:buChar char="n"/>
               <a:defRPr sz="1800" kern="1200">
                 <a:solidFill>
@@ -35176,7 +35142,7 @@
                 </a:schemeClr>
               </a:buClr>
               <a:buSzPct val="75000"/>
-              <a:buFont typeface="Wingdings" pitchFamily="2" charset="2"/>
+              <a:buFont typeface="Wingdings" panose="05000000000000000000" pitchFamily="2" charset="2"/>
               <a:buChar char="n"/>
               <a:defRPr sz="1800" kern="1200">
                 <a:solidFill>
@@ -35198,7 +35164,7 @@
                 <a:schemeClr val="accent1"/>
               </a:buClr>
               <a:buSzPct val="75000"/>
-              <a:buFont typeface="Wingdings" pitchFamily="2" charset="2"/>
+              <a:buFont typeface="Wingdings" panose="05000000000000000000" pitchFamily="2" charset="2"/>
               <a:buChar char="n"/>
               <a:defRPr sz="1800" kern="1200">
                 <a:solidFill>
@@ -35223,7 +35189,7 @@
                 </a:schemeClr>
               </a:buClr>
               <a:buSzPct val="75000"/>
-              <a:buFont typeface="Wingdings" pitchFamily="2" charset="2"/>
+              <a:buFont typeface="Wingdings" panose="05000000000000000000" pitchFamily="2" charset="2"/>
               <a:buChar char=""/>
               <a:defRPr lang="en-US" sz="1800" kern="1200" dirty="0" smtClean="0">
                 <a:solidFill>
@@ -35245,7 +35211,7 @@
                 <a:schemeClr val="accent1"/>
               </a:buClr>
               <a:buSzPct val="75000"/>
-              <a:buFont typeface="Wingdings" pitchFamily="2" charset="2"/>
+              <a:buFont typeface="Wingdings" panose="05000000000000000000" pitchFamily="2" charset="2"/>
               <a:buChar char=""/>
               <a:defRPr lang="en-US" sz="1800" kern="1200" baseline="0" dirty="0" smtClean="0">
                 <a:solidFill>
@@ -35259,7 +35225,7 @@
                 <a:cs typeface="Eurostile"/>
               </a:defRPr>
             </a:lvl7pPr>
-            <a:lvl8pPr marL="1830388" indent="-228600" algn="l" defTabSz="914400" rtl="0" eaLnBrk="1" latinLnBrk="0" hangingPunct="1">
+            <a:lvl8pPr marL="1830705" indent="-228600" algn="l" defTabSz="914400" rtl="0" eaLnBrk="1" latinLnBrk="0" hangingPunct="1">
               <a:spcBef>
                 <a:spcPct val="20000"/>
               </a:spcBef>
@@ -35270,7 +35236,7 @@
                 </a:schemeClr>
               </a:buClr>
               <a:buSzPct val="75000"/>
-              <a:buFont typeface="Wingdings" pitchFamily="2" charset="2"/>
+              <a:buFont typeface="Wingdings" panose="05000000000000000000" pitchFamily="2" charset="2"/>
               <a:buChar char=""/>
               <a:defRPr lang="en-US" sz="1800" kern="1200" baseline="0" dirty="0" smtClean="0">
                 <a:solidFill>
@@ -35292,7 +35258,7 @@
                 <a:schemeClr val="accent1"/>
               </a:buClr>
               <a:buSzPct val="75000"/>
-              <a:buFont typeface="Wingdings" pitchFamily="2" charset="2"/>
+              <a:buFont typeface="Wingdings" panose="05000000000000000000" pitchFamily="2" charset="2"/>
               <a:buChar char=""/>
               <a:defRPr lang="en-US" sz="1800" kern="1200" baseline="0" dirty="0">
                 <a:solidFill>
@@ -35328,15 +35294,21 @@
               </a:rPr>
               <a:t>主队列</a:t>
             </a:r>
+            <a:endParaRPr lang="zh-CN" altLang="en-US" sz="1800">
+              <a:solidFill>
+                <a:srgbClr val="FFFFFF"/>
+              </a:solidFill>
+              <a:latin typeface="Microsoft YaHei" charset="-122"/>
+              <a:ea typeface="Microsoft YaHei" charset="-122"/>
+              <a:cs typeface="Microsoft YaHei" charset="-122"/>
+            </a:endParaRPr>
           </a:p>
         </p:txBody>
       </p:sp>
       <p:sp>
         <p:nvSpPr>
           <p:cNvPr id="14" name="内容占位符 2"/>
-          <p:cNvSpPr txBox="1">
-            <a:spLocks/>
-          </p:cNvSpPr>
+          <p:cNvSpPr txBox="1"/>
           <p:nvPr/>
         </p:nvSpPr>
         <p:spPr>
@@ -35361,7 +35333,7 @@
                 <a:schemeClr val="accent1"/>
               </a:buClr>
               <a:buSzPct val="75000"/>
-              <a:buFont typeface="Wingdings" pitchFamily="2" charset="2"/>
+              <a:buFont typeface="Wingdings" panose="05000000000000000000" pitchFamily="2" charset="2"/>
               <a:buChar char="n"/>
               <a:defRPr sz="2000" kern="1200">
                 <a:solidFill>
@@ -35386,7 +35358,7 @@
                 </a:schemeClr>
               </a:buClr>
               <a:buSzPct val="75000"/>
-              <a:buFont typeface="Wingdings" pitchFamily="2" charset="2"/>
+              <a:buFont typeface="Wingdings" panose="05000000000000000000" pitchFamily="2" charset="2"/>
               <a:buChar char="n"/>
               <a:defRPr sz="1800" kern="1200">
                 <a:solidFill>
@@ -35408,7 +35380,7 @@
                 <a:schemeClr val="accent1"/>
               </a:buClr>
               <a:buSzPct val="75000"/>
-              <a:buFont typeface="Wingdings" pitchFamily="2" charset="2"/>
+              <a:buFont typeface="Wingdings" panose="05000000000000000000" pitchFamily="2" charset="2"/>
               <a:buChar char="n"/>
               <a:defRPr sz="1800" kern="1200">
                 <a:solidFill>
@@ -35433,7 +35405,7 @@
                 </a:schemeClr>
               </a:buClr>
               <a:buSzPct val="75000"/>
-              <a:buFont typeface="Wingdings" pitchFamily="2" charset="2"/>
+              <a:buFont typeface="Wingdings" panose="05000000000000000000" pitchFamily="2" charset="2"/>
               <a:buChar char="n"/>
               <a:defRPr sz="1800" kern="1200">
                 <a:solidFill>
@@ -35455,7 +35427,7 @@
                 <a:schemeClr val="accent1"/>
               </a:buClr>
               <a:buSzPct val="75000"/>
-              <a:buFont typeface="Wingdings" pitchFamily="2" charset="2"/>
+              <a:buFont typeface="Wingdings" panose="05000000000000000000" pitchFamily="2" charset="2"/>
               <a:buChar char="n"/>
               <a:defRPr sz="1800" kern="1200">
                 <a:solidFill>
@@ -35480,7 +35452,7 @@
                 </a:schemeClr>
               </a:buClr>
               <a:buSzPct val="75000"/>
-              <a:buFont typeface="Wingdings" pitchFamily="2" charset="2"/>
+              <a:buFont typeface="Wingdings" panose="05000000000000000000" pitchFamily="2" charset="2"/>
               <a:buChar char=""/>
               <a:defRPr lang="en-US" sz="1800" kern="1200" dirty="0" smtClean="0">
                 <a:solidFill>
@@ -35502,7 +35474,7 @@
                 <a:schemeClr val="accent1"/>
               </a:buClr>
               <a:buSzPct val="75000"/>
-              <a:buFont typeface="Wingdings" pitchFamily="2" charset="2"/>
+              <a:buFont typeface="Wingdings" panose="05000000000000000000" pitchFamily="2" charset="2"/>
               <a:buChar char=""/>
               <a:defRPr lang="en-US" sz="1800" kern="1200" baseline="0" dirty="0" smtClean="0">
                 <a:solidFill>
@@ -35516,7 +35488,7 @@
                 <a:cs typeface="Eurostile"/>
               </a:defRPr>
             </a:lvl7pPr>
-            <a:lvl8pPr marL="1830388" indent="-228600" algn="l" defTabSz="914400" rtl="0" eaLnBrk="1" latinLnBrk="0" hangingPunct="1">
+            <a:lvl8pPr marL="1830705" indent="-228600" algn="l" defTabSz="914400" rtl="0" eaLnBrk="1" latinLnBrk="0" hangingPunct="1">
               <a:spcBef>
                 <a:spcPct val="20000"/>
               </a:spcBef>
@@ -35527,7 +35499,7 @@
                 </a:schemeClr>
               </a:buClr>
               <a:buSzPct val="75000"/>
-              <a:buFont typeface="Wingdings" pitchFamily="2" charset="2"/>
+              <a:buFont typeface="Wingdings" panose="05000000000000000000" pitchFamily="2" charset="2"/>
               <a:buChar char=""/>
               <a:defRPr lang="en-US" sz="1800" kern="1200" baseline="0" dirty="0" smtClean="0">
                 <a:solidFill>
@@ -35549,7 +35521,7 @@
                 <a:schemeClr val="accent1"/>
               </a:buClr>
               <a:buSzPct val="75000"/>
-              <a:buFont typeface="Wingdings" pitchFamily="2" charset="2"/>
+              <a:buFont typeface="Wingdings" panose="05000000000000000000" pitchFamily="2" charset="2"/>
               <a:buChar char=""/>
               <a:defRPr lang="en-US" sz="1800" kern="1200" baseline="0" dirty="0">
                 <a:solidFill>
@@ -35598,15 +35570,18 @@
               </a:rPr>
               <a:t>）</a:t>
             </a:r>
+            <a:endParaRPr lang="zh-CN" altLang="en-US" sz="1800">
+              <a:latin typeface="Microsoft YaHei" charset="-122"/>
+              <a:ea typeface="Microsoft YaHei" charset="-122"/>
+              <a:cs typeface="Microsoft YaHei" charset="-122"/>
+            </a:endParaRPr>
           </a:p>
         </p:txBody>
       </p:sp>
       <p:sp>
         <p:nvSpPr>
           <p:cNvPr id="15" name="内容占位符 2"/>
-          <p:cNvSpPr txBox="1">
-            <a:spLocks/>
-          </p:cNvSpPr>
+          <p:cNvSpPr txBox="1"/>
           <p:nvPr/>
         </p:nvSpPr>
         <p:spPr>
@@ -35631,7 +35606,7 @@
                 <a:schemeClr val="accent1"/>
               </a:buClr>
               <a:buSzPct val="75000"/>
-              <a:buFont typeface="Wingdings" pitchFamily="2" charset="2"/>
+              <a:buFont typeface="Wingdings" panose="05000000000000000000" pitchFamily="2" charset="2"/>
               <a:buChar char="n"/>
               <a:defRPr sz="2000" kern="1200">
                 <a:solidFill>
@@ -35656,7 +35631,7 @@
                 </a:schemeClr>
               </a:buClr>
               <a:buSzPct val="75000"/>
-              <a:buFont typeface="Wingdings" pitchFamily="2" charset="2"/>
+              <a:buFont typeface="Wingdings" panose="05000000000000000000" pitchFamily="2" charset="2"/>
               <a:buChar char="n"/>
               <a:defRPr sz="1800" kern="1200">
                 <a:solidFill>
@@ -35678,7 +35653,7 @@
                 <a:schemeClr val="accent1"/>
               </a:buClr>
               <a:buSzPct val="75000"/>
-              <a:buFont typeface="Wingdings" pitchFamily="2" charset="2"/>
+              <a:buFont typeface="Wingdings" panose="05000000000000000000" pitchFamily="2" charset="2"/>
               <a:buChar char="n"/>
               <a:defRPr sz="1800" kern="1200">
                 <a:solidFill>
@@ -35703,7 +35678,7 @@
                 </a:schemeClr>
               </a:buClr>
               <a:buSzPct val="75000"/>
-              <a:buFont typeface="Wingdings" pitchFamily="2" charset="2"/>
+              <a:buFont typeface="Wingdings" panose="05000000000000000000" pitchFamily="2" charset="2"/>
               <a:buChar char="n"/>
               <a:defRPr sz="1800" kern="1200">
                 <a:solidFill>
@@ -35725,7 +35700,7 @@
                 <a:schemeClr val="accent1"/>
               </a:buClr>
               <a:buSzPct val="75000"/>
-              <a:buFont typeface="Wingdings" pitchFamily="2" charset="2"/>
+              <a:buFont typeface="Wingdings" panose="05000000000000000000" pitchFamily="2" charset="2"/>
               <a:buChar char="n"/>
               <a:defRPr sz="1800" kern="1200">
                 <a:solidFill>
@@ -35750,7 +35725,7 @@
                 </a:schemeClr>
               </a:buClr>
               <a:buSzPct val="75000"/>
-              <a:buFont typeface="Wingdings" pitchFamily="2" charset="2"/>
+              <a:buFont typeface="Wingdings" panose="05000000000000000000" pitchFamily="2" charset="2"/>
               <a:buChar char=""/>
               <a:defRPr lang="en-US" sz="1800" kern="1200" dirty="0" smtClean="0">
                 <a:solidFill>
@@ -35772,7 +35747,7 @@
                 <a:schemeClr val="accent1"/>
               </a:buClr>
               <a:buSzPct val="75000"/>
-              <a:buFont typeface="Wingdings" pitchFamily="2" charset="2"/>
+              <a:buFont typeface="Wingdings" panose="05000000000000000000" pitchFamily="2" charset="2"/>
               <a:buChar char=""/>
               <a:defRPr lang="en-US" sz="1800" kern="1200" baseline="0" dirty="0" smtClean="0">
                 <a:solidFill>
@@ -35786,7 +35761,7 @@
                 <a:cs typeface="Eurostile"/>
               </a:defRPr>
             </a:lvl7pPr>
-            <a:lvl8pPr marL="1830388" indent="-228600" algn="l" defTabSz="914400" rtl="0" eaLnBrk="1" latinLnBrk="0" hangingPunct="1">
+            <a:lvl8pPr marL="1830705" indent="-228600" algn="l" defTabSz="914400" rtl="0" eaLnBrk="1" latinLnBrk="0" hangingPunct="1">
               <a:spcBef>
                 <a:spcPct val="20000"/>
               </a:spcBef>
@@ -35797,7 +35772,7 @@
                 </a:schemeClr>
               </a:buClr>
               <a:buSzPct val="75000"/>
-              <a:buFont typeface="Wingdings" pitchFamily="2" charset="2"/>
+              <a:buFont typeface="Wingdings" panose="05000000000000000000" pitchFamily="2" charset="2"/>
               <a:buChar char=""/>
               <a:defRPr lang="en-US" sz="1800" kern="1200" baseline="0" dirty="0" smtClean="0">
                 <a:solidFill>
@@ -35819,7 +35794,7 @@
                 <a:schemeClr val="accent1"/>
               </a:buClr>
               <a:buSzPct val="75000"/>
-              <a:buFont typeface="Wingdings" pitchFamily="2" charset="2"/>
+              <a:buFont typeface="Wingdings" panose="05000000000000000000" pitchFamily="2" charset="2"/>
               <a:buChar char=""/>
               <a:defRPr lang="en-US" sz="1800" kern="1200" baseline="0" dirty="0">
                 <a:solidFill>
@@ -35868,15 +35843,15 @@
               </a:rPr>
               <a:t>）</a:t>
             </a:r>
+            <a:endParaRPr lang="zh-CN" altLang="en-US" sz="1800">
+              <a:latin typeface="Microsoft YaHei" charset="-122"/>
+              <a:ea typeface="Microsoft YaHei" charset="-122"/>
+              <a:cs typeface="Microsoft YaHei" charset="-122"/>
+            </a:endParaRPr>
           </a:p>
         </p:txBody>
       </p:sp>
     </p:spTree>
-    <p:extLst>
-      <p:ext uri="{BB962C8B-B14F-4D97-AF65-F5344CB8AC3E}">
-        <p14:creationId xmlns:p14="http://schemas.microsoft.com/office/powerpoint/2010/main" val="1516642841"/>
-      </p:ext>
-    </p:extLst>
   </p:cSld>
   <p:clrMapOvr>
     <a:masterClrMapping/>
@@ -37342,11 +37317,9 @@
       </a:bgFillStyleLst>
     </a:fmtScheme>
   </a:themeElements>
-  <a:objectDefaults/>
-  <a:extraClrSchemeLst/>
   <a:extLst>
     <a:ext uri="{05A4C25C-085E-4340-85A3-A5531E510DB2}">
-      <thm15:themeFamily xmlns:thm15="http://schemas.microsoft.com/office/thememl/2012/main" name="2017-Seemygo.potx" id="{3322639B-F8FE-4D8E-B95A-689F35BC92D4}" vid="{7BDECA8C-96EE-4475-8611-81F66AB506B9}"/>
+      <thm15:themeFamily xmlns:thm15="http://schemas.microsoft.com/office/thememl/2012/main" name="Office Theme" id="{62F939B6-93AF-4DB8-9C6B-D6C7DFDC589F}" vid="{4A3C46E8-61CC-4603-A589-7422A47A8E4A}"/>
     </a:ext>
   </a:extLst>
 </a:theme>
@@ -37603,8 +37576,6 @@
       </a:bgFillStyleLst>
     </a:fmtScheme>
   </a:themeElements>
-  <a:objectDefaults/>
-  <a:extraClrSchemeLst/>
   <a:extLst>
     <a:ext uri="{05A4C25C-085E-4340-85A3-A5531E510DB2}">
       <thm15:themeFamily xmlns:thm15="http://schemas.microsoft.com/office/thememl/2012/main" name="Office Theme" id="{62F939B6-93AF-4DB8-9C6B-D6C7DFDC589F}" vid="{4A3C46E8-61CC-4603-A589-7422A47A8E4A}"/>
@@ -37656,7 +37627,7 @@
     </a:clrScheme>
     <a:fontScheme name="Office">
       <a:majorFont>
-        <a:latin typeface="等线 Light" panose="020F0302020204030204"/>
+        <a:latin typeface="等线 Light"/>
         <a:ea typeface=""/>
         <a:cs typeface=""/>
         <a:font script="Jpan" typeface="游ゴシック Light"/>
@@ -37689,26 +37660,9 @@
         <a:font script="Viet" typeface="Times New Roman"/>
         <a:font script="Uigh" typeface="Microsoft Uighur"/>
         <a:font script="Geor" typeface="Sylfaen"/>
-        <a:font script="Armn" typeface="Arial"/>
-        <a:font script="Bugi" typeface="Leelawadee UI"/>
-        <a:font script="Bopo" typeface="Microsoft JhengHei"/>
-        <a:font script="Java" typeface="Javanese Text"/>
-        <a:font script="Lisu" typeface="Segoe UI"/>
-        <a:font script="Mymr" typeface="Myanmar Text"/>
-        <a:font script="Nkoo" typeface="Ebrima"/>
-        <a:font script="Olck" typeface="Nirmala UI"/>
-        <a:font script="Osma" typeface="Ebrima"/>
-        <a:font script="Phag" typeface="Phagspa"/>
-        <a:font script="Syrn" typeface="Estrangelo Edessa"/>
-        <a:font script="Syrj" typeface="Estrangelo Edessa"/>
-        <a:font script="Syre" typeface="Estrangelo Edessa"/>
-        <a:font script="Sora" typeface="Nirmala UI"/>
-        <a:font script="Tale" typeface="Microsoft Tai Le"/>
-        <a:font script="Talu" typeface="Microsoft New Tai Lue"/>
-        <a:font script="Tfng" typeface="Ebrima"/>
       </a:majorFont>
       <a:minorFont>
-        <a:latin typeface="等线" panose="020F0502020204030204"/>
+        <a:latin typeface="等线"/>
         <a:ea typeface=""/>
         <a:cs typeface=""/>
         <a:font script="Jpan" typeface="游ゴシック"/>
@@ -37741,23 +37695,6 @@
         <a:font script="Viet" typeface="Arial"/>
         <a:font script="Uigh" typeface="Microsoft Uighur"/>
         <a:font script="Geor" typeface="Sylfaen"/>
-        <a:font script="Armn" typeface="Arial"/>
-        <a:font script="Bugi" typeface="Leelawadee UI"/>
-        <a:font script="Bopo" typeface="Microsoft JhengHei"/>
-        <a:font script="Java" typeface="Javanese Text"/>
-        <a:font script="Lisu" typeface="Segoe UI"/>
-        <a:font script="Mymr" typeface="Myanmar Text"/>
-        <a:font script="Nkoo" typeface="Ebrima"/>
-        <a:font script="Olck" typeface="Nirmala UI"/>
-        <a:font script="Osma" typeface="Ebrima"/>
-        <a:font script="Phag" typeface="Phagspa"/>
-        <a:font script="Syrn" typeface="Estrangelo Edessa"/>
-        <a:font script="Syrj" typeface="Estrangelo Edessa"/>
-        <a:font script="Syre" typeface="Estrangelo Edessa"/>
-        <a:font script="Sora" typeface="Nirmala UI"/>
-        <a:font script="Tale" typeface="Microsoft Tai Le"/>
-        <a:font script="Talu" typeface="Microsoft New Tai Lue"/>
-        <a:font script="Tfng" typeface="Ebrima"/>
       </a:minorFont>
     </a:fontScheme>
     <a:fmtScheme name="Office">
@@ -37898,8 +37835,6 @@
       </a:bgFillStyleLst>
     </a:fmtScheme>
   </a:themeElements>
-  <a:objectDefaults/>
-  <a:extraClrSchemeLst/>
   <a:extLst>
     <a:ext uri="{05A4C25C-085E-4340-85A3-A5531E510DB2}">
       <thm15:themeFamily xmlns:thm15="http://schemas.microsoft.com/office/thememl/2012/main" name="Office Theme" id="{62F939B6-93AF-4DB8-9C6B-D6C7DFDC589F}" vid="{4A3C46E8-61CC-4603-A589-7422A47A8E4A}"/>
